--- a/Presentations/Presentation Jan 26.pptx
+++ b/Presentations/Presentation Jan 26.pptx
@@ -5,19 +5,25 @@
     <p:sldMasterId id="2147483660" r:id="rId1"/>
     <p:sldMasterId id="2147483704" r:id="rId2"/>
   </p:sldMasterIdLst>
+  <p:notesMasterIdLst>
+    <p:notesMasterId r:id="rId18"/>
+  </p:notesMasterIdLst>
   <p:sldIdLst>
     <p:sldId id="267" r:id="rId3"/>
     <p:sldId id="269" r:id="rId4"/>
     <p:sldId id="266" r:id="rId5"/>
-    <p:sldId id="265" r:id="rId6"/>
-    <p:sldId id="264" r:id="rId7"/>
-    <p:sldId id="262" r:id="rId8"/>
-    <p:sldId id="261" r:id="rId9"/>
-    <p:sldId id="260" r:id="rId10"/>
-    <p:sldId id="259" r:id="rId11"/>
+    <p:sldId id="272" r:id="rId6"/>
+    <p:sldId id="274" r:id="rId7"/>
+    <p:sldId id="275" r:id="rId8"/>
+    <p:sldId id="273" r:id="rId9"/>
+    <p:sldId id="276" r:id="rId10"/>
+    <p:sldId id="277" r:id="rId11"/>
     <p:sldId id="263" r:id="rId12"/>
     <p:sldId id="258" r:id="rId13"/>
-    <p:sldId id="257" r:id="rId14"/>
+    <p:sldId id="270" r:id="rId14"/>
+    <p:sldId id="271" r:id="rId15"/>
+    <p:sldId id="260" r:id="rId16"/>
+    <p:sldId id="257" r:id="rId17"/>
   </p:sldIdLst>
   <p:sldSz cx="12192000" cy="6858000"/>
   <p:notesSz cx="6858000" cy="9144000"/>
@@ -124,13 +130,667 @@
 </p:presentation>
 </file>
 
-<file path=ppt/revisionInfo.xml><?xml version="1.0" encoding="utf-8"?>
-<p1510:revInfo xmlns:a="http://schemas.openxmlformats.org/drawingml/2006/main" xmlns:r="http://schemas.openxmlformats.org/officeDocument/2006/relationships" xmlns:p1510="http://schemas.microsoft.com/office/powerpoint/2015/10/main">
-  <p1510:revLst>
-    <p1510:client id="{0965541D-C462-4D52-BA59-C9528C3DB019}" v="12" dt="2022-01-22T18:03:11.700"/>
-    <p1510:client id="{B6C98158-8CEB-8510-64D7-D521AA695F1A}" v="251" dt="2022-01-22T19:27:28.456"/>
-  </p1510:revLst>
-</p1510:revInfo>
+<file path=ppt/changesInfos/changesInfo1.xml><?xml version="1.0" encoding="utf-8"?>
+<pc:chgInfo xmlns:a="http://schemas.openxmlformats.org/drawingml/2006/main" xmlns:r="http://schemas.openxmlformats.org/officeDocument/2006/relationships" xmlns:ac="http://schemas.microsoft.com/office/drawing/2013/main/command" xmlns:pc="http://schemas.microsoft.com/office/powerpoint/2013/main/command">
+  <pc:docChgLst>
+    <pc:chgData name="Erik Manis" userId="88af51049543f108" providerId="LiveId" clId="{03C293E5-5459-4F37-8C45-38931649F7DE}"/>
+    <pc:docChg chg="custSel addSld delSld modSld sldOrd">
+      <pc:chgData name="Erik Manis" userId="88af51049543f108" providerId="LiveId" clId="{03C293E5-5459-4F37-8C45-38931649F7DE}" dt="2022-01-25T19:57:56.509" v="1876" actId="14100"/>
+      <pc:docMkLst>
+        <pc:docMk/>
+      </pc:docMkLst>
+      <pc:sldChg chg="modSp mod">
+        <pc:chgData name="Erik Manis" userId="88af51049543f108" providerId="LiveId" clId="{03C293E5-5459-4F37-8C45-38931649F7DE}" dt="2022-01-25T19:57:56.509" v="1876" actId="14100"/>
+        <pc:sldMkLst>
+          <pc:docMk/>
+          <pc:sldMk cId="3388507586" sldId="257"/>
+        </pc:sldMkLst>
+        <pc:spChg chg="mod">
+          <ac:chgData name="Erik Manis" userId="88af51049543f108" providerId="LiveId" clId="{03C293E5-5459-4F37-8C45-38931649F7DE}" dt="2022-01-25T19:57:56.509" v="1876" actId="14100"/>
+          <ac:spMkLst>
+            <pc:docMk/>
+            <pc:sldMk cId="3388507586" sldId="257"/>
+            <ac:spMk id="3" creationId="{65002332-FD90-4584-B9DA-7B2991C45D1C}"/>
+          </ac:spMkLst>
+        </pc:spChg>
+      </pc:sldChg>
+      <pc:sldChg chg="modSp mod ord">
+        <pc:chgData name="Erik Manis" userId="88af51049543f108" providerId="LiveId" clId="{03C293E5-5459-4F37-8C45-38931649F7DE}" dt="2022-01-25T19:31:28.898" v="652" actId="20577"/>
+        <pc:sldMkLst>
+          <pc:docMk/>
+          <pc:sldMk cId="1892619025" sldId="258"/>
+        </pc:sldMkLst>
+        <pc:spChg chg="mod">
+          <ac:chgData name="Erik Manis" userId="88af51049543f108" providerId="LiveId" clId="{03C293E5-5459-4F37-8C45-38931649F7DE}" dt="2022-01-25T19:31:28.898" v="652" actId="20577"/>
+          <ac:spMkLst>
+            <pc:docMk/>
+            <pc:sldMk cId="1892619025" sldId="258"/>
+            <ac:spMk id="2" creationId="{96A9C011-62E6-44EE-836D-F14EA870393B}"/>
+          </ac:spMkLst>
+        </pc:spChg>
+      </pc:sldChg>
+      <pc:sldChg chg="del ord">
+        <pc:chgData name="Erik Manis" userId="88af51049543f108" providerId="LiveId" clId="{03C293E5-5459-4F37-8C45-38931649F7DE}" dt="2022-01-25T19:29:33.836" v="581" actId="47"/>
+        <pc:sldMkLst>
+          <pc:docMk/>
+          <pc:sldMk cId="4179251466" sldId="259"/>
+        </pc:sldMkLst>
+      </pc:sldChg>
+      <pc:sldChg chg="modSp mod">
+        <pc:chgData name="Erik Manis" userId="88af51049543f108" providerId="LiveId" clId="{03C293E5-5459-4F37-8C45-38931649F7DE}" dt="2022-01-25T19:52:44.602" v="1875" actId="20577"/>
+        <pc:sldMkLst>
+          <pc:docMk/>
+          <pc:sldMk cId="2977494336" sldId="260"/>
+        </pc:sldMkLst>
+        <pc:spChg chg="mod">
+          <ac:chgData name="Erik Manis" userId="88af51049543f108" providerId="LiveId" clId="{03C293E5-5459-4F37-8C45-38931649F7DE}" dt="2022-01-25T19:52:44.602" v="1875" actId="20577"/>
+          <ac:spMkLst>
+            <pc:docMk/>
+            <pc:sldMk cId="2977494336" sldId="260"/>
+            <ac:spMk id="3" creationId="{2484C1CA-CA0A-488E-99DF-480F2A746C7C}"/>
+          </ac:spMkLst>
+        </pc:spChg>
+      </pc:sldChg>
+      <pc:sldChg chg="del">
+        <pc:chgData name="Erik Manis" userId="88af51049543f108" providerId="LiveId" clId="{03C293E5-5459-4F37-8C45-38931649F7DE}" dt="2022-01-25T19:29:10.800" v="574" actId="47"/>
+        <pc:sldMkLst>
+          <pc:docMk/>
+          <pc:sldMk cId="1463023376" sldId="261"/>
+        </pc:sldMkLst>
+      </pc:sldChg>
+      <pc:sldChg chg="del">
+        <pc:chgData name="Erik Manis" userId="88af51049543f108" providerId="LiveId" clId="{03C293E5-5459-4F37-8C45-38931649F7DE}" dt="2022-01-25T19:28:53.790" v="573" actId="47"/>
+        <pc:sldMkLst>
+          <pc:docMk/>
+          <pc:sldMk cId="3744413945" sldId="262"/>
+        </pc:sldMkLst>
+      </pc:sldChg>
+      <pc:sldChg chg="ord">
+        <pc:chgData name="Erik Manis" userId="88af51049543f108" providerId="LiveId" clId="{03C293E5-5459-4F37-8C45-38931649F7DE}" dt="2022-01-25T19:29:26.320" v="580"/>
+        <pc:sldMkLst>
+          <pc:docMk/>
+          <pc:sldMk cId="2941728858" sldId="263"/>
+        </pc:sldMkLst>
+      </pc:sldChg>
+      <pc:sldChg chg="del">
+        <pc:chgData name="Erik Manis" userId="88af51049543f108" providerId="LiveId" clId="{03C293E5-5459-4F37-8C45-38931649F7DE}" dt="2022-01-25T19:28:50.953" v="572" actId="47"/>
+        <pc:sldMkLst>
+          <pc:docMk/>
+          <pc:sldMk cId="1717497742" sldId="264"/>
+        </pc:sldMkLst>
+      </pc:sldChg>
+      <pc:sldChg chg="del">
+        <pc:chgData name="Erik Manis" userId="88af51049543f108" providerId="LiveId" clId="{03C293E5-5459-4F37-8C45-38931649F7DE}" dt="2022-01-25T19:27:15.090" v="454" actId="47"/>
+        <pc:sldMkLst>
+          <pc:docMk/>
+          <pc:sldMk cId="4200090189" sldId="265"/>
+        </pc:sldMkLst>
+      </pc:sldChg>
+      <pc:sldChg chg="modSp mod">
+        <pc:chgData name="Erik Manis" userId="88af51049543f108" providerId="LiveId" clId="{03C293E5-5459-4F37-8C45-38931649F7DE}" dt="2022-01-25T19:36:56.920" v="998" actId="1076"/>
+        <pc:sldMkLst>
+          <pc:docMk/>
+          <pc:sldMk cId="1379591483" sldId="266"/>
+        </pc:sldMkLst>
+        <pc:spChg chg="mod">
+          <ac:chgData name="Erik Manis" userId="88af51049543f108" providerId="LiveId" clId="{03C293E5-5459-4F37-8C45-38931649F7DE}" dt="2022-01-25T19:36:56.920" v="998" actId="1076"/>
+          <ac:spMkLst>
+            <pc:docMk/>
+            <pc:sldMk cId="1379591483" sldId="266"/>
+            <ac:spMk id="3" creationId="{3298A509-2051-40B2-B8C6-785AC74000EB}"/>
+          </ac:spMkLst>
+        </pc:spChg>
+      </pc:sldChg>
+      <pc:sldChg chg="modSp mod">
+        <pc:chgData name="Erik Manis" userId="88af51049543f108" providerId="LiveId" clId="{03C293E5-5459-4F37-8C45-38931649F7DE}" dt="2022-01-25T19:19:45.266" v="149" actId="20577"/>
+        <pc:sldMkLst>
+          <pc:docMk/>
+          <pc:sldMk cId="2198405854" sldId="267"/>
+        </pc:sldMkLst>
+        <pc:spChg chg="mod">
+          <ac:chgData name="Erik Manis" userId="88af51049543f108" providerId="LiveId" clId="{03C293E5-5459-4F37-8C45-38931649F7DE}" dt="2022-01-25T19:19:45.266" v="149" actId="20577"/>
+          <ac:spMkLst>
+            <pc:docMk/>
+            <pc:sldMk cId="2198405854" sldId="267"/>
+            <ac:spMk id="3" creationId="{00000000-0000-0000-0000-000000000000}"/>
+          </ac:spMkLst>
+        </pc:spChg>
+      </pc:sldChg>
+      <pc:sldChg chg="modSp mod">
+        <pc:chgData name="Erik Manis" userId="88af51049543f108" providerId="LiveId" clId="{03C293E5-5459-4F37-8C45-38931649F7DE}" dt="2022-01-25T19:23:23.615" v="442" actId="20577"/>
+        <pc:sldMkLst>
+          <pc:docMk/>
+          <pc:sldMk cId="3903332358" sldId="269"/>
+        </pc:sldMkLst>
+        <pc:spChg chg="mod">
+          <ac:chgData name="Erik Manis" userId="88af51049543f108" providerId="LiveId" clId="{03C293E5-5459-4F37-8C45-38931649F7DE}" dt="2022-01-25T19:23:23.615" v="442" actId="20577"/>
+          <ac:spMkLst>
+            <pc:docMk/>
+            <pc:sldMk cId="3903332358" sldId="269"/>
+            <ac:spMk id="3" creationId="{3298A509-2051-40B2-B8C6-785AC74000EB}"/>
+          </ac:spMkLst>
+        </pc:spChg>
+      </pc:sldChg>
+      <pc:sldChg chg="modSp new mod">
+        <pc:chgData name="Erik Manis" userId="88af51049543f108" providerId="LiveId" clId="{03C293E5-5459-4F37-8C45-38931649F7DE}" dt="2022-01-25T19:31:04.165" v="621" actId="27636"/>
+        <pc:sldMkLst>
+          <pc:docMk/>
+          <pc:sldMk cId="1978831218" sldId="270"/>
+        </pc:sldMkLst>
+        <pc:spChg chg="mod">
+          <ac:chgData name="Erik Manis" userId="88af51049543f108" providerId="LiveId" clId="{03C293E5-5459-4F37-8C45-38931649F7DE}" dt="2022-01-25T19:31:04.165" v="621" actId="27636"/>
+          <ac:spMkLst>
+            <pc:docMk/>
+            <pc:sldMk cId="1978831218" sldId="270"/>
+            <ac:spMk id="2" creationId="{FACCB9F9-C474-448D-B391-62DC82B6F3FB}"/>
+          </ac:spMkLst>
+        </pc:spChg>
+      </pc:sldChg>
+      <pc:sldChg chg="modSp new mod">
+        <pc:chgData name="Erik Manis" userId="88af51049543f108" providerId="LiveId" clId="{03C293E5-5459-4F37-8C45-38931649F7DE}" dt="2022-01-25T19:31:17.944" v="638" actId="20577"/>
+        <pc:sldMkLst>
+          <pc:docMk/>
+          <pc:sldMk cId="3479068332" sldId="271"/>
+        </pc:sldMkLst>
+        <pc:spChg chg="mod">
+          <ac:chgData name="Erik Manis" userId="88af51049543f108" providerId="LiveId" clId="{03C293E5-5459-4F37-8C45-38931649F7DE}" dt="2022-01-25T19:31:17.944" v="638" actId="20577"/>
+          <ac:spMkLst>
+            <pc:docMk/>
+            <pc:sldMk cId="3479068332" sldId="271"/>
+            <ac:spMk id="2" creationId="{F960C915-8E3D-4C82-994D-2451D77C7271}"/>
+          </ac:spMkLst>
+        </pc:spChg>
+      </pc:sldChg>
+      <pc:sldChg chg="modSp new mod">
+        <pc:chgData name="Erik Manis" userId="88af51049543f108" providerId="LiveId" clId="{03C293E5-5459-4F37-8C45-38931649F7DE}" dt="2022-01-25T19:38:11.849" v="1043" actId="1076"/>
+        <pc:sldMkLst>
+          <pc:docMk/>
+          <pc:sldMk cId="2909048310" sldId="272"/>
+        </pc:sldMkLst>
+        <pc:spChg chg="mod">
+          <ac:chgData name="Erik Manis" userId="88af51049543f108" providerId="LiveId" clId="{03C293E5-5459-4F37-8C45-38931649F7DE}" dt="2022-01-25T19:32:43.481" v="676" actId="20577"/>
+          <ac:spMkLst>
+            <pc:docMk/>
+            <pc:sldMk cId="2909048310" sldId="272"/>
+            <ac:spMk id="2" creationId="{D8DA8A77-3D5C-4128-8B2B-79B94B6CB9CE}"/>
+          </ac:spMkLst>
+        </pc:spChg>
+        <pc:spChg chg="mod">
+          <ac:chgData name="Erik Manis" userId="88af51049543f108" providerId="LiveId" clId="{03C293E5-5459-4F37-8C45-38931649F7DE}" dt="2022-01-25T19:38:11.849" v="1043" actId="1076"/>
+          <ac:spMkLst>
+            <pc:docMk/>
+            <pc:sldMk cId="2909048310" sldId="272"/>
+            <ac:spMk id="3" creationId="{F38787CF-E34F-434A-88EB-F854CA168C88}"/>
+          </ac:spMkLst>
+        </pc:spChg>
+      </pc:sldChg>
+      <pc:sldChg chg="modSp new mod">
+        <pc:chgData name="Erik Manis" userId="88af51049543f108" providerId="LiveId" clId="{03C293E5-5459-4F37-8C45-38931649F7DE}" dt="2022-01-25T19:41:56.612" v="1374" actId="20577"/>
+        <pc:sldMkLst>
+          <pc:docMk/>
+          <pc:sldMk cId="2086654361" sldId="273"/>
+        </pc:sldMkLst>
+        <pc:spChg chg="mod">
+          <ac:chgData name="Erik Manis" userId="88af51049543f108" providerId="LiveId" clId="{03C293E5-5459-4F37-8C45-38931649F7DE}" dt="2022-01-25T19:32:54.709" v="694" actId="20577"/>
+          <ac:spMkLst>
+            <pc:docMk/>
+            <pc:sldMk cId="2086654361" sldId="273"/>
+            <ac:spMk id="2" creationId="{176630BE-B2CD-4315-B187-0E55B8DE490D}"/>
+          </ac:spMkLst>
+        </pc:spChg>
+        <pc:spChg chg="mod">
+          <ac:chgData name="Erik Manis" userId="88af51049543f108" providerId="LiveId" clId="{03C293E5-5459-4F37-8C45-38931649F7DE}" dt="2022-01-25T19:41:56.612" v="1374" actId="20577"/>
+          <ac:spMkLst>
+            <pc:docMk/>
+            <pc:sldMk cId="2086654361" sldId="273"/>
+            <ac:spMk id="3" creationId="{4CF04D1E-881D-41DB-A2ED-846D490D6FF0}"/>
+          </ac:spMkLst>
+        </pc:spChg>
+      </pc:sldChg>
+      <pc:sldChg chg="modSp new mod">
+        <pc:chgData name="Erik Manis" userId="88af51049543f108" providerId="LiveId" clId="{03C293E5-5459-4F37-8C45-38931649F7DE}" dt="2022-01-25T19:38:43.115" v="1072" actId="1076"/>
+        <pc:sldMkLst>
+          <pc:docMk/>
+          <pc:sldMk cId="4276750218" sldId="274"/>
+        </pc:sldMkLst>
+        <pc:spChg chg="mod">
+          <ac:chgData name="Erik Manis" userId="88af51049543f108" providerId="LiveId" clId="{03C293E5-5459-4F37-8C45-38931649F7DE}" dt="2022-01-25T19:38:32.404" v="1061" actId="20577"/>
+          <ac:spMkLst>
+            <pc:docMk/>
+            <pc:sldMk cId="4276750218" sldId="274"/>
+            <ac:spMk id="2" creationId="{94EE3A7E-A89C-4EA6-ABDA-6F1A84EB3C84}"/>
+          </ac:spMkLst>
+        </pc:spChg>
+        <pc:spChg chg="mod">
+          <ac:chgData name="Erik Manis" userId="88af51049543f108" providerId="LiveId" clId="{03C293E5-5459-4F37-8C45-38931649F7DE}" dt="2022-01-25T19:38:43.115" v="1072" actId="1076"/>
+          <ac:spMkLst>
+            <pc:docMk/>
+            <pc:sldMk cId="4276750218" sldId="274"/>
+            <ac:spMk id="3" creationId="{EE71A8BA-2688-40A3-BC09-109B63C6AAAC}"/>
+          </ac:spMkLst>
+        </pc:spChg>
+      </pc:sldChg>
+      <pc:sldChg chg="modSp new mod">
+        <pc:chgData name="Erik Manis" userId="88af51049543f108" providerId="LiveId" clId="{03C293E5-5459-4F37-8C45-38931649F7DE}" dt="2022-01-25T19:40:32.463" v="1249" actId="33524"/>
+        <pc:sldMkLst>
+          <pc:docMk/>
+          <pc:sldMk cId="1436625744" sldId="275"/>
+        </pc:sldMkLst>
+        <pc:spChg chg="mod">
+          <ac:chgData name="Erik Manis" userId="88af51049543f108" providerId="LiveId" clId="{03C293E5-5459-4F37-8C45-38931649F7DE}" dt="2022-01-25T19:39:22.955" v="1092" actId="20577"/>
+          <ac:spMkLst>
+            <pc:docMk/>
+            <pc:sldMk cId="1436625744" sldId="275"/>
+            <ac:spMk id="2" creationId="{D5DB5DBF-0759-49DD-8EB7-B5D09D6500EC}"/>
+          </ac:spMkLst>
+        </pc:spChg>
+        <pc:spChg chg="mod">
+          <ac:chgData name="Erik Manis" userId="88af51049543f108" providerId="LiveId" clId="{03C293E5-5459-4F37-8C45-38931649F7DE}" dt="2022-01-25T19:40:32.463" v="1249" actId="33524"/>
+          <ac:spMkLst>
+            <pc:docMk/>
+            <pc:sldMk cId="1436625744" sldId="275"/>
+            <ac:spMk id="3" creationId="{6F020079-CAA6-47D7-86A5-6EE4E5AFFF65}"/>
+          </ac:spMkLst>
+        </pc:spChg>
+      </pc:sldChg>
+      <pc:sldChg chg="modSp new mod">
+        <pc:chgData name="Erik Manis" userId="88af51049543f108" providerId="LiveId" clId="{03C293E5-5459-4F37-8C45-38931649F7DE}" dt="2022-01-25T19:43:16.051" v="1522" actId="20577"/>
+        <pc:sldMkLst>
+          <pc:docMk/>
+          <pc:sldMk cId="1410635052" sldId="276"/>
+        </pc:sldMkLst>
+        <pc:spChg chg="mod">
+          <ac:chgData name="Erik Manis" userId="88af51049543f108" providerId="LiveId" clId="{03C293E5-5459-4F37-8C45-38931649F7DE}" dt="2022-01-25T19:42:20.258" v="1394" actId="20577"/>
+          <ac:spMkLst>
+            <pc:docMk/>
+            <pc:sldMk cId="1410635052" sldId="276"/>
+            <ac:spMk id="2" creationId="{C80CCDC2-9AD6-445A-BF4A-D4EE6838A826}"/>
+          </ac:spMkLst>
+        </pc:spChg>
+        <pc:spChg chg="mod">
+          <ac:chgData name="Erik Manis" userId="88af51049543f108" providerId="LiveId" clId="{03C293E5-5459-4F37-8C45-38931649F7DE}" dt="2022-01-25T19:43:16.051" v="1522" actId="20577"/>
+          <ac:spMkLst>
+            <pc:docMk/>
+            <pc:sldMk cId="1410635052" sldId="276"/>
+            <ac:spMk id="3" creationId="{CEEA08E7-9A67-402F-B690-64643B4A4133}"/>
+          </ac:spMkLst>
+        </pc:spChg>
+      </pc:sldChg>
+      <pc:sldChg chg="modSp new mod">
+        <pc:chgData name="Erik Manis" userId="88af51049543f108" providerId="LiveId" clId="{03C293E5-5459-4F37-8C45-38931649F7DE}" dt="2022-01-25T19:45:24.383" v="1673" actId="20577"/>
+        <pc:sldMkLst>
+          <pc:docMk/>
+          <pc:sldMk cId="1818233523" sldId="277"/>
+        </pc:sldMkLst>
+        <pc:spChg chg="mod">
+          <ac:chgData name="Erik Manis" userId="88af51049543f108" providerId="LiveId" clId="{03C293E5-5459-4F37-8C45-38931649F7DE}" dt="2022-01-25T19:43:58.192" v="1544" actId="20577"/>
+          <ac:spMkLst>
+            <pc:docMk/>
+            <pc:sldMk cId="1818233523" sldId="277"/>
+            <ac:spMk id="2" creationId="{9525CA29-12AD-4842-8BF7-2AA81B1D17E5}"/>
+          </ac:spMkLst>
+        </pc:spChg>
+        <pc:spChg chg="mod">
+          <ac:chgData name="Erik Manis" userId="88af51049543f108" providerId="LiveId" clId="{03C293E5-5459-4F37-8C45-38931649F7DE}" dt="2022-01-25T19:45:24.383" v="1673" actId="20577"/>
+          <ac:spMkLst>
+            <pc:docMk/>
+            <pc:sldMk cId="1818233523" sldId="277"/>
+            <ac:spMk id="3" creationId="{CC48DB1D-6DE6-4956-A531-837F4A974461}"/>
+          </ac:spMkLst>
+        </pc:spChg>
+      </pc:sldChg>
+    </pc:docChg>
+  </pc:docChgLst>
+</pc:chgInfo>
+</file>
+
+<file path=ppt/notesMasters/notesMaster1.xml><?xml version="1.0" encoding="utf-8"?>
+<p:notesMaster xmlns:a="http://schemas.openxmlformats.org/drawingml/2006/main" xmlns:r="http://schemas.openxmlformats.org/officeDocument/2006/relationships" xmlns:p="http://schemas.openxmlformats.org/presentationml/2006/main">
+  <p:cSld>
+    <p:bg>
+      <p:bgRef idx="1001">
+        <a:schemeClr val="bg1"/>
+      </p:bgRef>
+    </p:bg>
+    <p:spTree>
+      <p:nvGrpSpPr>
+        <p:cNvPr id="1" name=""/>
+        <p:cNvGrpSpPr/>
+        <p:nvPr/>
+      </p:nvGrpSpPr>
+      <p:grpSpPr>
+        <a:xfrm>
+          <a:off x="0" y="0"/>
+          <a:ext cx="0" cy="0"/>
+          <a:chOff x="0" y="0"/>
+          <a:chExt cx="0" cy="0"/>
+        </a:xfrm>
+      </p:grpSpPr>
+      <p:sp>
+        <p:nvSpPr>
+          <p:cNvPr id="2" name="Header Placeholder 1"/>
+          <p:cNvSpPr>
+            <a:spLocks noGrp="1"/>
+          </p:cNvSpPr>
+          <p:nvPr>
+            <p:ph type="hdr" sz="quarter"/>
+          </p:nvPr>
+        </p:nvSpPr>
+        <p:spPr>
+          <a:xfrm>
+            <a:off x="0" y="0"/>
+            <a:ext cx="2971800" cy="458788"/>
+          </a:xfrm>
+          <a:prstGeom prst="rect">
+            <a:avLst/>
+          </a:prstGeom>
+        </p:spPr>
+        <p:txBody>
+          <a:bodyPr vert="horz" lIns="91440" tIns="45720" rIns="91440" bIns="45720" rtlCol="0"/>
+          <a:lstStyle>
+            <a:lvl1pPr algn="l">
+              <a:defRPr sz="1200"/>
+            </a:lvl1pPr>
+          </a:lstStyle>
+          <a:p>
+            <a:endParaRPr lang="en-US"/>
+          </a:p>
+        </p:txBody>
+      </p:sp>
+      <p:sp>
+        <p:nvSpPr>
+          <p:cNvPr id="3" name="Date Placeholder 2"/>
+          <p:cNvSpPr>
+            <a:spLocks noGrp="1"/>
+          </p:cNvSpPr>
+          <p:nvPr>
+            <p:ph type="dt" idx="1"/>
+          </p:nvPr>
+        </p:nvSpPr>
+        <p:spPr>
+          <a:xfrm>
+            <a:off x="3884613" y="0"/>
+            <a:ext cx="2971800" cy="458788"/>
+          </a:xfrm>
+          <a:prstGeom prst="rect">
+            <a:avLst/>
+          </a:prstGeom>
+        </p:spPr>
+        <p:txBody>
+          <a:bodyPr vert="horz" lIns="91440" tIns="45720" rIns="91440" bIns="45720" rtlCol="0"/>
+          <a:lstStyle>
+            <a:lvl1pPr algn="r">
+              <a:defRPr sz="1200"/>
+            </a:lvl1pPr>
+          </a:lstStyle>
+          <a:p>
+            <a:fld id="{F069CEBE-B3E3-4F1A-8718-235B01A92468}" type="datetimeFigureOut">
+              <a:rPr lang="en-US" smtClean="0"/>
+              <a:t>1/25/2022</a:t>
+            </a:fld>
+            <a:endParaRPr lang="en-US"/>
+          </a:p>
+        </p:txBody>
+      </p:sp>
+      <p:sp>
+        <p:nvSpPr>
+          <p:cNvPr id="4" name="Slide Image Placeholder 3"/>
+          <p:cNvSpPr>
+            <a:spLocks noGrp="1" noRot="1" noChangeAspect="1"/>
+          </p:cNvSpPr>
+          <p:nvPr>
+            <p:ph type="sldImg" idx="2"/>
+          </p:nvPr>
+        </p:nvSpPr>
+        <p:spPr>
+          <a:xfrm>
+            <a:off x="685800" y="1143000"/>
+            <a:ext cx="5486400" cy="3086100"/>
+          </a:xfrm>
+          <a:prstGeom prst="rect">
+            <a:avLst/>
+          </a:prstGeom>
+          <a:noFill/>
+          <a:ln w="12700">
+            <a:solidFill>
+              <a:prstClr val="black"/>
+            </a:solidFill>
+          </a:ln>
+        </p:spPr>
+        <p:txBody>
+          <a:bodyPr vert="horz" lIns="91440" tIns="45720" rIns="91440" bIns="45720" rtlCol="0" anchor="ctr"/>
+          <a:lstStyle/>
+          <a:p>
+            <a:endParaRPr lang="en-US"/>
+          </a:p>
+        </p:txBody>
+      </p:sp>
+      <p:sp>
+        <p:nvSpPr>
+          <p:cNvPr id="5" name="Notes Placeholder 4"/>
+          <p:cNvSpPr>
+            <a:spLocks noGrp="1"/>
+          </p:cNvSpPr>
+          <p:nvPr>
+            <p:ph type="body" sz="quarter" idx="3"/>
+          </p:nvPr>
+        </p:nvSpPr>
+        <p:spPr>
+          <a:xfrm>
+            <a:off x="685800" y="4400550"/>
+            <a:ext cx="5486400" cy="3600450"/>
+          </a:xfrm>
+          <a:prstGeom prst="rect">
+            <a:avLst/>
+          </a:prstGeom>
+        </p:spPr>
+        <p:txBody>
+          <a:bodyPr vert="horz" lIns="91440" tIns="45720" rIns="91440" bIns="45720" rtlCol="0"/>
+          <a:lstStyle/>
+          <a:p>
+            <a:pPr lvl="0"/>
+            <a:r>
+              <a:rPr lang="en-US"/>
+              <a:t>Click to edit Master text styles</a:t>
+            </a:r>
+          </a:p>
+          <a:p>
+            <a:pPr lvl="1"/>
+            <a:r>
+              <a:rPr lang="en-US"/>
+              <a:t>Second level</a:t>
+            </a:r>
+          </a:p>
+          <a:p>
+            <a:pPr lvl="2"/>
+            <a:r>
+              <a:rPr lang="en-US"/>
+              <a:t>Third level</a:t>
+            </a:r>
+          </a:p>
+          <a:p>
+            <a:pPr lvl="3"/>
+            <a:r>
+              <a:rPr lang="en-US"/>
+              <a:t>Fourth level</a:t>
+            </a:r>
+          </a:p>
+          <a:p>
+            <a:pPr lvl="4"/>
+            <a:r>
+              <a:rPr lang="en-US"/>
+              <a:t>Fifth level</a:t>
+            </a:r>
+          </a:p>
+        </p:txBody>
+      </p:sp>
+      <p:sp>
+        <p:nvSpPr>
+          <p:cNvPr id="6" name="Footer Placeholder 5"/>
+          <p:cNvSpPr>
+            <a:spLocks noGrp="1"/>
+          </p:cNvSpPr>
+          <p:nvPr>
+            <p:ph type="ftr" sz="quarter" idx="4"/>
+          </p:nvPr>
+        </p:nvSpPr>
+        <p:spPr>
+          <a:xfrm>
+            <a:off x="0" y="8685213"/>
+            <a:ext cx="2971800" cy="458787"/>
+          </a:xfrm>
+          <a:prstGeom prst="rect">
+            <a:avLst/>
+          </a:prstGeom>
+        </p:spPr>
+        <p:txBody>
+          <a:bodyPr vert="horz" lIns="91440" tIns="45720" rIns="91440" bIns="45720" rtlCol="0" anchor="b"/>
+          <a:lstStyle>
+            <a:lvl1pPr algn="l">
+              <a:defRPr sz="1200"/>
+            </a:lvl1pPr>
+          </a:lstStyle>
+          <a:p>
+            <a:endParaRPr lang="en-US"/>
+          </a:p>
+        </p:txBody>
+      </p:sp>
+      <p:sp>
+        <p:nvSpPr>
+          <p:cNvPr id="7" name="Slide Number Placeholder 6"/>
+          <p:cNvSpPr>
+            <a:spLocks noGrp="1"/>
+          </p:cNvSpPr>
+          <p:nvPr>
+            <p:ph type="sldNum" sz="quarter" idx="5"/>
+          </p:nvPr>
+        </p:nvSpPr>
+        <p:spPr>
+          <a:xfrm>
+            <a:off x="3884613" y="8685213"/>
+            <a:ext cx="2971800" cy="458787"/>
+          </a:xfrm>
+          <a:prstGeom prst="rect">
+            <a:avLst/>
+          </a:prstGeom>
+        </p:spPr>
+        <p:txBody>
+          <a:bodyPr vert="horz" lIns="91440" tIns="45720" rIns="91440" bIns="45720" rtlCol="0" anchor="b"/>
+          <a:lstStyle>
+            <a:lvl1pPr algn="r">
+              <a:defRPr sz="1200"/>
+            </a:lvl1pPr>
+          </a:lstStyle>
+          <a:p>
+            <a:fld id="{368A113E-173E-45C2-993F-F64CB1DBC98E}" type="slidenum">
+              <a:rPr lang="en-US" smtClean="0"/>
+              <a:t>‹#›</a:t>
+            </a:fld>
+            <a:endParaRPr lang="en-US"/>
+          </a:p>
+        </p:txBody>
+      </p:sp>
+    </p:spTree>
+    <p:extLst>
+      <p:ext uri="{BB962C8B-B14F-4D97-AF65-F5344CB8AC3E}">
+        <p14:creationId xmlns:p14="http://schemas.microsoft.com/office/powerpoint/2010/main" val="2800427209"/>
+      </p:ext>
+    </p:extLst>
+  </p:cSld>
+  <p:clrMap bg1="lt1" tx1="dk1" bg2="lt2" tx2="dk2" accent1="accent1" accent2="accent2" accent3="accent3" accent4="accent4" accent5="accent5" accent6="accent6" hlink="hlink" folHlink="folHlink"/>
+  <p:notesStyle>
+    <a:lvl1pPr marL="0" algn="l" defTabSz="914400" rtl="0" eaLnBrk="1" latinLnBrk="0" hangingPunct="1">
+      <a:defRPr sz="1200" kern="1200">
+        <a:solidFill>
+          <a:schemeClr val="tx1"/>
+        </a:solidFill>
+        <a:latin typeface="+mn-lt"/>
+        <a:ea typeface="+mn-ea"/>
+        <a:cs typeface="+mn-cs"/>
+      </a:defRPr>
+    </a:lvl1pPr>
+    <a:lvl2pPr marL="457200" algn="l" defTabSz="914400" rtl="0" eaLnBrk="1" latinLnBrk="0" hangingPunct="1">
+      <a:defRPr sz="1200" kern="1200">
+        <a:solidFill>
+          <a:schemeClr val="tx1"/>
+        </a:solidFill>
+        <a:latin typeface="+mn-lt"/>
+        <a:ea typeface="+mn-ea"/>
+        <a:cs typeface="+mn-cs"/>
+      </a:defRPr>
+    </a:lvl2pPr>
+    <a:lvl3pPr marL="914400" algn="l" defTabSz="914400" rtl="0" eaLnBrk="1" latinLnBrk="0" hangingPunct="1">
+      <a:defRPr sz="1200" kern="1200">
+        <a:solidFill>
+          <a:schemeClr val="tx1"/>
+        </a:solidFill>
+        <a:latin typeface="+mn-lt"/>
+        <a:ea typeface="+mn-ea"/>
+        <a:cs typeface="+mn-cs"/>
+      </a:defRPr>
+    </a:lvl3pPr>
+    <a:lvl4pPr marL="1371600" algn="l" defTabSz="914400" rtl="0" eaLnBrk="1" latinLnBrk="0" hangingPunct="1">
+      <a:defRPr sz="1200" kern="1200">
+        <a:solidFill>
+          <a:schemeClr val="tx1"/>
+        </a:solidFill>
+        <a:latin typeface="+mn-lt"/>
+        <a:ea typeface="+mn-ea"/>
+        <a:cs typeface="+mn-cs"/>
+      </a:defRPr>
+    </a:lvl4pPr>
+    <a:lvl5pPr marL="1828800" algn="l" defTabSz="914400" rtl="0" eaLnBrk="1" latinLnBrk="0" hangingPunct="1">
+      <a:defRPr sz="1200" kern="1200">
+        <a:solidFill>
+          <a:schemeClr val="tx1"/>
+        </a:solidFill>
+        <a:latin typeface="+mn-lt"/>
+        <a:ea typeface="+mn-ea"/>
+        <a:cs typeface="+mn-cs"/>
+      </a:defRPr>
+    </a:lvl5pPr>
+    <a:lvl6pPr marL="2286000" algn="l" defTabSz="914400" rtl="0" eaLnBrk="1" latinLnBrk="0" hangingPunct="1">
+      <a:defRPr sz="1200" kern="1200">
+        <a:solidFill>
+          <a:schemeClr val="tx1"/>
+        </a:solidFill>
+        <a:latin typeface="+mn-lt"/>
+        <a:ea typeface="+mn-ea"/>
+        <a:cs typeface="+mn-cs"/>
+      </a:defRPr>
+    </a:lvl6pPr>
+    <a:lvl7pPr marL="2743200" algn="l" defTabSz="914400" rtl="0" eaLnBrk="1" latinLnBrk="0" hangingPunct="1">
+      <a:defRPr sz="1200" kern="1200">
+        <a:solidFill>
+          <a:schemeClr val="tx1"/>
+        </a:solidFill>
+        <a:latin typeface="+mn-lt"/>
+        <a:ea typeface="+mn-ea"/>
+        <a:cs typeface="+mn-cs"/>
+      </a:defRPr>
+    </a:lvl7pPr>
+    <a:lvl8pPr marL="3200400" algn="l" defTabSz="914400" rtl="0" eaLnBrk="1" latinLnBrk="0" hangingPunct="1">
+      <a:defRPr sz="1200" kern="1200">
+        <a:solidFill>
+          <a:schemeClr val="tx1"/>
+        </a:solidFill>
+        <a:latin typeface="+mn-lt"/>
+        <a:ea typeface="+mn-ea"/>
+        <a:cs typeface="+mn-cs"/>
+      </a:defRPr>
+    </a:lvl8pPr>
+    <a:lvl9pPr marL="3657600" algn="l" defTabSz="914400" rtl="0" eaLnBrk="1" latinLnBrk="0" hangingPunct="1">
+      <a:defRPr sz="1200" kern="1200">
+        <a:solidFill>
+          <a:schemeClr val="tx1"/>
+        </a:solidFill>
+        <a:latin typeface="+mn-lt"/>
+        <a:ea typeface="+mn-ea"/>
+        <a:cs typeface="+mn-cs"/>
+      </a:defRPr>
+    </a:lvl9pPr>
+  </p:notesStyle>
+</p:notesMaster>
 </file>
 
 <file path=ppt/slideLayouts/slideLayout1.xml><?xml version="1.0" encoding="utf-8"?>
@@ -264,7 +924,7 @@
           <a:p>
             <a:fld id="{846CE7D5-CF57-46EF-B807-FDD0502418D4}" type="datetimeFigureOut">
               <a:rPr lang="en-US" smtClean="0"/>
-              <a:t>1/22/2022</a:t>
+              <a:t>1/25/2022</a:t>
             </a:fld>
             <a:endParaRPr lang="en-US"/>
           </a:p>
@@ -434,7 +1094,7 @@
           <a:p>
             <a:fld id="{846CE7D5-CF57-46EF-B807-FDD0502418D4}" type="datetimeFigureOut">
               <a:rPr lang="en-US" smtClean="0"/>
-              <a:t>1/22/2022</a:t>
+              <a:t>1/25/2022</a:t>
             </a:fld>
             <a:endParaRPr lang="en-US"/>
           </a:p>
@@ -614,7 +1274,7 @@
           <a:p>
             <a:fld id="{846CE7D5-CF57-46EF-B807-FDD0502418D4}" type="datetimeFigureOut">
               <a:rPr lang="en-US" smtClean="0"/>
-              <a:t>1/22/2022</a:t>
+              <a:t>1/25/2022</a:t>
             </a:fld>
             <a:endParaRPr lang="en-US"/>
           </a:p>
@@ -831,7 +1491,7 @@
           <a:p>
             <a:fld id="{02AC24A9-CCB6-4F8D-B8DB-C2F3692CFA5A}" type="datetimeFigureOut">
               <a:rPr lang="en-US" smtClean="0"/>
-              <a:t>1/22/2022</a:t>
+              <a:t>1/25/2022</a:t>
             </a:fld>
             <a:endParaRPr lang="en-US"/>
           </a:p>
@@ -1472,7 +2132,7 @@
           <a:p>
             <a:fld id="{02AC24A9-CCB6-4F8D-B8DB-C2F3692CFA5A}" type="datetimeFigureOut">
               <a:rPr lang="en-US" smtClean="0"/>
-              <a:t>1/22/2022</a:t>
+              <a:t>1/25/2022</a:t>
             </a:fld>
             <a:endParaRPr lang="en-US"/>
           </a:p>
@@ -1926,7 +2586,7 @@
           <a:p>
             <a:fld id="{02AC24A9-CCB6-4F8D-B8DB-C2F3692CFA5A}" type="datetimeFigureOut">
               <a:rPr lang="en-US" smtClean="0"/>
-              <a:t>1/22/2022</a:t>
+              <a:t>1/25/2022</a:t>
             </a:fld>
             <a:endParaRPr lang="en-US"/>
           </a:p>
@@ -2458,7 +3118,7 @@
           <a:p>
             <a:fld id="{02AC24A9-CCB6-4F8D-B8DB-C2F3692CFA5A}" type="datetimeFigureOut">
               <a:rPr lang="en-US" smtClean="0"/>
-              <a:t>1/22/2022</a:t>
+              <a:t>1/25/2022</a:t>
             </a:fld>
             <a:endParaRPr lang="en-US"/>
           </a:p>
@@ -3157,7 +3817,7 @@
           <a:p>
             <a:fld id="{02AC24A9-CCB6-4F8D-B8DB-C2F3692CFA5A}" type="datetimeFigureOut">
               <a:rPr lang="en-US" smtClean="0"/>
-              <a:t>1/22/2022</a:t>
+              <a:t>1/25/2022</a:t>
             </a:fld>
             <a:endParaRPr lang="en-US"/>
           </a:p>
@@ -3486,7 +4146,7 @@
           <a:p>
             <a:fld id="{02AC24A9-CCB6-4F8D-B8DB-C2F3692CFA5A}" type="datetimeFigureOut">
               <a:rPr lang="en-US" smtClean="0"/>
-              <a:t>1/22/2022</a:t>
+              <a:t>1/25/2022</a:t>
             </a:fld>
             <a:endParaRPr lang="en-US"/>
           </a:p>
@@ -3599,7 +4259,7 @@
           <a:p>
             <a:fld id="{02AC24A9-CCB6-4F8D-B8DB-C2F3692CFA5A}" type="datetimeFigureOut">
               <a:rPr lang="en-US" smtClean="0"/>
-              <a:t>1/22/2022</a:t>
+              <a:t>1/25/2022</a:t>
             </a:fld>
             <a:endParaRPr lang="en-US"/>
           </a:p>
@@ -4094,7 +4754,7 @@
           <a:p>
             <a:fld id="{02AC24A9-CCB6-4F8D-B8DB-C2F3692CFA5A}" type="datetimeFigureOut">
               <a:rPr lang="en-US" smtClean="0"/>
-              <a:t>1/22/2022</a:t>
+              <a:t>1/25/2022</a:t>
             </a:fld>
             <a:endParaRPr lang="en-US"/>
           </a:p>
@@ -4276,7 +4936,7 @@
           <a:p>
             <a:fld id="{846CE7D5-CF57-46EF-B807-FDD0502418D4}" type="datetimeFigureOut">
               <a:rPr lang="en-US" smtClean="0"/>
-              <a:t>1/22/2022</a:t>
+              <a:t>1/25/2022</a:t>
             </a:fld>
             <a:endParaRPr lang="en-US"/>
           </a:p>
@@ -4741,7 +5401,7 @@
           <a:p>
             <a:fld id="{02AC24A9-CCB6-4F8D-B8DB-C2F3692CFA5A}" type="datetimeFigureOut">
               <a:rPr lang="en-US" smtClean="0"/>
-              <a:t>1/22/2022</a:t>
+              <a:t>1/25/2022</a:t>
             </a:fld>
             <a:endParaRPr lang="en-US"/>
           </a:p>
@@ -4939,7 +5599,7 @@
           <a:p>
             <a:fld id="{02AC24A9-CCB6-4F8D-B8DB-C2F3692CFA5A}" type="datetimeFigureOut">
               <a:rPr lang="en-US" smtClean="0"/>
-              <a:t>1/22/2022</a:t>
+              <a:t>1/25/2022</a:t>
             </a:fld>
             <a:endParaRPr lang="en-US"/>
           </a:p>
@@ -5147,7 +5807,7 @@
           <a:p>
             <a:fld id="{02AC24A9-CCB6-4F8D-B8DB-C2F3692CFA5A}" type="datetimeFigureOut">
               <a:rPr lang="en-US" smtClean="0"/>
-              <a:t>1/22/2022</a:t>
+              <a:t>1/25/2022</a:t>
             </a:fld>
             <a:endParaRPr lang="en-US"/>
           </a:p>
@@ -5405,7 +6065,7 @@
           <a:p>
             <a:fld id="{846CE7D5-CF57-46EF-B807-FDD0502418D4}" type="datetimeFigureOut">
               <a:rPr lang="en-US" smtClean="0"/>
-              <a:t>1/22/2022</a:t>
+              <a:t>1/25/2022</a:t>
             </a:fld>
             <a:endParaRPr lang="en-US"/>
           </a:p>
@@ -5637,7 +6297,7 @@
           <a:p>
             <a:fld id="{846CE7D5-CF57-46EF-B807-FDD0502418D4}" type="datetimeFigureOut">
               <a:rPr lang="en-US" smtClean="0"/>
-              <a:t>1/22/2022</a:t>
+              <a:t>1/25/2022</a:t>
             </a:fld>
             <a:endParaRPr lang="en-US"/>
           </a:p>
@@ -6004,7 +6664,7 @@
           <a:p>
             <a:fld id="{846CE7D5-CF57-46EF-B807-FDD0502418D4}" type="datetimeFigureOut">
               <a:rPr lang="en-US" smtClean="0"/>
-              <a:t>1/22/2022</a:t>
+              <a:t>1/25/2022</a:t>
             </a:fld>
             <a:endParaRPr lang="en-US"/>
           </a:p>
@@ -6122,7 +6782,7 @@
           <a:p>
             <a:fld id="{846CE7D5-CF57-46EF-B807-FDD0502418D4}" type="datetimeFigureOut">
               <a:rPr lang="en-US" smtClean="0"/>
-              <a:t>1/22/2022</a:t>
+              <a:t>1/25/2022</a:t>
             </a:fld>
             <a:endParaRPr lang="en-US"/>
           </a:p>
@@ -6217,7 +6877,7 @@
           <a:p>
             <a:fld id="{846CE7D5-CF57-46EF-B807-FDD0502418D4}" type="datetimeFigureOut">
               <a:rPr lang="en-US" smtClean="0"/>
-              <a:t>1/22/2022</a:t>
+              <a:t>1/25/2022</a:t>
             </a:fld>
             <a:endParaRPr lang="en-US"/>
           </a:p>
@@ -6494,7 +7154,7 @@
           <a:p>
             <a:fld id="{846CE7D5-CF57-46EF-B807-FDD0502418D4}" type="datetimeFigureOut">
               <a:rPr lang="en-US" smtClean="0"/>
-              <a:t>1/22/2022</a:t>
+              <a:t>1/25/2022</a:t>
             </a:fld>
             <a:endParaRPr lang="en-US"/>
           </a:p>
@@ -6751,7 +7411,7 @@
           <a:p>
             <a:fld id="{846CE7D5-CF57-46EF-B807-FDD0502418D4}" type="datetimeFigureOut">
               <a:rPr lang="en-US" smtClean="0"/>
-              <a:t>1/22/2022</a:t>
+              <a:t>1/25/2022</a:t>
             </a:fld>
             <a:endParaRPr lang="en-US"/>
           </a:p>
@@ -6964,7 +7624,7 @@
           <a:p>
             <a:fld id="{846CE7D5-CF57-46EF-B807-FDD0502418D4}" type="datetimeFigureOut">
               <a:rPr lang="en-US" smtClean="0"/>
-              <a:t>1/22/2022</a:t>
+              <a:t>1/25/2022</a:t>
             </a:fld>
             <a:endParaRPr lang="en-US"/>
           </a:p>
@@ -7520,7 +8180,7 @@
           <a:p>
             <a:fld id="{02AC24A9-CCB6-4F8D-B8DB-C2F3692CFA5A}" type="datetimeFigureOut">
               <a:rPr lang="en-US" smtClean="0"/>
-              <a:t>1/22/2022</a:t>
+              <a:t>1/25/2022</a:t>
             </a:fld>
             <a:endParaRPr lang="en-US"/>
           </a:p>
@@ -8162,7 +8822,7 @@
         <p:spPr>
           <a:xfrm>
             <a:off x="477980" y="4872922"/>
-            <a:ext cx="3976896" cy="1208141"/>
+            <a:ext cx="5618020" cy="1631510"/>
           </a:xfrm>
         </p:spPr>
         <p:txBody>
@@ -8172,8 +8832,25 @@
           <a:lstStyle/>
           <a:p>
             <a:r>
-              <a:rPr lang="en-US" sz="2000"/>
-              <a:t>Dirk Thieme, Erik Manis, &amp; Mohammed Ansari</a:t>
+              <a:rPr lang="en-US" sz="2000" dirty="0"/>
+              <a:t>Software Manager: Dirk </a:t>
+            </a:r>
+            <a:r>
+              <a:rPr lang="en-US" sz="2000" dirty="0" err="1"/>
+              <a:t>Thieme</a:t>
+            </a:r>
+            <a:endParaRPr lang="en-US" sz="2000" dirty="0"/>
+          </a:p>
+          <a:p>
+            <a:r>
+              <a:rPr lang="en-US" sz="2000" dirty="0"/>
+              <a:t>Hardware Manager: Erik Manis</a:t>
+            </a:r>
+          </a:p>
+          <a:p>
+            <a:r>
+              <a:rPr lang="en-US" sz="2000" dirty="0"/>
+              <a:t>Project Controller: Mohammed Ansari</a:t>
             </a:r>
           </a:p>
         </p:txBody>
@@ -8571,7 +9248,7 @@
           <a:p>
             <a:r>
               <a:rPr lang="en-US" dirty="0"/>
-              <a:t>The Budget</a:t>
+              <a:t>Overall Budget</a:t>
             </a:r>
           </a:p>
         </p:txBody>
@@ -8678,14 +9355,6 @@
 <file path=ppt/slides/slide12.xml><?xml version="1.0" encoding="utf-8"?>
 <p:sld xmlns:a="http://schemas.openxmlformats.org/drawingml/2006/main" xmlns:r="http://schemas.openxmlformats.org/officeDocument/2006/relationships" xmlns:p="http://schemas.openxmlformats.org/presentationml/2006/main">
   <p:cSld>
-    <p:bg>
-      <p:bgPr>
-        <a:solidFill>
-          <a:schemeClr val="bg1"/>
-        </a:solidFill>
-        <a:effectLst/>
-      </p:bgPr>
-    </p:bg>
     <p:spTree>
       <p:nvGrpSpPr>
         <p:cNvPr id="1" name=""/>
@@ -8700,544 +9369,65 @@
           <a:chExt cx="0" cy="0"/>
         </a:xfrm>
       </p:grpSpPr>
-      <p:sp useBgFill="1">
-        <p:nvSpPr>
-          <p:cNvPr id="7" name="Rectangle 9">
-            <a:extLst>
-              <a:ext uri="{FF2B5EF4-FFF2-40B4-BE49-F238E27FC236}">
-                <a16:creationId xmlns:a16="http://schemas.microsoft.com/office/drawing/2014/main" id="{E91DC736-0EF8-4F87-9146-EBF1D2EE4D3D}"/>
-              </a:ext>
-              <a:ext uri="{C183D7F6-B498-43B3-948B-1728B52AA6E4}">
-                <adec:decorative xmlns:adec="http://schemas.microsoft.com/office/drawing/2017/decorative" val="1"/>
-              </a:ext>
-            </a:extLst>
-          </p:cNvPr>
-          <p:cNvSpPr>
-            <a:spLocks noGrp="1" noRot="1" noChangeAspect="1" noMove="1" noResize="1" noEditPoints="1" noAdjustHandles="1" noChangeArrowheads="1" noChangeShapeType="1" noTextEdit="1"/>
-          </p:cNvSpPr>
-          <p:nvPr>
-            <p:extLst>
-              <p:ext uri="{386F3935-93C4-4BCD-93E2-E3B085C9AB24}">
-                <p16:designElem xmlns:p16="http://schemas.microsoft.com/office/powerpoint/2015/main" val="1"/>
-              </p:ext>
-            </p:extLst>
-          </p:nvPr>
-        </p:nvSpPr>
-        <p:spPr>
-          <a:xfrm>
-            <a:off x="0" y="0"/>
-            <a:ext cx="12192000" cy="6858000"/>
-          </a:xfrm>
-          <a:prstGeom prst="rect">
-            <a:avLst/>
-          </a:prstGeom>
-          <a:ln>
-            <a:noFill/>
-          </a:ln>
-        </p:spPr>
-        <p:style>
-          <a:lnRef idx="2">
-            <a:schemeClr val="accent1">
-              <a:shade val="50000"/>
-            </a:schemeClr>
-          </a:lnRef>
-          <a:fillRef idx="1">
-            <a:schemeClr val="accent1"/>
-          </a:fillRef>
-          <a:effectRef idx="0">
-            <a:schemeClr val="accent1"/>
-          </a:effectRef>
-          <a:fontRef idx="minor">
-            <a:schemeClr val="lt1"/>
-          </a:fontRef>
-        </p:style>
-        <p:txBody>
-          <a:bodyPr rtlCol="0" anchor="ctr"/>
-          <a:lstStyle/>
-          <a:p>
-            <a:pPr algn="ctr"/>
-            <a:endParaRPr lang="en-US"/>
-          </a:p>
-        </p:txBody>
-      </p:sp>
-      <p:pic>
-        <p:nvPicPr>
-          <p:cNvPr id="4" name="Picture 4" descr="A picture containing person&#10;&#10;Description automatically generated">
-            <a:extLst>
-              <a:ext uri="{FF2B5EF4-FFF2-40B4-BE49-F238E27FC236}">
-                <a16:creationId xmlns:a16="http://schemas.microsoft.com/office/drawing/2014/main" id="{C1B4B951-0114-4B38-924F-4025F20EA90D}"/>
-              </a:ext>
-            </a:extLst>
-          </p:cNvPr>
-          <p:cNvPicPr>
-            <a:picLocks noChangeAspect="1"/>
-          </p:cNvPicPr>
-          <p:nvPr/>
-        </p:nvPicPr>
-        <p:blipFill rotWithShape="1">
-          <a:blip r:embed="rId2">
-            <a:extLst>
-              <a:ext uri="{837473B0-CC2E-450A-ABE3-18F120FF3D39}">
-                <a1611:picAttrSrcUrl xmlns:a1611="http://schemas.microsoft.com/office/drawing/2016/11/main" r:id="rId3"/>
-              </a:ext>
-            </a:extLst>
-          </a:blip>
-          <a:srcRect l="27884" r="11760" b="1"/>
-          <a:stretch/>
-        </p:blipFill>
-        <p:spPr>
-          <a:xfrm>
-            <a:off x="3523488" y="10"/>
-            <a:ext cx="8668512" cy="6857990"/>
-          </a:xfrm>
-          <a:prstGeom prst="rect">
-            <a:avLst/>
-          </a:prstGeom>
-        </p:spPr>
-      </p:pic>
-      <p:sp>
-        <p:nvSpPr>
-          <p:cNvPr id="8" name="Rectangle 11">
-            <a:extLst>
-              <a:ext uri="{FF2B5EF4-FFF2-40B4-BE49-F238E27FC236}">
-                <a16:creationId xmlns:a16="http://schemas.microsoft.com/office/drawing/2014/main" id="{097CD68E-23E3-4007-8847-CD0944C4F7BE}"/>
-              </a:ext>
-              <a:ext uri="{C183D7F6-B498-43B3-948B-1728B52AA6E4}">
-                <adec:decorative xmlns:adec="http://schemas.microsoft.com/office/drawing/2017/decorative" val="1"/>
-              </a:ext>
-            </a:extLst>
-          </p:cNvPr>
-          <p:cNvSpPr>
-            <a:spLocks noGrp="1" noRot="1" noChangeAspect="1" noMove="1" noResize="1" noEditPoints="1" noAdjustHandles="1" noChangeArrowheads="1" noChangeShapeType="1" noTextEdit="1"/>
-          </p:cNvSpPr>
-          <p:nvPr>
-            <p:extLst>
-              <p:ext uri="{386F3935-93C4-4BCD-93E2-E3B085C9AB24}">
-                <p16:designElem xmlns:p16="http://schemas.microsoft.com/office/powerpoint/2015/main" val="1"/>
-              </p:ext>
-            </p:extLst>
-          </p:nvPr>
-        </p:nvSpPr>
-        <p:spPr>
-          <a:xfrm>
-            <a:off x="0" y="0"/>
-            <a:ext cx="9756601" cy="6858000"/>
-          </a:xfrm>
-          <a:prstGeom prst="rect">
-            <a:avLst/>
-          </a:prstGeom>
-          <a:gradFill>
-            <a:gsLst>
-              <a:gs pos="58000">
-                <a:schemeClr val="bg1"/>
-              </a:gs>
-              <a:gs pos="35000">
-                <a:schemeClr val="bg1">
-                  <a:alpha val="79000"/>
-                </a:schemeClr>
-              </a:gs>
-              <a:gs pos="19000">
-                <a:schemeClr val="bg1">
-                  <a:alpha val="38000"/>
-                </a:schemeClr>
-              </a:gs>
-              <a:gs pos="0">
-                <a:schemeClr val="bg1">
-                  <a:alpha val="0"/>
-                </a:schemeClr>
-              </a:gs>
-              <a:gs pos="100000">
-                <a:schemeClr val="bg1"/>
-              </a:gs>
-            </a:gsLst>
-            <a:lin ang="10800000" scaled="0"/>
-          </a:gradFill>
-          <a:ln>
-            <a:noFill/>
-          </a:ln>
-        </p:spPr>
-        <p:style>
-          <a:lnRef idx="2">
-            <a:schemeClr val="accent1">
-              <a:shade val="50000"/>
-            </a:schemeClr>
-          </a:lnRef>
-          <a:fillRef idx="1">
-            <a:schemeClr val="accent1"/>
-          </a:fillRef>
-          <a:effectRef idx="0">
-            <a:schemeClr val="accent1"/>
-          </a:effectRef>
-          <a:fontRef idx="minor">
-            <a:schemeClr val="lt1"/>
-          </a:fontRef>
-        </p:style>
-        <p:txBody>
-          <a:bodyPr rtlCol="0" anchor="ctr"/>
-          <a:lstStyle/>
-          <a:p>
-            <a:pPr algn="ctr"/>
-            <a:endParaRPr lang="en-US" dirty="0"/>
-          </a:p>
-        </p:txBody>
-      </p:sp>
       <p:sp>
         <p:nvSpPr>
           <p:cNvPr id="2" name="Title 1">
             <a:extLst>
               <a:ext uri="{FF2B5EF4-FFF2-40B4-BE49-F238E27FC236}">
-                <a16:creationId xmlns:a16="http://schemas.microsoft.com/office/drawing/2014/main" id="{B7EE6717-721B-49FB-8D1F-59F2F5373F98}"/>
-              </a:ext>
-            </a:extLst>
-          </p:cNvPr>
-          <p:cNvSpPr>
-            <a:spLocks noGrp="1"/>
-          </p:cNvSpPr>
-          <p:nvPr>
-            <p:ph type="ctrTitle"/>
-          </p:nvPr>
-        </p:nvSpPr>
-        <p:spPr>
-          <a:xfrm>
-            <a:off x="477981" y="1122363"/>
-            <a:ext cx="4023360" cy="3204134"/>
-          </a:xfrm>
-        </p:spPr>
-        <p:txBody>
-          <a:bodyPr anchor="b">
+                <a16:creationId xmlns:a16="http://schemas.microsoft.com/office/drawing/2014/main" id="{FACCB9F9-C474-448D-B391-62DC82B6F3FB}"/>
+              </a:ext>
+            </a:extLst>
+          </p:cNvPr>
+          <p:cNvSpPr>
+            <a:spLocks noGrp="1"/>
+          </p:cNvSpPr>
+          <p:nvPr>
+            <p:ph type="title"/>
+          </p:nvPr>
+        </p:nvSpPr>
+        <p:spPr/>
+        <p:txBody>
+          <a:bodyPr>
             <a:normAutofit/>
           </a:bodyPr>
           <a:lstStyle/>
           <a:p>
             <a:r>
-              <a:rPr lang="en-US" sz="4800" dirty="0"/>
-              <a:t>Questions</a:t>
-            </a:r>
-          </a:p>
-        </p:txBody>
-      </p:sp>
-      <p:sp>
-        <p:nvSpPr>
-          <p:cNvPr id="3" name="Subtitle 2">
-            <a:extLst>
-              <a:ext uri="{FF2B5EF4-FFF2-40B4-BE49-F238E27FC236}">
-                <a16:creationId xmlns:a16="http://schemas.microsoft.com/office/drawing/2014/main" id="{65002332-FD90-4584-B9DA-7B2991C45D1C}"/>
-              </a:ext>
-            </a:extLst>
-          </p:cNvPr>
-          <p:cNvSpPr>
-            <a:spLocks noGrp="1"/>
-          </p:cNvSpPr>
-          <p:nvPr>
-            <p:ph type="subTitle" idx="1"/>
-          </p:nvPr>
-        </p:nvSpPr>
-        <p:spPr>
-          <a:xfrm>
-            <a:off x="477980" y="4872922"/>
-            <a:ext cx="4023359" cy="1208141"/>
-          </a:xfrm>
-        </p:spPr>
-        <p:txBody>
-          <a:bodyPr vert="horz" lIns="91440" tIns="45720" rIns="91440" bIns="45720" rtlCol="0" anchor="t">
-            <a:normAutofit/>
-          </a:bodyPr>
-          <a:lstStyle/>
-          <a:p>
-            <a:r>
-              <a:rPr lang="en-US" sz="2000" dirty="0"/>
-              <a:t>Group 3</a:t>
-            </a:r>
-          </a:p>
-          <a:p>
-            <a:r>
-              <a:rPr lang="en-US" sz="2000" dirty="0"/>
-              <a:t>Dirk Thieme, Erik Manis Mohammed Ansari</a:t>
-            </a:r>
-          </a:p>
-        </p:txBody>
-      </p:sp>
-      <p:sp>
-        <p:nvSpPr>
-          <p:cNvPr id="14" name="Rectangle 13">
-            <a:extLst>
-              <a:ext uri="{FF2B5EF4-FFF2-40B4-BE49-F238E27FC236}">
-                <a16:creationId xmlns:a16="http://schemas.microsoft.com/office/drawing/2014/main" id="{AF2F604E-43BE-4DC3-B983-E071523364F8}"/>
-              </a:ext>
-              <a:ext uri="{C183D7F6-B498-43B3-948B-1728B52AA6E4}">
-                <adec:decorative xmlns:adec="http://schemas.microsoft.com/office/drawing/2017/decorative" val="1"/>
-              </a:ext>
-            </a:extLst>
-          </p:cNvPr>
-          <p:cNvSpPr>
-            <a:spLocks noGrp="1" noRot="1" noChangeAspect="1" noMove="1" noResize="1" noEditPoints="1" noAdjustHandles="1" noChangeArrowheads="1" noChangeShapeType="1" noTextEdit="1"/>
-          </p:cNvSpPr>
-          <p:nvPr>
-            <p:extLst>
-              <p:ext uri="{386F3935-93C4-4BCD-93E2-E3B085C9AB24}">
-                <p16:designElem xmlns:p16="http://schemas.microsoft.com/office/powerpoint/2015/main" val="1"/>
-              </p:ext>
-            </p:extLst>
-          </p:nvPr>
-        </p:nvSpPr>
-        <p:spPr>
-          <a:xfrm rot="5400000">
-            <a:off x="759921" y="346791"/>
-            <a:ext cx="146304" cy="704088"/>
-          </a:xfrm>
-          <a:prstGeom prst="rect">
-            <a:avLst/>
-          </a:prstGeom>
-          <a:solidFill>
-            <a:schemeClr val="accent1"/>
-          </a:solidFill>
-          <a:ln>
-            <a:noFill/>
-          </a:ln>
-        </p:spPr>
-        <p:style>
-          <a:lnRef idx="2">
-            <a:schemeClr val="accent1">
-              <a:shade val="50000"/>
-            </a:schemeClr>
-          </a:lnRef>
-          <a:fillRef idx="1">
-            <a:schemeClr val="accent1"/>
-          </a:fillRef>
-          <a:effectRef idx="0">
-            <a:schemeClr val="accent1"/>
-          </a:effectRef>
-          <a:fontRef idx="minor">
-            <a:schemeClr val="lt1"/>
-          </a:fontRef>
-        </p:style>
-        <p:txBody>
-          <a:bodyPr rtlCol="0" anchor="ctr"/>
-          <a:lstStyle/>
-          <a:p>
-            <a:pPr marL="0" marR="0" lvl="0" indent="0" algn="ctr" defTabSz="914400" rtl="0" eaLnBrk="1" fontAlgn="auto" latinLnBrk="0" hangingPunct="1">
-              <a:lnSpc>
-                <a:spcPct val="100000"/>
-              </a:lnSpc>
-              <a:spcBef>
-                <a:spcPts val="0"/>
-              </a:spcBef>
-              <a:spcAft>
-                <a:spcPts val="0"/>
-              </a:spcAft>
-              <a:buClrTx/>
-              <a:buSzTx/>
-              <a:buFontTx/>
-              <a:buNone/>
-              <a:tabLst/>
-              <a:defRPr/>
-            </a:pPr>
-            <a:endParaRPr kumimoji="0" lang="en-US" sz="1800" b="0" i="0" u="none" strike="noStrike" kern="1200" cap="none" spc="0" normalizeH="0" baseline="0" noProof="0">
-              <a:ln>
-                <a:noFill/>
-              </a:ln>
-              <a:solidFill>
-                <a:prstClr val="white"/>
-              </a:solidFill>
-              <a:effectLst/>
-              <a:uLnTx/>
-              <a:uFillTx/>
-              <a:latin typeface="Calibri" panose="020F0502020204030204"/>
-              <a:ea typeface="+mn-ea"/>
-              <a:cs typeface="+mn-cs"/>
-            </a:endParaRPr>
-          </a:p>
-        </p:txBody>
-      </p:sp>
-      <p:sp>
-        <p:nvSpPr>
-          <p:cNvPr id="16" name="Rectangle 15">
-            <a:extLst>
-              <a:ext uri="{FF2B5EF4-FFF2-40B4-BE49-F238E27FC236}">
-                <a16:creationId xmlns:a16="http://schemas.microsoft.com/office/drawing/2014/main" id="{08C9B587-E65E-4B52-B37C-ABEBB6E87928}"/>
-              </a:ext>
-              <a:ext uri="{C183D7F6-B498-43B3-948B-1728B52AA6E4}">
-                <adec:decorative xmlns:adec="http://schemas.microsoft.com/office/drawing/2017/decorative" val="1"/>
-              </a:ext>
-            </a:extLst>
-          </p:cNvPr>
-          <p:cNvSpPr>
-            <a:spLocks noGrp="1" noRot="1" noChangeAspect="1" noMove="1" noResize="1" noEditPoints="1" noAdjustHandles="1" noChangeArrowheads="1" noChangeShapeType="1" noTextEdit="1"/>
-          </p:cNvSpPr>
-          <p:nvPr>
-            <p:extLst>
-              <p:ext uri="{386F3935-93C4-4BCD-93E2-E3B085C9AB24}">
-                <p16:designElem xmlns:p16="http://schemas.microsoft.com/office/powerpoint/2015/main" val="1"/>
-              </p:ext>
-            </p:extLst>
-          </p:nvPr>
-        </p:nvSpPr>
-        <p:spPr>
-          <a:xfrm>
-            <a:off x="481029" y="4546920"/>
-            <a:ext cx="3977640" cy="18288"/>
-          </a:xfrm>
-          <a:prstGeom prst="rect">
-            <a:avLst/>
-          </a:prstGeom>
-          <a:solidFill>
-            <a:schemeClr val="tx2">
-              <a:lumMod val="25000"/>
-              <a:lumOff val="75000"/>
-            </a:schemeClr>
-          </a:solidFill>
-          <a:ln w="3175">
-            <a:solidFill>
-              <a:schemeClr val="tx2">
-                <a:lumMod val="25000"/>
-                <a:lumOff val="75000"/>
-              </a:schemeClr>
-            </a:solidFill>
-          </a:ln>
-          <a:effectLst/>
-        </p:spPr>
-        <p:style>
-          <a:lnRef idx="2">
-            <a:schemeClr val="accent1">
-              <a:shade val="50000"/>
-            </a:schemeClr>
-          </a:lnRef>
-          <a:fillRef idx="1">
-            <a:schemeClr val="accent1"/>
-          </a:fillRef>
-          <a:effectRef idx="0">
-            <a:schemeClr val="accent1"/>
-          </a:effectRef>
-          <a:fontRef idx="minor">
-            <a:schemeClr val="lt1"/>
-          </a:fontRef>
-        </p:style>
-        <p:txBody>
-          <a:bodyPr rtlCol="0" anchor="ctr"/>
-          <a:lstStyle/>
-          <a:p>
-            <a:pPr marL="0" marR="0" lvl="0" indent="0" algn="ctr" defTabSz="914400" rtl="0" eaLnBrk="1" fontAlgn="auto" latinLnBrk="0" hangingPunct="1">
-              <a:lnSpc>
-                <a:spcPct val="100000"/>
-              </a:lnSpc>
-              <a:spcBef>
-                <a:spcPts val="0"/>
-              </a:spcBef>
-              <a:spcAft>
-                <a:spcPts val="0"/>
-              </a:spcAft>
-              <a:buClrTx/>
-              <a:buSzTx/>
-              <a:buFontTx/>
-              <a:buNone/>
-              <a:tabLst/>
-              <a:defRPr/>
-            </a:pPr>
-            <a:endParaRPr kumimoji="0" lang="en-US" sz="1800" b="0" i="0" u="none" strike="noStrike" kern="1200" cap="none" spc="0" normalizeH="0" baseline="0" noProof="0">
-              <a:ln>
-                <a:noFill/>
-              </a:ln>
-              <a:solidFill>
-                <a:prstClr val="white"/>
-              </a:solidFill>
-              <a:effectLst/>
-              <a:uLnTx/>
-              <a:uFillTx/>
-              <a:latin typeface="Calibri" panose="020F0502020204030204"/>
-              <a:ea typeface="+mn-ea"/>
-              <a:cs typeface="+mn-cs"/>
-            </a:endParaRPr>
-          </a:p>
-        </p:txBody>
-      </p:sp>
-      <p:sp>
-        <p:nvSpPr>
-          <p:cNvPr id="5" name="TextBox 4">
-            <a:extLst>
-              <a:ext uri="{FF2B5EF4-FFF2-40B4-BE49-F238E27FC236}">
-                <a16:creationId xmlns:a16="http://schemas.microsoft.com/office/drawing/2014/main" id="{827F8159-B784-471B-A47A-4B8799D711BF}"/>
-              </a:ext>
-            </a:extLst>
-          </p:cNvPr>
-          <p:cNvSpPr txBox="1"/>
-          <p:nvPr/>
-        </p:nvSpPr>
-        <p:spPr>
-          <a:xfrm>
-            <a:off x="9718246" y="6657945"/>
-            <a:ext cx="2473754" cy="200055"/>
-          </a:xfrm>
-          <a:prstGeom prst="rect">
-            <a:avLst/>
-          </a:prstGeom>
-          <a:solidFill>
-            <a:srgbClr val="000000"/>
-          </a:solidFill>
-        </p:spPr>
-        <p:txBody>
-          <a:bodyPr wrap="none">
-            <a:spAutoFit/>
-          </a:bodyPr>
-          <a:lstStyle/>
-          <a:p>
-            <a:pPr algn="r">
-              <a:spcAft>
-                <a:spcPts val="600"/>
-              </a:spcAft>
-            </a:pPr>
-            <a:r>
-              <a:rPr lang="en-US" sz="700">
-                <a:solidFill>
-                  <a:srgbClr val="FFFFFF"/>
-                </a:solidFill>
-                <a:hlinkClick r:id="rId3">
-                  <a:extLst>
-                    <a:ext uri="{A12FA001-AC4F-418D-AE19-62706E023703}">
-                      <ahyp:hlinkClr xmlns:ahyp="http://schemas.microsoft.com/office/drawing/2018/hyperlinkcolor" val="tx"/>
-                    </a:ext>
-                  </a:extLst>
-                </a:hlinkClick>
-              </a:rPr>
-              <a:t>This Photo</a:t>
-            </a:r>
-            <a:r>
-              <a:rPr lang="en-US" sz="700">
-                <a:solidFill>
-                  <a:srgbClr val="FFFFFF"/>
-                </a:solidFill>
-              </a:rPr>
-              <a:t> by Unknown author is licensed under </a:t>
-            </a:r>
-            <a:r>
-              <a:rPr lang="en-US" sz="700">
-                <a:solidFill>
-                  <a:srgbClr val="FFFFFF"/>
-                </a:solidFill>
-                <a:hlinkClick r:id="rId4">
-                  <a:extLst>
-                    <a:ext uri="{A12FA001-AC4F-418D-AE19-62706E023703}">
-                      <ahyp:hlinkClr xmlns:ahyp="http://schemas.microsoft.com/office/drawing/2018/hyperlinkcolor" val="tx"/>
-                    </a:ext>
-                  </a:extLst>
-                </a:hlinkClick>
-              </a:rPr>
-              <a:t>CC BY</a:t>
-            </a:r>
-            <a:r>
-              <a:rPr lang="en-US" sz="700">
-                <a:solidFill>
-                  <a:srgbClr val="FFFFFF"/>
-                </a:solidFill>
-              </a:rPr>
-              <a:t>.</a:t>
-            </a:r>
+              <a:rPr lang="en-US" dirty="0"/>
+              <a:t>Labor Costs</a:t>
+            </a:r>
+          </a:p>
+        </p:txBody>
+      </p:sp>
+      <p:sp>
+        <p:nvSpPr>
+          <p:cNvPr id="3" name="Content Placeholder 2">
+            <a:extLst>
+              <a:ext uri="{FF2B5EF4-FFF2-40B4-BE49-F238E27FC236}">
+                <a16:creationId xmlns:a16="http://schemas.microsoft.com/office/drawing/2014/main" id="{1848C2EE-B551-4031-9066-B25E1EDF8C93}"/>
+              </a:ext>
+            </a:extLst>
+          </p:cNvPr>
+          <p:cNvSpPr>
+            <a:spLocks noGrp="1"/>
+          </p:cNvSpPr>
+          <p:nvPr>
+            <p:ph idx="1"/>
+          </p:nvPr>
+        </p:nvSpPr>
+        <p:spPr/>
+        <p:txBody>
+          <a:bodyPr/>
+          <a:lstStyle/>
+          <a:p>
+            <a:endParaRPr lang="en-US"/>
           </a:p>
         </p:txBody>
       </p:sp>
     </p:spTree>
     <p:extLst>
       <p:ext uri="{BB962C8B-B14F-4D97-AF65-F5344CB8AC3E}">
-        <p14:creationId xmlns:p14="http://schemas.microsoft.com/office/powerpoint/2010/main" val="3388507586"/>
+        <p14:creationId xmlns:p14="http://schemas.microsoft.com/office/powerpoint/2010/main" val="1978831218"/>
       </p:ext>
     </p:extLst>
   </p:cSld>
@@ -9247,7 +9437,90 @@
 </p:sld>
 </file>
 
-<file path=ppt/slides/slide2.xml><?xml version="1.0" encoding="utf-8"?>
+<file path=ppt/slides/slide13.xml><?xml version="1.0" encoding="utf-8"?>
+<p:sld xmlns:a="http://schemas.openxmlformats.org/drawingml/2006/main" xmlns:r="http://schemas.openxmlformats.org/officeDocument/2006/relationships" xmlns:p="http://schemas.openxmlformats.org/presentationml/2006/main">
+  <p:cSld>
+    <p:spTree>
+      <p:nvGrpSpPr>
+        <p:cNvPr id="1" name=""/>
+        <p:cNvGrpSpPr/>
+        <p:nvPr/>
+      </p:nvGrpSpPr>
+      <p:grpSpPr>
+        <a:xfrm>
+          <a:off x="0" y="0"/>
+          <a:ext cx="0" cy="0"/>
+          <a:chOff x="0" y="0"/>
+          <a:chExt cx="0" cy="0"/>
+        </a:xfrm>
+      </p:grpSpPr>
+      <p:sp>
+        <p:nvSpPr>
+          <p:cNvPr id="2" name="Title 1">
+            <a:extLst>
+              <a:ext uri="{FF2B5EF4-FFF2-40B4-BE49-F238E27FC236}">
+                <a16:creationId xmlns:a16="http://schemas.microsoft.com/office/drawing/2014/main" id="{F960C915-8E3D-4C82-994D-2451D77C7271}"/>
+              </a:ext>
+            </a:extLst>
+          </p:cNvPr>
+          <p:cNvSpPr>
+            <a:spLocks noGrp="1"/>
+          </p:cNvSpPr>
+          <p:nvPr>
+            <p:ph type="title"/>
+          </p:nvPr>
+        </p:nvSpPr>
+        <p:spPr/>
+        <p:txBody>
+          <a:bodyPr/>
+          <a:lstStyle/>
+          <a:p>
+            <a:r>
+              <a:rPr lang="en-US" dirty="0"/>
+              <a:t>Material Costs</a:t>
+            </a:r>
+          </a:p>
+        </p:txBody>
+      </p:sp>
+      <p:sp>
+        <p:nvSpPr>
+          <p:cNvPr id="3" name="Content Placeholder 2">
+            <a:extLst>
+              <a:ext uri="{FF2B5EF4-FFF2-40B4-BE49-F238E27FC236}">
+                <a16:creationId xmlns:a16="http://schemas.microsoft.com/office/drawing/2014/main" id="{450588AB-363D-4383-ADD7-DC7B1D0DB361}"/>
+              </a:ext>
+            </a:extLst>
+          </p:cNvPr>
+          <p:cNvSpPr>
+            <a:spLocks noGrp="1"/>
+          </p:cNvSpPr>
+          <p:nvPr>
+            <p:ph idx="1"/>
+          </p:nvPr>
+        </p:nvSpPr>
+        <p:spPr/>
+        <p:txBody>
+          <a:bodyPr/>
+          <a:lstStyle/>
+          <a:p>
+            <a:endParaRPr lang="en-US"/>
+          </a:p>
+        </p:txBody>
+      </p:sp>
+    </p:spTree>
+    <p:extLst>
+      <p:ext uri="{BB962C8B-B14F-4D97-AF65-F5344CB8AC3E}">
+        <p14:creationId xmlns:p14="http://schemas.microsoft.com/office/powerpoint/2010/main" val="3479068332"/>
+      </p:ext>
+    </p:extLst>
+  </p:cSld>
+  <p:clrMapOvr>
+    <a:masterClrMapping/>
+  </p:clrMapOvr>
+</p:sld>
+</file>
+
+<file path=ppt/slides/slide14.xml><?xml version="1.0" encoding="utf-8"?>
 <p:sld xmlns:a="http://schemas.openxmlformats.org/drawingml/2006/main" xmlns:r="http://schemas.openxmlformats.org/officeDocument/2006/relationships" xmlns:p="http://schemas.openxmlformats.org/presentationml/2006/main">
   <p:cSld>
     <p:bg>
@@ -9675,7 +9948,7 @@
           <p:cNvPr id="2" name="Title 1">
             <a:extLst>
               <a:ext uri="{FF2B5EF4-FFF2-40B4-BE49-F238E27FC236}">
-                <a16:creationId xmlns:a16="http://schemas.microsoft.com/office/drawing/2014/main" id="{DA009D7D-8D1A-4C31-9239-0F84FFBDB9D3}"/>
+                <a16:creationId xmlns:a16="http://schemas.microsoft.com/office/drawing/2014/main" id="{2A52F838-3F23-4FEE-B622-325F7FA1966F}"/>
               </a:ext>
             </a:extLst>
           </p:cNvPr>
@@ -9699,8 +9972,8 @@
           <a:lstStyle/>
           <a:p>
             <a:r>
-              <a:rPr lang="en-US" dirty="0"/>
-              <a:t>Rover Mini Project</a:t>
+              <a:rPr lang="en-US"/>
+              <a:t>Next Week's Tasks</a:t>
             </a:r>
           </a:p>
         </p:txBody>
@@ -9802,7 +10075,7 @@
           <p:cNvPr id="3" name="Content Placeholder 2">
             <a:extLst>
               <a:ext uri="{FF2B5EF4-FFF2-40B4-BE49-F238E27FC236}">
-                <a16:creationId xmlns:a16="http://schemas.microsoft.com/office/drawing/2014/main" id="{3298A509-2051-40B2-B8C6-785AC74000EB}"/>
+                <a16:creationId xmlns:a16="http://schemas.microsoft.com/office/drawing/2014/main" id="{2484C1CA-CA0A-488E-99DF-480F2A746C7C}"/>
               </a:ext>
             </a:extLst>
           </p:cNvPr>
@@ -9815,7 +10088,7 @@
         </p:nvSpPr>
         <p:spPr>
           <a:xfrm>
-            <a:off x="5471320" y="932688"/>
+            <a:off x="5434149" y="932688"/>
             <a:ext cx="5916603" cy="4992624"/>
           </a:xfrm>
         </p:spPr>
@@ -9827,24 +10100,63 @@
           <a:p>
             <a:r>
               <a:rPr lang="en-US" sz="2000" dirty="0"/>
-              <a:t>Summary: </a:t>
-            </a:r>
-            <a:endParaRPr lang="en-US" sz="2000"/>
+              <a:t>Finalize a rover design</a:t>
+            </a:r>
           </a:p>
           <a:p>
             <a:r>
               <a:rPr lang="en-US" sz="2000" dirty="0"/>
-              <a:t>Goals:</a:t>
-            </a:r>
-          </a:p>
-        </p:txBody>
-      </p:sp>
-      <p:sp>
-        <p:nvSpPr>
-          <p:cNvPr id="4" name="Slide Number Placeholder 3">
-            <a:extLst>
-              <a:ext uri="{FF2B5EF4-FFF2-40B4-BE49-F238E27FC236}">
-                <a16:creationId xmlns:a16="http://schemas.microsoft.com/office/drawing/2014/main" id="{558158B8-F9FF-4D51-A373-14307776B698}"/>
+              <a:t>Get a running test bench</a:t>
+            </a:r>
+          </a:p>
+          <a:p>
+            <a:r>
+              <a:rPr lang="en-US" sz="2000" dirty="0"/>
+              <a:t>Get CPR certifications</a:t>
+            </a:r>
+          </a:p>
+          <a:p>
+            <a:r>
+              <a:rPr lang="en-US" sz="2000" dirty="0"/>
+              <a:t>Testing the rover for defects in software or hardware</a:t>
+            </a:r>
+          </a:p>
+        </p:txBody>
+      </p:sp>
+      <p:sp>
+        <p:nvSpPr>
+          <p:cNvPr id="4" name="Footer Placeholder 3">
+            <a:extLst>
+              <a:ext uri="{FF2B5EF4-FFF2-40B4-BE49-F238E27FC236}">
+                <a16:creationId xmlns:a16="http://schemas.microsoft.com/office/drawing/2014/main" id="{00BCC7B3-FEF4-4256-804B-A351CCACA2E4}"/>
+              </a:ext>
+            </a:extLst>
+          </p:cNvPr>
+          <p:cNvSpPr>
+            <a:spLocks noGrp="1"/>
+          </p:cNvSpPr>
+          <p:nvPr>
+            <p:ph type="ftr" sz="quarter" idx="11"/>
+          </p:nvPr>
+        </p:nvSpPr>
+        <p:spPr/>
+        <p:txBody>
+          <a:bodyPr/>
+          <a:lstStyle/>
+          <a:p>
+            <a:r>
+              <a:rPr lang="en-US"/>
+              <a:t>   Mohammed Ansari</a:t>
+            </a:r>
+          </a:p>
+        </p:txBody>
+      </p:sp>
+      <p:sp>
+        <p:nvSpPr>
+          <p:cNvPr id="5" name="Slide Number Placeholder 4">
+            <a:extLst>
+              <a:ext uri="{FF2B5EF4-FFF2-40B4-BE49-F238E27FC236}">
+                <a16:creationId xmlns:a16="http://schemas.microsoft.com/office/drawing/2014/main" id="{A4822B04-4018-4C67-9988-1F9973F65577}"/>
               </a:ext>
             </a:extLst>
           </p:cNvPr>
@@ -9862,44 +10174,16 @@
           <a:p>
             <a:fld id="{B2DC25EE-239B-4C5F-AAD1-255A7D5F1EE2}" type="slidenum">
               <a:rPr lang="en-US" smtClean="0"/>
-              <a:t>2</a:t>
+              <a:t>14</a:t>
             </a:fld>
             <a:endParaRPr lang="en-US"/>
-          </a:p>
-        </p:txBody>
-      </p:sp>
-      <p:sp>
-        <p:nvSpPr>
-          <p:cNvPr id="5" name="Footer Placeholder 4">
-            <a:extLst>
-              <a:ext uri="{FF2B5EF4-FFF2-40B4-BE49-F238E27FC236}">
-                <a16:creationId xmlns:a16="http://schemas.microsoft.com/office/drawing/2014/main" id="{E45F1066-EC65-4F3D-8FE8-0CA7C5AC241F}"/>
-              </a:ext>
-            </a:extLst>
-          </p:cNvPr>
-          <p:cNvSpPr>
-            <a:spLocks noGrp="1"/>
-          </p:cNvSpPr>
-          <p:nvPr>
-            <p:ph type="ftr" sz="quarter" idx="11"/>
-          </p:nvPr>
-        </p:nvSpPr>
-        <p:spPr/>
-        <p:txBody>
-          <a:bodyPr/>
-          <a:lstStyle/>
-          <a:p>
-            <a:r>
-              <a:rPr lang="en-US"/>
-              <a:t>Erik Manis</a:t>
-            </a:r>
           </a:p>
         </p:txBody>
       </p:sp>
     </p:spTree>
     <p:extLst>
       <p:ext uri="{BB962C8B-B14F-4D97-AF65-F5344CB8AC3E}">
-        <p14:creationId xmlns:p14="http://schemas.microsoft.com/office/powerpoint/2010/main" val="3903332358"/>
+        <p14:creationId xmlns:p14="http://schemas.microsoft.com/office/powerpoint/2010/main" val="2977494336"/>
       </p:ext>
     </p:extLst>
   </p:cSld>
@@ -9909,7 +10193,590 @@
 </p:sld>
 </file>
 
-<file path=ppt/slides/slide3.xml><?xml version="1.0" encoding="utf-8"?>
+<file path=ppt/slides/slide15.xml><?xml version="1.0" encoding="utf-8"?>
+<p:sld xmlns:a="http://schemas.openxmlformats.org/drawingml/2006/main" xmlns:r="http://schemas.openxmlformats.org/officeDocument/2006/relationships" xmlns:p="http://schemas.openxmlformats.org/presentationml/2006/main">
+  <p:cSld>
+    <p:bg>
+      <p:bgPr>
+        <a:solidFill>
+          <a:schemeClr val="bg1"/>
+        </a:solidFill>
+        <a:effectLst/>
+      </p:bgPr>
+    </p:bg>
+    <p:spTree>
+      <p:nvGrpSpPr>
+        <p:cNvPr id="1" name=""/>
+        <p:cNvGrpSpPr/>
+        <p:nvPr/>
+      </p:nvGrpSpPr>
+      <p:grpSpPr>
+        <a:xfrm>
+          <a:off x="0" y="0"/>
+          <a:ext cx="0" cy="0"/>
+          <a:chOff x="0" y="0"/>
+          <a:chExt cx="0" cy="0"/>
+        </a:xfrm>
+      </p:grpSpPr>
+      <p:sp useBgFill="1">
+        <p:nvSpPr>
+          <p:cNvPr id="7" name="Rectangle 9">
+            <a:extLst>
+              <a:ext uri="{FF2B5EF4-FFF2-40B4-BE49-F238E27FC236}">
+                <a16:creationId xmlns:a16="http://schemas.microsoft.com/office/drawing/2014/main" id="{E91DC736-0EF8-4F87-9146-EBF1D2EE4D3D}"/>
+              </a:ext>
+              <a:ext uri="{C183D7F6-B498-43B3-948B-1728B52AA6E4}">
+                <adec:decorative xmlns:adec="http://schemas.microsoft.com/office/drawing/2017/decorative" val="1"/>
+              </a:ext>
+            </a:extLst>
+          </p:cNvPr>
+          <p:cNvSpPr>
+            <a:spLocks noGrp="1" noRot="1" noChangeAspect="1" noMove="1" noResize="1" noEditPoints="1" noAdjustHandles="1" noChangeArrowheads="1" noChangeShapeType="1" noTextEdit="1"/>
+          </p:cNvSpPr>
+          <p:nvPr>
+            <p:extLst>
+              <p:ext uri="{386F3935-93C4-4BCD-93E2-E3B085C9AB24}">
+                <p16:designElem xmlns:p16="http://schemas.microsoft.com/office/powerpoint/2015/main" val="1"/>
+              </p:ext>
+            </p:extLst>
+          </p:nvPr>
+        </p:nvSpPr>
+        <p:spPr>
+          <a:xfrm>
+            <a:off x="0" y="0"/>
+            <a:ext cx="12192000" cy="6858000"/>
+          </a:xfrm>
+          <a:prstGeom prst="rect">
+            <a:avLst/>
+          </a:prstGeom>
+          <a:ln>
+            <a:noFill/>
+          </a:ln>
+        </p:spPr>
+        <p:style>
+          <a:lnRef idx="2">
+            <a:schemeClr val="accent1">
+              <a:shade val="50000"/>
+            </a:schemeClr>
+          </a:lnRef>
+          <a:fillRef idx="1">
+            <a:schemeClr val="accent1"/>
+          </a:fillRef>
+          <a:effectRef idx="0">
+            <a:schemeClr val="accent1"/>
+          </a:effectRef>
+          <a:fontRef idx="minor">
+            <a:schemeClr val="lt1"/>
+          </a:fontRef>
+        </p:style>
+        <p:txBody>
+          <a:bodyPr rtlCol="0" anchor="ctr"/>
+          <a:lstStyle/>
+          <a:p>
+            <a:pPr algn="ctr"/>
+            <a:endParaRPr lang="en-US"/>
+          </a:p>
+        </p:txBody>
+      </p:sp>
+      <p:pic>
+        <p:nvPicPr>
+          <p:cNvPr id="4" name="Picture 4" descr="A picture containing person&#10;&#10;Description automatically generated">
+            <a:extLst>
+              <a:ext uri="{FF2B5EF4-FFF2-40B4-BE49-F238E27FC236}">
+                <a16:creationId xmlns:a16="http://schemas.microsoft.com/office/drawing/2014/main" id="{C1B4B951-0114-4B38-924F-4025F20EA90D}"/>
+              </a:ext>
+            </a:extLst>
+          </p:cNvPr>
+          <p:cNvPicPr>
+            <a:picLocks noChangeAspect="1"/>
+          </p:cNvPicPr>
+          <p:nvPr/>
+        </p:nvPicPr>
+        <p:blipFill rotWithShape="1">
+          <a:blip r:embed="rId2">
+            <a:extLst>
+              <a:ext uri="{837473B0-CC2E-450A-ABE3-18F120FF3D39}">
+                <a1611:picAttrSrcUrl xmlns:a1611="http://schemas.microsoft.com/office/drawing/2016/11/main" r:id="rId3"/>
+              </a:ext>
+            </a:extLst>
+          </a:blip>
+          <a:srcRect l="27884" r="11760" b="1"/>
+          <a:stretch/>
+        </p:blipFill>
+        <p:spPr>
+          <a:xfrm>
+            <a:off x="3523488" y="10"/>
+            <a:ext cx="8668512" cy="6857990"/>
+          </a:xfrm>
+          <a:prstGeom prst="rect">
+            <a:avLst/>
+          </a:prstGeom>
+        </p:spPr>
+      </p:pic>
+      <p:sp>
+        <p:nvSpPr>
+          <p:cNvPr id="8" name="Rectangle 11">
+            <a:extLst>
+              <a:ext uri="{FF2B5EF4-FFF2-40B4-BE49-F238E27FC236}">
+                <a16:creationId xmlns:a16="http://schemas.microsoft.com/office/drawing/2014/main" id="{097CD68E-23E3-4007-8847-CD0944C4F7BE}"/>
+              </a:ext>
+              <a:ext uri="{C183D7F6-B498-43B3-948B-1728B52AA6E4}">
+                <adec:decorative xmlns:adec="http://schemas.microsoft.com/office/drawing/2017/decorative" val="1"/>
+              </a:ext>
+            </a:extLst>
+          </p:cNvPr>
+          <p:cNvSpPr>
+            <a:spLocks noGrp="1" noRot="1" noChangeAspect="1" noMove="1" noResize="1" noEditPoints="1" noAdjustHandles="1" noChangeArrowheads="1" noChangeShapeType="1" noTextEdit="1"/>
+          </p:cNvSpPr>
+          <p:nvPr>
+            <p:extLst>
+              <p:ext uri="{386F3935-93C4-4BCD-93E2-E3B085C9AB24}">
+                <p16:designElem xmlns:p16="http://schemas.microsoft.com/office/powerpoint/2015/main" val="1"/>
+              </p:ext>
+            </p:extLst>
+          </p:nvPr>
+        </p:nvSpPr>
+        <p:spPr>
+          <a:xfrm>
+            <a:off x="0" y="0"/>
+            <a:ext cx="9756601" cy="6858000"/>
+          </a:xfrm>
+          <a:prstGeom prst="rect">
+            <a:avLst/>
+          </a:prstGeom>
+          <a:gradFill>
+            <a:gsLst>
+              <a:gs pos="58000">
+                <a:schemeClr val="bg1"/>
+              </a:gs>
+              <a:gs pos="35000">
+                <a:schemeClr val="bg1">
+                  <a:alpha val="79000"/>
+                </a:schemeClr>
+              </a:gs>
+              <a:gs pos="19000">
+                <a:schemeClr val="bg1">
+                  <a:alpha val="38000"/>
+                </a:schemeClr>
+              </a:gs>
+              <a:gs pos="0">
+                <a:schemeClr val="bg1">
+                  <a:alpha val="0"/>
+                </a:schemeClr>
+              </a:gs>
+              <a:gs pos="100000">
+                <a:schemeClr val="bg1"/>
+              </a:gs>
+            </a:gsLst>
+            <a:lin ang="10800000" scaled="0"/>
+          </a:gradFill>
+          <a:ln>
+            <a:noFill/>
+          </a:ln>
+        </p:spPr>
+        <p:style>
+          <a:lnRef idx="2">
+            <a:schemeClr val="accent1">
+              <a:shade val="50000"/>
+            </a:schemeClr>
+          </a:lnRef>
+          <a:fillRef idx="1">
+            <a:schemeClr val="accent1"/>
+          </a:fillRef>
+          <a:effectRef idx="0">
+            <a:schemeClr val="accent1"/>
+          </a:effectRef>
+          <a:fontRef idx="minor">
+            <a:schemeClr val="lt1"/>
+          </a:fontRef>
+        </p:style>
+        <p:txBody>
+          <a:bodyPr rtlCol="0" anchor="ctr"/>
+          <a:lstStyle/>
+          <a:p>
+            <a:pPr algn="ctr"/>
+            <a:endParaRPr lang="en-US" dirty="0"/>
+          </a:p>
+        </p:txBody>
+      </p:sp>
+      <p:sp>
+        <p:nvSpPr>
+          <p:cNvPr id="2" name="Title 1">
+            <a:extLst>
+              <a:ext uri="{FF2B5EF4-FFF2-40B4-BE49-F238E27FC236}">
+                <a16:creationId xmlns:a16="http://schemas.microsoft.com/office/drawing/2014/main" id="{B7EE6717-721B-49FB-8D1F-59F2F5373F98}"/>
+              </a:ext>
+            </a:extLst>
+          </p:cNvPr>
+          <p:cNvSpPr>
+            <a:spLocks noGrp="1"/>
+          </p:cNvSpPr>
+          <p:nvPr>
+            <p:ph type="ctrTitle"/>
+          </p:nvPr>
+        </p:nvSpPr>
+        <p:spPr>
+          <a:xfrm>
+            <a:off x="477981" y="1122363"/>
+            <a:ext cx="4023360" cy="3204134"/>
+          </a:xfrm>
+        </p:spPr>
+        <p:txBody>
+          <a:bodyPr anchor="b">
+            <a:normAutofit/>
+          </a:bodyPr>
+          <a:lstStyle/>
+          <a:p>
+            <a:r>
+              <a:rPr lang="en-US" sz="4800" dirty="0"/>
+              <a:t>Questions</a:t>
+            </a:r>
+          </a:p>
+        </p:txBody>
+      </p:sp>
+      <p:sp>
+        <p:nvSpPr>
+          <p:cNvPr id="3" name="Subtitle 2">
+            <a:extLst>
+              <a:ext uri="{FF2B5EF4-FFF2-40B4-BE49-F238E27FC236}">
+                <a16:creationId xmlns:a16="http://schemas.microsoft.com/office/drawing/2014/main" id="{65002332-FD90-4584-B9DA-7B2991C45D1C}"/>
+              </a:ext>
+            </a:extLst>
+          </p:cNvPr>
+          <p:cNvSpPr>
+            <a:spLocks noGrp="1"/>
+          </p:cNvSpPr>
+          <p:nvPr>
+            <p:ph type="subTitle" idx="1"/>
+          </p:nvPr>
+        </p:nvSpPr>
+        <p:spPr>
+          <a:xfrm>
+            <a:off x="477980" y="4872922"/>
+            <a:ext cx="4728004" cy="1711871"/>
+          </a:xfrm>
+        </p:spPr>
+        <p:txBody>
+          <a:bodyPr vert="horz" lIns="91440" tIns="45720" rIns="91440" bIns="45720" rtlCol="0" anchor="t">
+            <a:normAutofit/>
+          </a:bodyPr>
+          <a:lstStyle/>
+          <a:p>
+            <a:r>
+              <a:rPr lang="en-US" sz="2000" dirty="0"/>
+              <a:t>Software Manager: Dirk </a:t>
+            </a:r>
+            <a:r>
+              <a:rPr lang="en-US" sz="2000" dirty="0" err="1"/>
+              <a:t>Thieme</a:t>
+            </a:r>
+            <a:endParaRPr lang="en-US" sz="2000" dirty="0"/>
+          </a:p>
+          <a:p>
+            <a:r>
+              <a:rPr lang="en-US" sz="2000" dirty="0"/>
+              <a:t>Hardware Manager: Erik Manis</a:t>
+            </a:r>
+          </a:p>
+          <a:p>
+            <a:r>
+              <a:rPr lang="en-US" sz="2000" dirty="0"/>
+              <a:t>Project Controller: Mohammed Ansari</a:t>
+            </a:r>
+          </a:p>
+        </p:txBody>
+      </p:sp>
+      <p:sp>
+        <p:nvSpPr>
+          <p:cNvPr id="14" name="Rectangle 13">
+            <a:extLst>
+              <a:ext uri="{FF2B5EF4-FFF2-40B4-BE49-F238E27FC236}">
+                <a16:creationId xmlns:a16="http://schemas.microsoft.com/office/drawing/2014/main" id="{AF2F604E-43BE-4DC3-B983-E071523364F8}"/>
+              </a:ext>
+              <a:ext uri="{C183D7F6-B498-43B3-948B-1728B52AA6E4}">
+                <adec:decorative xmlns:adec="http://schemas.microsoft.com/office/drawing/2017/decorative" val="1"/>
+              </a:ext>
+            </a:extLst>
+          </p:cNvPr>
+          <p:cNvSpPr>
+            <a:spLocks noGrp="1" noRot="1" noChangeAspect="1" noMove="1" noResize="1" noEditPoints="1" noAdjustHandles="1" noChangeArrowheads="1" noChangeShapeType="1" noTextEdit="1"/>
+          </p:cNvSpPr>
+          <p:nvPr>
+            <p:extLst>
+              <p:ext uri="{386F3935-93C4-4BCD-93E2-E3B085C9AB24}">
+                <p16:designElem xmlns:p16="http://schemas.microsoft.com/office/powerpoint/2015/main" val="1"/>
+              </p:ext>
+            </p:extLst>
+          </p:nvPr>
+        </p:nvSpPr>
+        <p:spPr>
+          <a:xfrm rot="5400000">
+            <a:off x="759921" y="346791"/>
+            <a:ext cx="146304" cy="704088"/>
+          </a:xfrm>
+          <a:prstGeom prst="rect">
+            <a:avLst/>
+          </a:prstGeom>
+          <a:solidFill>
+            <a:schemeClr val="accent1"/>
+          </a:solidFill>
+          <a:ln>
+            <a:noFill/>
+          </a:ln>
+        </p:spPr>
+        <p:style>
+          <a:lnRef idx="2">
+            <a:schemeClr val="accent1">
+              <a:shade val="50000"/>
+            </a:schemeClr>
+          </a:lnRef>
+          <a:fillRef idx="1">
+            <a:schemeClr val="accent1"/>
+          </a:fillRef>
+          <a:effectRef idx="0">
+            <a:schemeClr val="accent1"/>
+          </a:effectRef>
+          <a:fontRef idx="minor">
+            <a:schemeClr val="lt1"/>
+          </a:fontRef>
+        </p:style>
+        <p:txBody>
+          <a:bodyPr rtlCol="0" anchor="ctr"/>
+          <a:lstStyle/>
+          <a:p>
+            <a:pPr marL="0" marR="0" lvl="0" indent="0" algn="ctr" defTabSz="914400" rtl="0" eaLnBrk="1" fontAlgn="auto" latinLnBrk="0" hangingPunct="1">
+              <a:lnSpc>
+                <a:spcPct val="100000"/>
+              </a:lnSpc>
+              <a:spcBef>
+                <a:spcPts val="0"/>
+              </a:spcBef>
+              <a:spcAft>
+                <a:spcPts val="0"/>
+              </a:spcAft>
+              <a:buClrTx/>
+              <a:buSzTx/>
+              <a:buFontTx/>
+              <a:buNone/>
+              <a:tabLst/>
+              <a:defRPr/>
+            </a:pPr>
+            <a:endParaRPr kumimoji="0" lang="en-US" sz="1800" b="0" i="0" u="none" strike="noStrike" kern="1200" cap="none" spc="0" normalizeH="0" baseline="0" noProof="0">
+              <a:ln>
+                <a:noFill/>
+              </a:ln>
+              <a:solidFill>
+                <a:prstClr val="white"/>
+              </a:solidFill>
+              <a:effectLst/>
+              <a:uLnTx/>
+              <a:uFillTx/>
+              <a:latin typeface="Calibri" panose="020F0502020204030204"/>
+              <a:ea typeface="+mn-ea"/>
+              <a:cs typeface="+mn-cs"/>
+            </a:endParaRPr>
+          </a:p>
+        </p:txBody>
+      </p:sp>
+      <p:sp>
+        <p:nvSpPr>
+          <p:cNvPr id="16" name="Rectangle 15">
+            <a:extLst>
+              <a:ext uri="{FF2B5EF4-FFF2-40B4-BE49-F238E27FC236}">
+                <a16:creationId xmlns:a16="http://schemas.microsoft.com/office/drawing/2014/main" id="{08C9B587-E65E-4B52-B37C-ABEBB6E87928}"/>
+              </a:ext>
+              <a:ext uri="{C183D7F6-B498-43B3-948B-1728B52AA6E4}">
+                <adec:decorative xmlns:adec="http://schemas.microsoft.com/office/drawing/2017/decorative" val="1"/>
+              </a:ext>
+            </a:extLst>
+          </p:cNvPr>
+          <p:cNvSpPr>
+            <a:spLocks noGrp="1" noRot="1" noChangeAspect="1" noMove="1" noResize="1" noEditPoints="1" noAdjustHandles="1" noChangeArrowheads="1" noChangeShapeType="1" noTextEdit="1"/>
+          </p:cNvSpPr>
+          <p:nvPr>
+            <p:extLst>
+              <p:ext uri="{386F3935-93C4-4BCD-93E2-E3B085C9AB24}">
+                <p16:designElem xmlns:p16="http://schemas.microsoft.com/office/powerpoint/2015/main" val="1"/>
+              </p:ext>
+            </p:extLst>
+          </p:nvPr>
+        </p:nvSpPr>
+        <p:spPr>
+          <a:xfrm>
+            <a:off x="481029" y="4546920"/>
+            <a:ext cx="3977640" cy="18288"/>
+          </a:xfrm>
+          <a:prstGeom prst="rect">
+            <a:avLst/>
+          </a:prstGeom>
+          <a:solidFill>
+            <a:schemeClr val="tx2">
+              <a:lumMod val="25000"/>
+              <a:lumOff val="75000"/>
+            </a:schemeClr>
+          </a:solidFill>
+          <a:ln w="3175">
+            <a:solidFill>
+              <a:schemeClr val="tx2">
+                <a:lumMod val="25000"/>
+                <a:lumOff val="75000"/>
+              </a:schemeClr>
+            </a:solidFill>
+          </a:ln>
+          <a:effectLst/>
+        </p:spPr>
+        <p:style>
+          <a:lnRef idx="2">
+            <a:schemeClr val="accent1">
+              <a:shade val="50000"/>
+            </a:schemeClr>
+          </a:lnRef>
+          <a:fillRef idx="1">
+            <a:schemeClr val="accent1"/>
+          </a:fillRef>
+          <a:effectRef idx="0">
+            <a:schemeClr val="accent1"/>
+          </a:effectRef>
+          <a:fontRef idx="minor">
+            <a:schemeClr val="lt1"/>
+          </a:fontRef>
+        </p:style>
+        <p:txBody>
+          <a:bodyPr rtlCol="0" anchor="ctr"/>
+          <a:lstStyle/>
+          <a:p>
+            <a:pPr marL="0" marR="0" lvl="0" indent="0" algn="ctr" defTabSz="914400" rtl="0" eaLnBrk="1" fontAlgn="auto" latinLnBrk="0" hangingPunct="1">
+              <a:lnSpc>
+                <a:spcPct val="100000"/>
+              </a:lnSpc>
+              <a:spcBef>
+                <a:spcPts val="0"/>
+              </a:spcBef>
+              <a:spcAft>
+                <a:spcPts val="0"/>
+              </a:spcAft>
+              <a:buClrTx/>
+              <a:buSzTx/>
+              <a:buFontTx/>
+              <a:buNone/>
+              <a:tabLst/>
+              <a:defRPr/>
+            </a:pPr>
+            <a:endParaRPr kumimoji="0" lang="en-US" sz="1800" b="0" i="0" u="none" strike="noStrike" kern="1200" cap="none" spc="0" normalizeH="0" baseline="0" noProof="0">
+              <a:ln>
+                <a:noFill/>
+              </a:ln>
+              <a:solidFill>
+                <a:prstClr val="white"/>
+              </a:solidFill>
+              <a:effectLst/>
+              <a:uLnTx/>
+              <a:uFillTx/>
+              <a:latin typeface="Calibri" panose="020F0502020204030204"/>
+              <a:ea typeface="+mn-ea"/>
+              <a:cs typeface="+mn-cs"/>
+            </a:endParaRPr>
+          </a:p>
+        </p:txBody>
+      </p:sp>
+      <p:sp>
+        <p:nvSpPr>
+          <p:cNvPr id="5" name="TextBox 4">
+            <a:extLst>
+              <a:ext uri="{FF2B5EF4-FFF2-40B4-BE49-F238E27FC236}">
+                <a16:creationId xmlns:a16="http://schemas.microsoft.com/office/drawing/2014/main" id="{827F8159-B784-471B-A47A-4B8799D711BF}"/>
+              </a:ext>
+            </a:extLst>
+          </p:cNvPr>
+          <p:cNvSpPr txBox="1"/>
+          <p:nvPr/>
+        </p:nvSpPr>
+        <p:spPr>
+          <a:xfrm>
+            <a:off x="9718246" y="6657945"/>
+            <a:ext cx="2473754" cy="200055"/>
+          </a:xfrm>
+          <a:prstGeom prst="rect">
+            <a:avLst/>
+          </a:prstGeom>
+          <a:solidFill>
+            <a:srgbClr val="000000"/>
+          </a:solidFill>
+        </p:spPr>
+        <p:txBody>
+          <a:bodyPr wrap="none">
+            <a:spAutoFit/>
+          </a:bodyPr>
+          <a:lstStyle/>
+          <a:p>
+            <a:pPr algn="r">
+              <a:spcAft>
+                <a:spcPts val="600"/>
+              </a:spcAft>
+            </a:pPr>
+            <a:r>
+              <a:rPr lang="en-US" sz="700">
+                <a:solidFill>
+                  <a:srgbClr val="FFFFFF"/>
+                </a:solidFill>
+                <a:hlinkClick r:id="rId3">
+                  <a:extLst>
+                    <a:ext uri="{A12FA001-AC4F-418D-AE19-62706E023703}">
+                      <ahyp:hlinkClr xmlns:ahyp="http://schemas.microsoft.com/office/drawing/2018/hyperlinkcolor" val="tx"/>
+                    </a:ext>
+                  </a:extLst>
+                </a:hlinkClick>
+              </a:rPr>
+              <a:t>This Photo</a:t>
+            </a:r>
+            <a:r>
+              <a:rPr lang="en-US" sz="700">
+                <a:solidFill>
+                  <a:srgbClr val="FFFFFF"/>
+                </a:solidFill>
+              </a:rPr>
+              <a:t> by Unknown author is licensed under </a:t>
+            </a:r>
+            <a:r>
+              <a:rPr lang="en-US" sz="700">
+                <a:solidFill>
+                  <a:srgbClr val="FFFFFF"/>
+                </a:solidFill>
+                <a:hlinkClick r:id="rId4">
+                  <a:extLst>
+                    <a:ext uri="{A12FA001-AC4F-418D-AE19-62706E023703}">
+                      <ahyp:hlinkClr xmlns:ahyp="http://schemas.microsoft.com/office/drawing/2018/hyperlinkcolor" val="tx"/>
+                    </a:ext>
+                  </a:extLst>
+                </a:hlinkClick>
+              </a:rPr>
+              <a:t>CC BY</a:t>
+            </a:r>
+            <a:r>
+              <a:rPr lang="en-US" sz="700">
+                <a:solidFill>
+                  <a:srgbClr val="FFFFFF"/>
+                </a:solidFill>
+              </a:rPr>
+              <a:t>.</a:t>
+            </a:r>
+          </a:p>
+        </p:txBody>
+      </p:sp>
+    </p:spTree>
+    <p:extLst>
+      <p:ext uri="{BB962C8B-B14F-4D97-AF65-F5344CB8AC3E}">
+        <p14:creationId xmlns:p14="http://schemas.microsoft.com/office/powerpoint/2010/main" val="3388507586"/>
+      </p:ext>
+    </p:extLst>
+  </p:cSld>
+  <p:clrMapOvr>
+    <a:masterClrMapping/>
+  </p:clrMapOvr>
+</p:sld>
+</file>
+
+<file path=ppt/slides/slide2.xml><?xml version="1.0" encoding="utf-8"?>
 <p:sld xmlns:a="http://schemas.openxmlformats.org/drawingml/2006/main" xmlns:r="http://schemas.openxmlformats.org/officeDocument/2006/relationships" xmlns:p="http://schemas.openxmlformats.org/presentationml/2006/main">
   <p:cSld>
     <p:bg>
@@ -10361,8 +11228,8 @@
           <a:lstStyle/>
           <a:p>
             <a:r>
-              <a:rPr lang="en-US"/>
-              <a:t>Last Week's Tasks</a:t>
+              <a:rPr lang="en-US" dirty="0"/>
+              <a:t>Rover Mini Project</a:t>
             </a:r>
           </a:p>
         </p:txBody>
@@ -10489,46 +11356,13 @@
           <a:p>
             <a:r>
               <a:rPr lang="en-US" sz="2000" dirty="0"/>
-              <a:t>Soldering Tutorial</a:t>
-            </a:r>
-            <a:endParaRPr lang="en-US" dirty="0"/>
+              <a:t>Summary: Use the BASYS 3 board’s built-in switches to control the speed and direction of the motors inside of a rover based on which switch is pulled.</a:t>
+            </a:r>
           </a:p>
           <a:p>
             <a:r>
               <a:rPr lang="en-US" sz="2000" dirty="0"/>
-              <a:t>Choose a circuit simulator</a:t>
-            </a:r>
-          </a:p>
-          <a:p>
-            <a:r>
-              <a:rPr lang="en-US" sz="2000" dirty="0"/>
-              <a:t>Get a Workbench</a:t>
-            </a:r>
-          </a:p>
-          <a:p>
-            <a:r>
-              <a:rPr lang="en-US" sz="2000" dirty="0"/>
-              <a:t>Get an H-bridge</a:t>
-            </a:r>
-          </a:p>
-          <a:p>
-            <a:r>
-              <a:rPr lang="en-US" sz="2000" dirty="0"/>
-              <a:t>Watch </a:t>
-            </a:r>
-            <a:r>
-              <a:rPr lang="en-US" sz="2000" dirty="0" err="1"/>
-              <a:t>Vivado</a:t>
-            </a:r>
-            <a:r>
-              <a:rPr lang="en-US" sz="2000" dirty="0"/>
-              <a:t> tutorials</a:t>
-            </a:r>
-          </a:p>
-          <a:p>
-            <a:r>
-              <a:rPr lang="en-US" sz="2000" dirty="0"/>
-              <a:t>Set up a file sharing  system</a:t>
+              <a:t>Goals: Build a better understanding of the board, the h-bridge, and the Verilog software.</a:t>
             </a:r>
           </a:p>
         </p:txBody>
@@ -10556,7 +11390,7 @@
           <a:p>
             <a:fld id="{B2DC25EE-239B-4C5F-AAD1-255A7D5F1EE2}" type="slidenum">
               <a:rPr lang="en-US" smtClean="0"/>
-              <a:t>3</a:t>
+              <a:t>2</a:t>
             </a:fld>
             <a:endParaRPr lang="en-US"/>
           </a:p>
@@ -10593,7 +11427,7 @@
     </p:spTree>
     <p:extLst>
       <p:ext uri="{BB962C8B-B14F-4D97-AF65-F5344CB8AC3E}">
-        <p14:creationId xmlns:p14="http://schemas.microsoft.com/office/powerpoint/2010/main" val="1379591483"/>
+        <p14:creationId xmlns:p14="http://schemas.microsoft.com/office/powerpoint/2010/main" val="3903332358"/>
       </p:ext>
     </p:extLst>
   </p:cSld>
@@ -10603,7 +11437,7 @@
 </p:sld>
 </file>
 
-<file path=ppt/slides/slide4.xml><?xml version="1.0" encoding="utf-8"?>
+<file path=ppt/slides/slide3.xml><?xml version="1.0" encoding="utf-8"?>
 <p:sld xmlns:a="http://schemas.openxmlformats.org/drawingml/2006/main" xmlns:r="http://schemas.openxmlformats.org/officeDocument/2006/relationships" xmlns:p="http://schemas.openxmlformats.org/presentationml/2006/main">
   <p:cSld>
     <p:bg>
@@ -11031,7 +11865,7 @@
           <p:cNvPr id="2" name="Title 1">
             <a:extLst>
               <a:ext uri="{FF2B5EF4-FFF2-40B4-BE49-F238E27FC236}">
-                <a16:creationId xmlns:a16="http://schemas.microsoft.com/office/drawing/2014/main" id="{18006C12-A024-4F5E-914B-A5003128DB75}"/>
+                <a16:creationId xmlns:a16="http://schemas.microsoft.com/office/drawing/2014/main" id="{DA009D7D-8D1A-4C31-9239-0F84FFBDB9D3}"/>
               </a:ext>
             </a:extLst>
           </p:cNvPr>
@@ -11055,8 +11889,8 @@
           <a:lstStyle/>
           <a:p>
             <a:r>
-              <a:rPr lang="en-US"/>
-              <a:t>Completed Tasks</a:t>
+              <a:rPr lang="en-US" dirty="0"/>
+              <a:t>Last Week's Tasks</a:t>
             </a:r>
           </a:p>
         </p:txBody>
@@ -11158,7 +11992,7 @@
           <p:cNvPr id="3" name="Content Placeholder 2">
             <a:extLst>
               <a:ext uri="{FF2B5EF4-FFF2-40B4-BE49-F238E27FC236}">
-                <a16:creationId xmlns:a16="http://schemas.microsoft.com/office/drawing/2014/main" id="{80D9F17E-8867-4A11-A73C-A7EBF8AF016D}"/>
+                <a16:creationId xmlns:a16="http://schemas.microsoft.com/office/drawing/2014/main" id="{3298A509-2051-40B2-B8C6-785AC74000EB}"/>
               </a:ext>
             </a:extLst>
           </p:cNvPr>
@@ -11171,95 +12005,98 @@
         </p:nvSpPr>
         <p:spPr>
           <a:xfrm>
-            <a:off x="5434149" y="932688"/>
-            <a:ext cx="5916603" cy="4992624"/>
+            <a:off x="5433269" y="631508"/>
+            <a:ext cx="5916603" cy="5585840"/>
           </a:xfrm>
         </p:spPr>
         <p:txBody>
-          <a:bodyPr anchor="ctr">
+          <a:bodyPr vert="horz" lIns="91440" tIns="45720" rIns="91440" bIns="45720" rtlCol="0" anchor="ctr">
             <a:normAutofit/>
           </a:bodyPr>
           <a:lstStyle/>
           <a:p>
             <a:r>
               <a:rPr lang="en-US" sz="2000" dirty="0"/>
-              <a:t>All: Admin requirements complete</a:t>
+              <a:t>Soldering Tutorial</a:t>
+            </a:r>
+          </a:p>
+          <a:p>
+            <a:pPr lvl="1"/>
+            <a:r>
+              <a:rPr lang="en-US" sz="1800" dirty="0"/>
+              <a:t>Mohammed and Erik finished</a:t>
+            </a:r>
+          </a:p>
+          <a:p>
+            <a:pPr lvl="1"/>
+            <a:r>
+              <a:rPr lang="en-US" sz="1800" dirty="0"/>
+              <a:t>Dirk is going in tomorrow</a:t>
             </a:r>
           </a:p>
           <a:p>
             <a:r>
               <a:rPr lang="en-US" sz="2000" dirty="0"/>
-              <a:t>Motor demo project</a:t>
+              <a:t>Choose a circuit simulator</a:t>
             </a:r>
           </a:p>
           <a:p>
             <a:pPr lvl="1"/>
             <a:r>
-              <a:rPr lang="en-US" sz="1600" dirty="0"/>
-              <a:t>Dirk: Gantt chart</a:t>
+              <a:rPr lang="en-US" sz="1800" dirty="0"/>
+              <a:t>We familiarized ourselves with </a:t>
+            </a:r>
+            <a:r>
+              <a:rPr lang="en-US" sz="1800" dirty="0" err="1"/>
+              <a:t>LTspice</a:t>
+            </a:r>
+            <a:endParaRPr lang="en-US" sz="1800" dirty="0"/>
+          </a:p>
+          <a:p>
+            <a:r>
+              <a:rPr lang="en-US" sz="2000" dirty="0"/>
+              <a:t>Get a Workbench</a:t>
             </a:r>
           </a:p>
           <a:p>
             <a:pPr lvl="1"/>
             <a:r>
-              <a:rPr lang="en-US" sz="1600" dirty="0"/>
-              <a:t>Mohammed: Budget</a:t>
+              <a:rPr lang="en-US" sz="1800" dirty="0"/>
+              <a:t>We have workbench 1</a:t>
             </a:r>
           </a:p>
           <a:p>
             <a:r>
               <a:rPr lang="en-US" sz="2000" dirty="0"/>
-              <a:t>All: Software downloaded</a:t>
+              <a:t>Get an H-bridge</a:t>
             </a:r>
           </a:p>
           <a:p>
             <a:r>
               <a:rPr lang="en-US" sz="2000" dirty="0"/>
-              <a:t>Erik: Project notebook setup</a:t>
+              <a:t>We have gotten some parts in</a:t>
             </a:r>
           </a:p>
           <a:p>
             <a:r>
               <a:rPr lang="en-US" sz="2000" dirty="0"/>
-              <a:t>Mohammed: Rover chassis</a:t>
-            </a:r>
-          </a:p>
-        </p:txBody>
-      </p:sp>
-      <p:sp>
-        <p:nvSpPr>
-          <p:cNvPr id="4" name="Footer Placeholder 3">
-            <a:extLst>
-              <a:ext uri="{FF2B5EF4-FFF2-40B4-BE49-F238E27FC236}">
-                <a16:creationId xmlns:a16="http://schemas.microsoft.com/office/drawing/2014/main" id="{7ED9CA9C-E010-4DF7-BEB2-3F4C2099D02B}"/>
-              </a:ext>
-            </a:extLst>
-          </p:cNvPr>
-          <p:cNvSpPr>
-            <a:spLocks noGrp="1"/>
-          </p:cNvSpPr>
-          <p:nvPr>
-            <p:ph type="ftr" sz="quarter" idx="11"/>
-          </p:nvPr>
-        </p:nvSpPr>
-        <p:spPr/>
-        <p:txBody>
-          <a:bodyPr/>
-          <a:lstStyle/>
-          <a:p>
-            <a:r>
-              <a:rPr lang="en-US"/>
-              <a:t>Erik Manis</a:t>
-            </a:r>
-          </a:p>
-        </p:txBody>
-      </p:sp>
-      <p:sp>
-        <p:nvSpPr>
-          <p:cNvPr id="5" name="Slide Number Placeholder 4">
-            <a:extLst>
-              <a:ext uri="{FF2B5EF4-FFF2-40B4-BE49-F238E27FC236}">
-                <a16:creationId xmlns:a16="http://schemas.microsoft.com/office/drawing/2014/main" id="{3FD872CB-4E99-4A5B-A5DD-55FBCCC39091}"/>
+              <a:t>Watch Verilog tutorials</a:t>
+            </a:r>
+          </a:p>
+          <a:p>
+            <a:r>
+              <a:rPr lang="en-US" sz="2000" dirty="0"/>
+              <a:t>Set up a GitLab repo to manage all our project files and information</a:t>
+            </a:r>
+          </a:p>
+        </p:txBody>
+      </p:sp>
+      <p:sp>
+        <p:nvSpPr>
+          <p:cNvPr id="4" name="Slide Number Placeholder 3">
+            <a:extLst>
+              <a:ext uri="{FF2B5EF4-FFF2-40B4-BE49-F238E27FC236}">
+                <a16:creationId xmlns:a16="http://schemas.microsoft.com/office/drawing/2014/main" id="{558158B8-F9FF-4D51-A373-14307776B698}"/>
               </a:ext>
             </a:extLst>
           </p:cNvPr>
@@ -11277,16 +12114,44 @@
           <a:p>
             <a:fld id="{B2DC25EE-239B-4C5F-AAD1-255A7D5F1EE2}" type="slidenum">
               <a:rPr lang="en-US" smtClean="0"/>
-              <a:t>4</a:t>
+              <a:t>3</a:t>
             </a:fld>
             <a:endParaRPr lang="en-US"/>
+          </a:p>
+        </p:txBody>
+      </p:sp>
+      <p:sp>
+        <p:nvSpPr>
+          <p:cNvPr id="5" name="Footer Placeholder 4">
+            <a:extLst>
+              <a:ext uri="{FF2B5EF4-FFF2-40B4-BE49-F238E27FC236}">
+                <a16:creationId xmlns:a16="http://schemas.microsoft.com/office/drawing/2014/main" id="{E45F1066-EC65-4F3D-8FE8-0CA7C5AC241F}"/>
+              </a:ext>
+            </a:extLst>
+          </p:cNvPr>
+          <p:cNvSpPr>
+            <a:spLocks noGrp="1"/>
+          </p:cNvSpPr>
+          <p:nvPr>
+            <p:ph type="ftr" sz="quarter" idx="11"/>
+          </p:nvPr>
+        </p:nvSpPr>
+        <p:spPr/>
+        <p:txBody>
+          <a:bodyPr/>
+          <a:lstStyle/>
+          <a:p>
+            <a:r>
+              <a:rPr lang="en-US"/>
+              <a:t>Erik Manis</a:t>
+            </a:r>
           </a:p>
         </p:txBody>
       </p:sp>
     </p:spTree>
     <p:extLst>
       <p:ext uri="{BB962C8B-B14F-4D97-AF65-F5344CB8AC3E}">
-        <p14:creationId xmlns:p14="http://schemas.microsoft.com/office/powerpoint/2010/main" val="4200090189"/>
+        <p14:creationId xmlns:p14="http://schemas.microsoft.com/office/powerpoint/2010/main" val="1379591483"/>
       </p:ext>
     </p:extLst>
   </p:cSld>
@@ -11296,17 +12161,9 @@
 </p:sld>
 </file>
 
-<file path=ppt/slides/slide5.xml><?xml version="1.0" encoding="utf-8"?>
+<file path=ppt/slides/slide4.xml><?xml version="1.0" encoding="utf-8"?>
 <p:sld xmlns:a="http://schemas.openxmlformats.org/drawingml/2006/main" xmlns:r="http://schemas.openxmlformats.org/officeDocument/2006/relationships" xmlns:p="http://schemas.openxmlformats.org/presentationml/2006/main">
   <p:cSld>
-    <p:bg>
-      <p:bgPr>
-        <a:solidFill>
-          <a:schemeClr val="bg1"/>
-        </a:solidFill>
-        <a:effectLst/>
-      </p:bgPr>
-    </p:bg>
     <p:spTree>
       <p:nvGrpSpPr>
         <p:cNvPr id="1" name=""/>
@@ -11321,594 +12178,74 @@
           <a:chExt cx="0" cy="0"/>
         </a:xfrm>
       </p:grpSpPr>
-      <p:sp useBgFill="1">
-        <p:nvSpPr>
-          <p:cNvPr id="8" name="Rectangle 7">
-            <a:extLst>
-              <a:ext uri="{FF2B5EF4-FFF2-40B4-BE49-F238E27FC236}">
-                <a16:creationId xmlns:a16="http://schemas.microsoft.com/office/drawing/2014/main" id="{1C799903-48D5-4A31-A1A2-541072D9771E}"/>
-              </a:ext>
-              <a:ext uri="{C183D7F6-B498-43B3-948B-1728B52AA6E4}">
-                <adec:decorative xmlns:adec="http://schemas.microsoft.com/office/drawing/2017/decorative" val="1"/>
-              </a:ext>
-            </a:extLst>
-          </p:cNvPr>
-          <p:cNvSpPr>
-            <a:spLocks noGrp="1" noRot="1" noChangeAspect="1" noMove="1" noResize="1" noEditPoints="1" noAdjustHandles="1" noChangeArrowheads="1" noChangeShapeType="1" noTextEdit="1"/>
-          </p:cNvSpPr>
-          <p:nvPr>
-            <p:extLst>
-              <p:ext uri="{386F3935-93C4-4BCD-93E2-E3B085C9AB24}">
-                <p16:designElem xmlns:p16="http://schemas.microsoft.com/office/powerpoint/2015/main" val="1"/>
-              </p:ext>
-            </p:extLst>
+      <p:sp>
+        <p:nvSpPr>
+          <p:cNvPr id="2" name="Title 1">
+            <a:extLst>
+              <a:ext uri="{FF2B5EF4-FFF2-40B4-BE49-F238E27FC236}">
+                <a16:creationId xmlns:a16="http://schemas.microsoft.com/office/drawing/2014/main" id="{D8DA8A77-3D5C-4128-8B2B-79B94B6CB9CE}"/>
+              </a:ext>
+            </a:extLst>
+          </p:cNvPr>
+          <p:cNvSpPr>
+            <a:spLocks noGrp="1"/>
+          </p:cNvSpPr>
+          <p:nvPr>
+            <p:ph type="title"/>
+          </p:nvPr>
+        </p:nvSpPr>
+        <p:spPr/>
+        <p:txBody>
+          <a:bodyPr/>
+          <a:lstStyle/>
+          <a:p>
+            <a:r>
+              <a:rPr lang="en-US" dirty="0"/>
+              <a:t>Hardware Update</a:t>
+            </a:r>
+          </a:p>
+        </p:txBody>
+      </p:sp>
+      <p:sp>
+        <p:nvSpPr>
+          <p:cNvPr id="3" name="Content Placeholder 2">
+            <a:extLst>
+              <a:ext uri="{FF2B5EF4-FFF2-40B4-BE49-F238E27FC236}">
+                <a16:creationId xmlns:a16="http://schemas.microsoft.com/office/drawing/2014/main" id="{F38787CF-E34F-434A-88EB-F854CA168C88}"/>
+              </a:ext>
+            </a:extLst>
+          </p:cNvPr>
+          <p:cNvSpPr>
+            <a:spLocks noGrp="1"/>
+          </p:cNvSpPr>
+          <p:nvPr>
+            <p:ph idx="1"/>
           </p:nvPr>
         </p:nvSpPr>
         <p:spPr>
           <a:xfrm>
-            <a:off x="0" y="0"/>
-            <a:ext cx="12192002" cy="6858000"/>
-          </a:xfrm>
-          <a:prstGeom prst="rect">
-            <a:avLst/>
-          </a:prstGeom>
-          <a:ln>
-            <a:noFill/>
-          </a:ln>
-        </p:spPr>
-        <p:style>
-          <a:lnRef idx="2">
-            <a:schemeClr val="accent1">
-              <a:shade val="50000"/>
-            </a:schemeClr>
-          </a:lnRef>
-          <a:fillRef idx="1">
-            <a:schemeClr val="accent1"/>
-          </a:fillRef>
-          <a:effectRef idx="0">
-            <a:schemeClr val="accent1"/>
-          </a:effectRef>
-          <a:fontRef idx="minor">
-            <a:schemeClr val="lt1"/>
-          </a:fontRef>
-        </p:style>
-        <p:txBody>
-          <a:bodyPr rtlCol="0" anchor="ctr"/>
-          <a:lstStyle/>
-          <a:p>
-            <a:pPr algn="ctr"/>
-            <a:endParaRPr lang="en-US"/>
-          </a:p>
-        </p:txBody>
-      </p:sp>
-      <p:sp useBgFill="1">
-        <p:nvSpPr>
-          <p:cNvPr id="10" name="Freeform: Shape 9">
-            <a:extLst>
-              <a:ext uri="{FF2B5EF4-FFF2-40B4-BE49-F238E27FC236}">
-                <a16:creationId xmlns:a16="http://schemas.microsoft.com/office/drawing/2014/main" id="{8EFFF109-FC58-4FD3-BE05-9775A1310F55}"/>
-              </a:ext>
-              <a:ext uri="{C183D7F6-B498-43B3-948B-1728B52AA6E4}">
-                <adec:decorative xmlns:adec="http://schemas.microsoft.com/office/drawing/2017/decorative" val="1"/>
-              </a:ext>
-            </a:extLst>
-          </p:cNvPr>
-          <p:cNvSpPr>
-            <a:spLocks noGrp="1" noRot="1" noChangeAspect="1" noMove="1" noResize="1" noEditPoints="1" noAdjustHandles="1" noChangeArrowheads="1" noChangeShapeType="1" noTextEdit="1"/>
-          </p:cNvSpPr>
-          <p:nvPr>
-            <p:extLst>
-              <p:ext uri="{386F3935-93C4-4BCD-93E2-E3B085C9AB24}">
-                <p16:designElem xmlns:p16="http://schemas.microsoft.com/office/powerpoint/2015/main" val="1"/>
-              </p:ext>
-            </p:extLst>
-          </p:nvPr>
-        </p:nvSpPr>
-        <p:spPr>
-          <a:xfrm>
-            <a:off x="-1" y="0"/>
-            <a:ext cx="4818889" cy="6858000"/>
-          </a:xfrm>
-          <a:custGeom>
-            <a:avLst/>
-            <a:gdLst>
-              <a:gd name="connsiteX0" fmla="*/ 0 w 4818889"/>
-              <a:gd name="connsiteY0" fmla="*/ 0 h 6858000"/>
-              <a:gd name="connsiteX1" fmla="*/ 3605911 w 4818889"/>
-              <a:gd name="connsiteY1" fmla="*/ 0 h 6858000"/>
-              <a:gd name="connsiteX2" fmla="*/ 3668894 w 4818889"/>
-              <a:gd name="connsiteY2" fmla="*/ 69271 h 6858000"/>
-              <a:gd name="connsiteX3" fmla="*/ 4818889 w 4818889"/>
-              <a:gd name="connsiteY3" fmla="*/ 3429000 h 6858000"/>
-              <a:gd name="connsiteX4" fmla="*/ 3668894 w 4818889"/>
-              <a:gd name="connsiteY4" fmla="*/ 6788730 h 6858000"/>
-              <a:gd name="connsiteX5" fmla="*/ 3605911 w 4818889"/>
-              <a:gd name="connsiteY5" fmla="*/ 6858000 h 6858000"/>
-              <a:gd name="connsiteX6" fmla="*/ 0 w 4818889"/>
-              <a:gd name="connsiteY6" fmla="*/ 6858000 h 6858000"/>
-            </a:gdLst>
-            <a:ahLst/>
-            <a:cxnLst>
-              <a:cxn ang="0">
-                <a:pos x="connsiteX0" y="connsiteY0"/>
-              </a:cxn>
-              <a:cxn ang="0">
-                <a:pos x="connsiteX1" y="connsiteY1"/>
-              </a:cxn>
-              <a:cxn ang="0">
-                <a:pos x="connsiteX2" y="connsiteY2"/>
-              </a:cxn>
-              <a:cxn ang="0">
-                <a:pos x="connsiteX3" y="connsiteY3"/>
-              </a:cxn>
-              <a:cxn ang="0">
-                <a:pos x="connsiteX4" y="connsiteY4"/>
-              </a:cxn>
-              <a:cxn ang="0">
-                <a:pos x="connsiteX5" y="connsiteY5"/>
-              </a:cxn>
-              <a:cxn ang="0">
-                <a:pos x="connsiteX6" y="connsiteY6"/>
-              </a:cxn>
-            </a:cxnLst>
-            <a:rect l="l" t="t" r="r" b="b"/>
-            <a:pathLst>
-              <a:path w="4818889" h="6858000">
-                <a:moveTo>
-                  <a:pt x="0" y="0"/>
-                </a:moveTo>
-                <a:lnTo>
-                  <a:pt x="3605911" y="0"/>
-                </a:lnTo>
-                <a:lnTo>
-                  <a:pt x="3668894" y="69271"/>
-                </a:lnTo>
-                <a:cubicBezTo>
-                  <a:pt x="4379420" y="929100"/>
-                  <a:pt x="4818889" y="2116944"/>
-                  <a:pt x="4818889" y="3429000"/>
-                </a:cubicBezTo>
-                <a:cubicBezTo>
-                  <a:pt x="4818889" y="4741056"/>
-                  <a:pt x="4379420" y="5928900"/>
-                  <a:pt x="3668894" y="6788730"/>
-                </a:cubicBezTo>
-                <a:lnTo>
-                  <a:pt x="3605911" y="6858000"/>
-                </a:lnTo>
-                <a:lnTo>
-                  <a:pt x="0" y="6858000"/>
-                </a:lnTo>
-                <a:close/>
-              </a:path>
-            </a:pathLst>
-          </a:custGeom>
-          <a:ln w="9525">
-            <a:solidFill>
-              <a:schemeClr val="tx2">
-                <a:lumMod val="10000"/>
-                <a:lumOff val="90000"/>
-              </a:schemeClr>
-            </a:solidFill>
-          </a:ln>
-          <a:effectLst>
-            <a:outerShdw blurRad="50800" dist="38100" algn="l" rotWithShape="0">
-              <a:schemeClr val="bg1">
-                <a:lumMod val="85000"/>
-                <a:alpha val="30000"/>
-              </a:schemeClr>
-            </a:outerShdw>
-          </a:effectLst>
-        </p:spPr>
-        <p:style>
-          <a:lnRef idx="2">
-            <a:schemeClr val="accent1">
-              <a:shade val="50000"/>
-            </a:schemeClr>
-          </a:lnRef>
-          <a:fillRef idx="1">
-            <a:schemeClr val="accent1"/>
-          </a:fillRef>
-          <a:effectRef idx="0">
-            <a:schemeClr val="accent1"/>
-          </a:effectRef>
-          <a:fontRef idx="minor">
-            <a:schemeClr val="lt1"/>
-          </a:fontRef>
-        </p:style>
-        <p:txBody>
-          <a:bodyPr wrap="square" rtlCol="0" anchor="ctr">
-            <a:noAutofit/>
-          </a:bodyPr>
-          <a:lstStyle/>
-          <a:p>
-            <a:pPr marL="0" marR="0" lvl="0" indent="0" algn="ctr" defTabSz="914400" rtl="0" eaLnBrk="1" fontAlgn="auto" latinLnBrk="0" hangingPunct="1">
-              <a:lnSpc>
-                <a:spcPct val="100000"/>
-              </a:lnSpc>
-              <a:spcBef>
-                <a:spcPts val="0"/>
-              </a:spcBef>
-              <a:spcAft>
-                <a:spcPts val="0"/>
-              </a:spcAft>
-              <a:buClrTx/>
-              <a:buSzTx/>
-              <a:buFontTx/>
-              <a:buNone/>
-              <a:tabLst/>
-              <a:defRPr/>
-            </a:pPr>
-            <a:endParaRPr kumimoji="0" lang="en-US" sz="1800" b="0" i="0" u="none" strike="noStrike" kern="1200" cap="none" spc="0" normalizeH="0" baseline="0" noProof="0">
-              <a:ln>
-                <a:noFill/>
-              </a:ln>
-              <a:solidFill>
-                <a:prstClr val="white"/>
-              </a:solidFill>
-              <a:effectLst/>
-              <a:uLnTx/>
-              <a:uFillTx/>
-              <a:latin typeface="Calibri" panose="020F0502020204030204"/>
-              <a:ea typeface="+mn-ea"/>
-              <a:cs typeface="+mn-cs"/>
-            </a:endParaRPr>
-          </a:p>
-        </p:txBody>
-      </p:sp>
-      <p:sp useBgFill="1">
-        <p:nvSpPr>
-          <p:cNvPr id="12" name="Freeform: Shape 11">
-            <a:extLst>
-              <a:ext uri="{FF2B5EF4-FFF2-40B4-BE49-F238E27FC236}">
-                <a16:creationId xmlns:a16="http://schemas.microsoft.com/office/drawing/2014/main" id="{E1B96AD6-92A9-4273-A62B-96A1C3E0BA95}"/>
-              </a:ext>
-              <a:ext uri="{C183D7F6-B498-43B3-948B-1728B52AA6E4}">
-                <adec:decorative xmlns:adec="http://schemas.microsoft.com/office/drawing/2017/decorative" val="1"/>
-              </a:ext>
-            </a:extLst>
-          </p:cNvPr>
-          <p:cNvSpPr>
-            <a:spLocks noGrp="1" noRot="1" noChangeAspect="1" noMove="1" noResize="1" noEditPoints="1" noAdjustHandles="1" noChangeArrowheads="1" noChangeShapeType="1" noTextEdit="1"/>
-          </p:cNvSpPr>
-          <p:nvPr>
-            <p:extLst>
-              <p:ext uri="{386F3935-93C4-4BCD-93E2-E3B085C9AB24}">
-                <p16:designElem xmlns:p16="http://schemas.microsoft.com/office/powerpoint/2015/main" val="1"/>
-              </p:ext>
-            </p:extLst>
-          </p:nvPr>
-        </p:nvSpPr>
-        <p:spPr>
-          <a:xfrm>
-            <a:off x="1" y="0"/>
-            <a:ext cx="4811477" cy="6858000"/>
-          </a:xfrm>
-          <a:custGeom>
-            <a:avLst/>
-            <a:gdLst>
-              <a:gd name="connsiteX0" fmla="*/ 0 w 4811477"/>
-              <a:gd name="connsiteY0" fmla="*/ 0 h 6858000"/>
-              <a:gd name="connsiteX1" fmla="*/ 3598499 w 4811477"/>
-              <a:gd name="connsiteY1" fmla="*/ 0 h 6858000"/>
-              <a:gd name="connsiteX2" fmla="*/ 3661482 w 4811477"/>
-              <a:gd name="connsiteY2" fmla="*/ 69271 h 6858000"/>
-              <a:gd name="connsiteX3" fmla="*/ 4811477 w 4811477"/>
-              <a:gd name="connsiteY3" fmla="*/ 3429000 h 6858000"/>
-              <a:gd name="connsiteX4" fmla="*/ 3661482 w 4811477"/>
-              <a:gd name="connsiteY4" fmla="*/ 6788730 h 6858000"/>
-              <a:gd name="connsiteX5" fmla="*/ 3598499 w 4811477"/>
-              <a:gd name="connsiteY5" fmla="*/ 6858000 h 6858000"/>
-              <a:gd name="connsiteX6" fmla="*/ 0 w 4811477"/>
-              <a:gd name="connsiteY6" fmla="*/ 6858000 h 6858000"/>
-            </a:gdLst>
-            <a:ahLst/>
-            <a:cxnLst>
-              <a:cxn ang="0">
-                <a:pos x="connsiteX0" y="connsiteY0"/>
-              </a:cxn>
-              <a:cxn ang="0">
-                <a:pos x="connsiteX1" y="connsiteY1"/>
-              </a:cxn>
-              <a:cxn ang="0">
-                <a:pos x="connsiteX2" y="connsiteY2"/>
-              </a:cxn>
-              <a:cxn ang="0">
-                <a:pos x="connsiteX3" y="connsiteY3"/>
-              </a:cxn>
-              <a:cxn ang="0">
-                <a:pos x="connsiteX4" y="connsiteY4"/>
-              </a:cxn>
-              <a:cxn ang="0">
-                <a:pos x="connsiteX5" y="connsiteY5"/>
-              </a:cxn>
-              <a:cxn ang="0">
-                <a:pos x="connsiteX6" y="connsiteY6"/>
-              </a:cxn>
-            </a:cxnLst>
-            <a:rect l="l" t="t" r="r" b="b"/>
-            <a:pathLst>
-              <a:path w="4811477" h="6858000">
-                <a:moveTo>
-                  <a:pt x="0" y="0"/>
-                </a:moveTo>
-                <a:lnTo>
-                  <a:pt x="3598499" y="0"/>
-                </a:lnTo>
-                <a:lnTo>
-                  <a:pt x="3661482" y="69271"/>
-                </a:lnTo>
-                <a:cubicBezTo>
-                  <a:pt x="4372008" y="929100"/>
-                  <a:pt x="4811477" y="2116944"/>
-                  <a:pt x="4811477" y="3429000"/>
-                </a:cubicBezTo>
-                <a:cubicBezTo>
-                  <a:pt x="4811477" y="4741056"/>
-                  <a:pt x="4372008" y="5928900"/>
-                  <a:pt x="3661482" y="6788730"/>
-                </a:cubicBezTo>
-                <a:lnTo>
-                  <a:pt x="3598499" y="6858000"/>
-                </a:lnTo>
-                <a:lnTo>
-                  <a:pt x="0" y="6858000"/>
-                </a:lnTo>
-                <a:close/>
-              </a:path>
-            </a:pathLst>
-          </a:custGeom>
-          <a:ln w="9525">
-            <a:noFill/>
-          </a:ln>
-          <a:effectLst/>
-        </p:spPr>
-        <p:style>
-          <a:lnRef idx="2">
-            <a:schemeClr val="accent1">
-              <a:shade val="50000"/>
-            </a:schemeClr>
-          </a:lnRef>
-          <a:fillRef idx="1">
-            <a:schemeClr val="accent1"/>
-          </a:fillRef>
-          <a:effectRef idx="0">
-            <a:schemeClr val="accent1"/>
-          </a:effectRef>
-          <a:fontRef idx="minor">
-            <a:schemeClr val="lt1"/>
-          </a:fontRef>
-        </p:style>
-        <p:txBody>
-          <a:bodyPr wrap="square" rtlCol="0" anchor="ctr">
-            <a:noAutofit/>
-          </a:bodyPr>
-          <a:lstStyle/>
-          <a:p>
-            <a:pPr marL="0" marR="0" lvl="0" indent="0" algn="ctr" defTabSz="914400" rtl="0" eaLnBrk="1" fontAlgn="auto" latinLnBrk="0" hangingPunct="1">
-              <a:lnSpc>
-                <a:spcPct val="100000"/>
-              </a:lnSpc>
-              <a:spcBef>
-                <a:spcPts val="0"/>
-              </a:spcBef>
-              <a:spcAft>
-                <a:spcPts val="0"/>
-              </a:spcAft>
-              <a:buClrTx/>
-              <a:buSzTx/>
-              <a:buFontTx/>
-              <a:buNone/>
-              <a:tabLst/>
-              <a:defRPr/>
-            </a:pPr>
-            <a:endParaRPr kumimoji="0" lang="en-US" sz="1800" b="0" i="0" u="none" strike="noStrike" kern="1200" cap="none" spc="0" normalizeH="0" baseline="0" noProof="0">
-              <a:ln>
-                <a:noFill/>
-              </a:ln>
-              <a:solidFill>
-                <a:prstClr val="white"/>
-              </a:solidFill>
-              <a:effectLst/>
-              <a:uLnTx/>
-              <a:uFillTx/>
-              <a:latin typeface="Calibri" panose="020F0502020204030204"/>
-              <a:ea typeface="+mn-ea"/>
-              <a:cs typeface="+mn-cs"/>
-            </a:endParaRPr>
-          </a:p>
-        </p:txBody>
-      </p:sp>
-      <p:sp>
-        <p:nvSpPr>
-          <p:cNvPr id="2" name="Title 1">
-            <a:extLst>
-              <a:ext uri="{FF2B5EF4-FFF2-40B4-BE49-F238E27FC236}">
-                <a16:creationId xmlns:a16="http://schemas.microsoft.com/office/drawing/2014/main" id="{1460FF84-8390-4649-8170-FD970971554F}"/>
-              </a:ext>
-            </a:extLst>
-          </p:cNvPr>
-          <p:cNvSpPr>
-            <a:spLocks noGrp="1"/>
-          </p:cNvSpPr>
-          <p:nvPr>
-            <p:ph type="title"/>
-          </p:nvPr>
-        </p:nvSpPr>
-        <p:spPr>
-          <a:xfrm>
-            <a:off x="621792" y="1161288"/>
-            <a:ext cx="3602736" cy="4526280"/>
+            <a:off x="591312" y="2161032"/>
+            <a:ext cx="10168128" cy="3694176"/>
           </a:xfrm>
         </p:spPr>
         <p:txBody>
-          <a:bodyPr>
-            <a:normAutofit/>
-          </a:bodyPr>
-          <a:lstStyle/>
-          <a:p>
-            <a:r>
-              <a:rPr lang="en-US"/>
-              <a:t>GitLab</a:t>
-            </a:r>
-            <a:endParaRPr lang="en-US" dirty="0"/>
-          </a:p>
-        </p:txBody>
-      </p:sp>
-      <p:sp>
-        <p:nvSpPr>
-          <p:cNvPr id="14" name="Rectangle 13">
-            <a:extLst>
-              <a:ext uri="{FF2B5EF4-FFF2-40B4-BE49-F238E27FC236}">
-                <a16:creationId xmlns:a16="http://schemas.microsoft.com/office/drawing/2014/main" id="{463EEC44-1BA3-44ED-81FC-A644B04B2A44}"/>
-              </a:ext>
-              <a:ext uri="{C183D7F6-B498-43B3-948B-1728B52AA6E4}">
-                <adec:decorative xmlns:adec="http://schemas.microsoft.com/office/drawing/2017/decorative" val="1"/>
-              </a:ext>
-            </a:extLst>
-          </p:cNvPr>
-          <p:cNvSpPr>
-            <a:spLocks noGrp="1" noRot="1" noChangeAspect="1" noMove="1" noResize="1" noEditPoints="1" noAdjustHandles="1" noChangeArrowheads="1" noChangeShapeType="1" noTextEdit="1"/>
-          </p:cNvSpPr>
-          <p:nvPr>
-            <p:extLst>
-              <p:ext uri="{386F3935-93C4-4BCD-93E2-E3B085C9AB24}">
-                <p16:designElem xmlns:p16="http://schemas.microsoft.com/office/powerpoint/2015/main" val="1"/>
-              </p:ext>
-            </p:extLst>
-          </p:nvPr>
-        </p:nvSpPr>
-        <p:spPr>
-          <a:xfrm>
-            <a:off x="0" y="3102049"/>
-            <a:ext cx="128016" cy="653903"/>
-          </a:xfrm>
-          <a:prstGeom prst="rect">
-            <a:avLst/>
-          </a:prstGeom>
-          <a:solidFill>
-            <a:schemeClr val="accent1"/>
-          </a:solidFill>
-          <a:ln>
-            <a:noFill/>
-          </a:ln>
-        </p:spPr>
-        <p:style>
-          <a:lnRef idx="2">
-            <a:schemeClr val="accent1">
-              <a:shade val="50000"/>
-            </a:schemeClr>
-          </a:lnRef>
-          <a:fillRef idx="1">
-            <a:schemeClr val="accent1"/>
-          </a:fillRef>
-          <a:effectRef idx="0">
-            <a:schemeClr val="accent1"/>
-          </a:effectRef>
-          <a:fontRef idx="minor">
-            <a:schemeClr val="lt1"/>
-          </a:fontRef>
-        </p:style>
-        <p:txBody>
-          <a:bodyPr rtlCol="0" anchor="ctr"/>
-          <a:lstStyle/>
-          <a:p>
-            <a:pPr marL="0" marR="0" lvl="0" indent="0" algn="ctr" defTabSz="914400" rtl="0" eaLnBrk="1" fontAlgn="auto" latinLnBrk="0" hangingPunct="1">
-              <a:lnSpc>
-                <a:spcPct val="100000"/>
-              </a:lnSpc>
-              <a:spcBef>
-                <a:spcPts val="0"/>
-              </a:spcBef>
-              <a:spcAft>
-                <a:spcPts val="0"/>
-              </a:spcAft>
-              <a:buClrTx/>
-              <a:buSzTx/>
-              <a:buFontTx/>
-              <a:buNone/>
-              <a:tabLst/>
-              <a:defRPr/>
+          <a:bodyPr/>
+          <a:lstStyle/>
+          <a:p>
+            <a:pPr marL="0" indent="0">
+              <a:buNone/>
             </a:pPr>
-            <a:endParaRPr kumimoji="0" lang="en-US" sz="1800" b="0" i="0" u="none" strike="noStrike" kern="1200" cap="none" spc="0" normalizeH="0" baseline="0" noProof="0">
-              <a:ln>
-                <a:noFill/>
-              </a:ln>
-              <a:solidFill>
-                <a:prstClr val="white"/>
-              </a:solidFill>
-              <a:effectLst/>
-              <a:uLnTx/>
-              <a:uFillTx/>
-              <a:latin typeface="Calibri" panose="020F0502020204030204"/>
-              <a:ea typeface="+mn-ea"/>
-              <a:cs typeface="+mn-cs"/>
-            </a:endParaRPr>
-          </a:p>
-        </p:txBody>
-      </p:sp>
-      <p:sp>
-        <p:nvSpPr>
-          <p:cNvPr id="5" name="Footer Placeholder 4">
-            <a:extLst>
-              <a:ext uri="{FF2B5EF4-FFF2-40B4-BE49-F238E27FC236}">
-                <a16:creationId xmlns:a16="http://schemas.microsoft.com/office/drawing/2014/main" id="{BBDD5167-9B5F-4E18-A1D4-66BA7C7EC745}"/>
-              </a:ext>
-            </a:extLst>
-          </p:cNvPr>
-          <p:cNvSpPr>
-            <a:spLocks noGrp="1"/>
-          </p:cNvSpPr>
-          <p:nvPr>
-            <p:ph type="ftr" sz="quarter" idx="11"/>
-          </p:nvPr>
-        </p:nvSpPr>
-        <p:spPr/>
-        <p:txBody>
-          <a:bodyPr/>
-          <a:lstStyle/>
-          <a:p>
-            <a:r>
-              <a:rPr lang="en-US"/>
-              <a:t>Erik Manis</a:t>
-            </a:r>
-          </a:p>
-        </p:txBody>
-      </p:sp>
-      <p:pic>
-        <p:nvPicPr>
-          <p:cNvPr id="7" name="Picture 8">
-            <a:extLst>
-              <a:ext uri="{FF2B5EF4-FFF2-40B4-BE49-F238E27FC236}">
-                <a16:creationId xmlns:a16="http://schemas.microsoft.com/office/drawing/2014/main" id="{832B2B13-40E4-4C83-A4C6-3759D018CA1D}"/>
-              </a:ext>
-            </a:extLst>
-          </p:cNvPr>
-          <p:cNvPicPr>
-            <a:picLocks noChangeAspect="1"/>
-          </p:cNvPicPr>
-          <p:nvPr/>
-        </p:nvPicPr>
-        <p:blipFill>
-          <a:blip r:embed="rId2"/>
-          <a:stretch>
-            <a:fillRect/>
-          </a:stretch>
-        </p:blipFill>
-        <p:spPr>
-          <a:xfrm>
-            <a:off x="5003180" y="1009929"/>
-            <a:ext cx="6934200" cy="4838142"/>
-          </a:xfrm>
-          <a:prstGeom prst="rect">
-            <a:avLst/>
-          </a:prstGeom>
-        </p:spPr>
-      </p:pic>
+            <a:r>
+              <a:rPr lang="en-US" dirty="0"/>
+              <a:t>BASYS 3 Board</a:t>
+            </a:r>
+          </a:p>
+        </p:txBody>
+      </p:sp>
     </p:spTree>
     <p:extLst>
       <p:ext uri="{BB962C8B-B14F-4D97-AF65-F5344CB8AC3E}">
-        <p14:creationId xmlns:p14="http://schemas.microsoft.com/office/powerpoint/2010/main" val="1717497742"/>
+        <p14:creationId xmlns:p14="http://schemas.microsoft.com/office/powerpoint/2010/main" val="2909048310"/>
       </p:ext>
     </p:extLst>
   </p:cSld>
@@ -11918,17 +12255,9 @@
 </p:sld>
 </file>
 
-<file path=ppt/slides/slide6.xml><?xml version="1.0" encoding="utf-8"?>
+<file path=ppt/slides/slide5.xml><?xml version="1.0" encoding="utf-8"?>
 <p:sld xmlns:a="http://schemas.openxmlformats.org/drawingml/2006/main" xmlns:r="http://schemas.openxmlformats.org/officeDocument/2006/relationships" xmlns:p="http://schemas.openxmlformats.org/presentationml/2006/main">
   <p:cSld>
-    <p:bg>
-      <p:bgPr>
-        <a:solidFill>
-          <a:schemeClr val="bg1"/>
-        </a:solidFill>
-        <a:effectLst/>
-      </p:bgPr>
-    </p:bg>
     <p:spTree>
       <p:nvGrpSpPr>
         <p:cNvPr id="1" name=""/>
@@ -11943,895 +12272,74 @@
           <a:chExt cx="0" cy="0"/>
         </a:xfrm>
       </p:grpSpPr>
-      <p:sp useBgFill="1">
-        <p:nvSpPr>
-          <p:cNvPr id="8" name="Rectangle 7">
-            <a:extLst>
-              <a:ext uri="{FF2B5EF4-FFF2-40B4-BE49-F238E27FC236}">
-                <a16:creationId xmlns:a16="http://schemas.microsoft.com/office/drawing/2014/main" id="{1C799903-48D5-4A31-A1A2-541072D9771E}"/>
-              </a:ext>
-              <a:ext uri="{C183D7F6-B498-43B3-948B-1728B52AA6E4}">
-                <adec:decorative xmlns:adec="http://schemas.microsoft.com/office/drawing/2017/decorative" val="1"/>
-              </a:ext>
-            </a:extLst>
-          </p:cNvPr>
-          <p:cNvSpPr>
-            <a:spLocks noGrp="1" noRot="1" noChangeAspect="1" noMove="1" noResize="1" noEditPoints="1" noAdjustHandles="1" noChangeArrowheads="1" noChangeShapeType="1" noTextEdit="1"/>
-          </p:cNvSpPr>
-          <p:nvPr>
-            <p:extLst>
-              <p:ext uri="{386F3935-93C4-4BCD-93E2-E3B085C9AB24}">
-                <p16:designElem xmlns:p16="http://schemas.microsoft.com/office/powerpoint/2015/main" val="1"/>
-              </p:ext>
-            </p:extLst>
+      <p:sp>
+        <p:nvSpPr>
+          <p:cNvPr id="2" name="Title 1">
+            <a:extLst>
+              <a:ext uri="{FF2B5EF4-FFF2-40B4-BE49-F238E27FC236}">
+                <a16:creationId xmlns:a16="http://schemas.microsoft.com/office/drawing/2014/main" id="{94EE3A7E-A89C-4EA6-ABDA-6F1A84EB3C84}"/>
+              </a:ext>
+            </a:extLst>
+          </p:cNvPr>
+          <p:cNvSpPr>
+            <a:spLocks noGrp="1"/>
+          </p:cNvSpPr>
+          <p:nvPr>
+            <p:ph type="title"/>
+          </p:nvPr>
+        </p:nvSpPr>
+        <p:spPr/>
+        <p:txBody>
+          <a:bodyPr/>
+          <a:lstStyle/>
+          <a:p>
+            <a:r>
+              <a:rPr lang="en-US" dirty="0"/>
+              <a:t>Hardware Update</a:t>
+            </a:r>
+          </a:p>
+        </p:txBody>
+      </p:sp>
+      <p:sp>
+        <p:nvSpPr>
+          <p:cNvPr id="3" name="Content Placeholder 2">
+            <a:extLst>
+              <a:ext uri="{FF2B5EF4-FFF2-40B4-BE49-F238E27FC236}">
+                <a16:creationId xmlns:a16="http://schemas.microsoft.com/office/drawing/2014/main" id="{EE71A8BA-2688-40A3-BC09-109B63C6AAAC}"/>
+              </a:ext>
+            </a:extLst>
+          </p:cNvPr>
+          <p:cNvSpPr>
+            <a:spLocks noGrp="1"/>
+          </p:cNvSpPr>
+          <p:nvPr>
+            <p:ph idx="1"/>
           </p:nvPr>
         </p:nvSpPr>
         <p:spPr>
           <a:xfrm>
-            <a:off x="0" y="0"/>
-            <a:ext cx="12192002" cy="6858000"/>
-          </a:xfrm>
-          <a:prstGeom prst="rect">
-            <a:avLst/>
-          </a:prstGeom>
-          <a:ln>
-            <a:noFill/>
-          </a:ln>
-        </p:spPr>
-        <p:style>
-          <a:lnRef idx="2">
-            <a:schemeClr val="accent1">
-              <a:shade val="50000"/>
-            </a:schemeClr>
-          </a:lnRef>
-          <a:fillRef idx="1">
-            <a:schemeClr val="accent1"/>
-          </a:fillRef>
-          <a:effectRef idx="0">
-            <a:schemeClr val="accent1"/>
-          </a:effectRef>
-          <a:fontRef idx="minor">
-            <a:schemeClr val="lt1"/>
-          </a:fontRef>
-        </p:style>
-        <p:txBody>
-          <a:bodyPr rtlCol="0" anchor="ctr"/>
-          <a:lstStyle/>
-          <a:p>
-            <a:pPr algn="ctr"/>
-            <a:endParaRPr lang="en-US"/>
-          </a:p>
-        </p:txBody>
-      </p:sp>
-      <p:sp useBgFill="1">
-        <p:nvSpPr>
-          <p:cNvPr id="10" name="Freeform: Shape 9">
-            <a:extLst>
-              <a:ext uri="{FF2B5EF4-FFF2-40B4-BE49-F238E27FC236}">
-                <a16:creationId xmlns:a16="http://schemas.microsoft.com/office/drawing/2014/main" id="{8EFFF109-FC58-4FD3-BE05-9775A1310F55}"/>
-              </a:ext>
-              <a:ext uri="{C183D7F6-B498-43B3-948B-1728B52AA6E4}">
-                <adec:decorative xmlns:adec="http://schemas.microsoft.com/office/drawing/2017/decorative" val="1"/>
-              </a:ext>
-            </a:extLst>
-          </p:cNvPr>
-          <p:cNvSpPr>
-            <a:spLocks noGrp="1" noRot="1" noChangeAspect="1" noMove="1" noResize="1" noEditPoints="1" noAdjustHandles="1" noChangeArrowheads="1" noChangeShapeType="1" noTextEdit="1"/>
-          </p:cNvSpPr>
-          <p:nvPr>
-            <p:extLst>
-              <p:ext uri="{386F3935-93C4-4BCD-93E2-E3B085C9AB24}">
-                <p16:designElem xmlns:p16="http://schemas.microsoft.com/office/powerpoint/2015/main" val="1"/>
-              </p:ext>
-            </p:extLst>
-          </p:nvPr>
-        </p:nvSpPr>
-        <p:spPr>
-          <a:xfrm>
-            <a:off x="-1" y="0"/>
-            <a:ext cx="4818889" cy="6858000"/>
-          </a:xfrm>
-          <a:custGeom>
-            <a:avLst/>
-            <a:gdLst>
-              <a:gd name="connsiteX0" fmla="*/ 0 w 4818889"/>
-              <a:gd name="connsiteY0" fmla="*/ 0 h 6858000"/>
-              <a:gd name="connsiteX1" fmla="*/ 3605911 w 4818889"/>
-              <a:gd name="connsiteY1" fmla="*/ 0 h 6858000"/>
-              <a:gd name="connsiteX2" fmla="*/ 3668894 w 4818889"/>
-              <a:gd name="connsiteY2" fmla="*/ 69271 h 6858000"/>
-              <a:gd name="connsiteX3" fmla="*/ 4818889 w 4818889"/>
-              <a:gd name="connsiteY3" fmla="*/ 3429000 h 6858000"/>
-              <a:gd name="connsiteX4" fmla="*/ 3668894 w 4818889"/>
-              <a:gd name="connsiteY4" fmla="*/ 6788730 h 6858000"/>
-              <a:gd name="connsiteX5" fmla="*/ 3605911 w 4818889"/>
-              <a:gd name="connsiteY5" fmla="*/ 6858000 h 6858000"/>
-              <a:gd name="connsiteX6" fmla="*/ 0 w 4818889"/>
-              <a:gd name="connsiteY6" fmla="*/ 6858000 h 6858000"/>
-            </a:gdLst>
-            <a:ahLst/>
-            <a:cxnLst>
-              <a:cxn ang="0">
-                <a:pos x="connsiteX0" y="connsiteY0"/>
-              </a:cxn>
-              <a:cxn ang="0">
-                <a:pos x="connsiteX1" y="connsiteY1"/>
-              </a:cxn>
-              <a:cxn ang="0">
-                <a:pos x="connsiteX2" y="connsiteY2"/>
-              </a:cxn>
-              <a:cxn ang="0">
-                <a:pos x="connsiteX3" y="connsiteY3"/>
-              </a:cxn>
-              <a:cxn ang="0">
-                <a:pos x="connsiteX4" y="connsiteY4"/>
-              </a:cxn>
-              <a:cxn ang="0">
-                <a:pos x="connsiteX5" y="connsiteY5"/>
-              </a:cxn>
-              <a:cxn ang="0">
-                <a:pos x="connsiteX6" y="connsiteY6"/>
-              </a:cxn>
-            </a:cxnLst>
-            <a:rect l="l" t="t" r="r" b="b"/>
-            <a:pathLst>
-              <a:path w="4818889" h="6858000">
-                <a:moveTo>
-                  <a:pt x="0" y="0"/>
-                </a:moveTo>
-                <a:lnTo>
-                  <a:pt x="3605911" y="0"/>
-                </a:lnTo>
-                <a:lnTo>
-                  <a:pt x="3668894" y="69271"/>
-                </a:lnTo>
-                <a:cubicBezTo>
-                  <a:pt x="4379420" y="929100"/>
-                  <a:pt x="4818889" y="2116944"/>
-                  <a:pt x="4818889" y="3429000"/>
-                </a:cubicBezTo>
-                <a:cubicBezTo>
-                  <a:pt x="4818889" y="4741056"/>
-                  <a:pt x="4379420" y="5928900"/>
-                  <a:pt x="3668894" y="6788730"/>
-                </a:cubicBezTo>
-                <a:lnTo>
-                  <a:pt x="3605911" y="6858000"/>
-                </a:lnTo>
-                <a:lnTo>
-                  <a:pt x="0" y="6858000"/>
-                </a:lnTo>
-                <a:close/>
-              </a:path>
-            </a:pathLst>
-          </a:custGeom>
-          <a:ln w="9525">
-            <a:solidFill>
-              <a:schemeClr val="tx2">
-                <a:lumMod val="10000"/>
-                <a:lumOff val="90000"/>
-              </a:schemeClr>
-            </a:solidFill>
-          </a:ln>
-          <a:effectLst>
-            <a:outerShdw blurRad="50800" dist="38100" algn="l" rotWithShape="0">
-              <a:schemeClr val="bg1">
-                <a:lumMod val="85000"/>
-                <a:alpha val="30000"/>
-              </a:schemeClr>
-            </a:outerShdw>
-          </a:effectLst>
-        </p:spPr>
-        <p:style>
-          <a:lnRef idx="2">
-            <a:schemeClr val="accent1">
-              <a:shade val="50000"/>
-            </a:schemeClr>
-          </a:lnRef>
-          <a:fillRef idx="1">
-            <a:schemeClr val="accent1"/>
-          </a:fillRef>
-          <a:effectRef idx="0">
-            <a:schemeClr val="accent1"/>
-          </a:effectRef>
-          <a:fontRef idx="minor">
-            <a:schemeClr val="lt1"/>
-          </a:fontRef>
-        </p:style>
-        <p:txBody>
-          <a:bodyPr wrap="square" rtlCol="0" anchor="ctr">
-            <a:noAutofit/>
-          </a:bodyPr>
-          <a:lstStyle/>
-          <a:p>
-            <a:pPr marL="0" marR="0" lvl="0" indent="0" algn="ctr" defTabSz="914400" rtl="0" eaLnBrk="1" fontAlgn="auto" latinLnBrk="0" hangingPunct="1">
-              <a:lnSpc>
-                <a:spcPct val="100000"/>
-              </a:lnSpc>
-              <a:spcBef>
-                <a:spcPts val="0"/>
-              </a:spcBef>
-              <a:spcAft>
-                <a:spcPts val="0"/>
-              </a:spcAft>
-              <a:buClrTx/>
-              <a:buSzTx/>
-              <a:buFontTx/>
-              <a:buNone/>
-              <a:tabLst/>
-              <a:defRPr/>
-            </a:pPr>
-            <a:endParaRPr kumimoji="0" lang="en-US" sz="1800" b="0" i="0" u="none" strike="noStrike" kern="1200" cap="none" spc="0" normalizeH="0" baseline="0" noProof="0">
-              <a:ln>
-                <a:noFill/>
-              </a:ln>
-              <a:solidFill>
-                <a:prstClr val="white"/>
-              </a:solidFill>
-              <a:effectLst/>
-              <a:uLnTx/>
-              <a:uFillTx/>
-              <a:latin typeface="Calibri" panose="020F0502020204030204"/>
-              <a:ea typeface="+mn-ea"/>
-              <a:cs typeface="+mn-cs"/>
-            </a:endParaRPr>
-          </a:p>
-        </p:txBody>
-      </p:sp>
-      <p:sp useBgFill="1">
-        <p:nvSpPr>
-          <p:cNvPr id="12" name="Freeform: Shape 11">
-            <a:extLst>
-              <a:ext uri="{FF2B5EF4-FFF2-40B4-BE49-F238E27FC236}">
-                <a16:creationId xmlns:a16="http://schemas.microsoft.com/office/drawing/2014/main" id="{E1B96AD6-92A9-4273-A62B-96A1C3E0BA95}"/>
-              </a:ext>
-              <a:ext uri="{C183D7F6-B498-43B3-948B-1728B52AA6E4}">
-                <adec:decorative xmlns:adec="http://schemas.microsoft.com/office/drawing/2017/decorative" val="1"/>
-              </a:ext>
-            </a:extLst>
-          </p:cNvPr>
-          <p:cNvSpPr>
-            <a:spLocks noGrp="1" noRot="1" noChangeAspect="1" noMove="1" noResize="1" noEditPoints="1" noAdjustHandles="1" noChangeArrowheads="1" noChangeShapeType="1" noTextEdit="1"/>
-          </p:cNvSpPr>
-          <p:nvPr>
-            <p:extLst>
-              <p:ext uri="{386F3935-93C4-4BCD-93E2-E3B085C9AB24}">
-                <p16:designElem xmlns:p16="http://schemas.microsoft.com/office/powerpoint/2015/main" val="1"/>
-              </p:ext>
-            </p:extLst>
-          </p:nvPr>
-        </p:nvSpPr>
-        <p:spPr>
-          <a:xfrm>
-            <a:off x="1" y="0"/>
-            <a:ext cx="4811477" cy="6858000"/>
-          </a:xfrm>
-          <a:custGeom>
-            <a:avLst/>
-            <a:gdLst>
-              <a:gd name="connsiteX0" fmla="*/ 0 w 4811477"/>
-              <a:gd name="connsiteY0" fmla="*/ 0 h 6858000"/>
-              <a:gd name="connsiteX1" fmla="*/ 3598499 w 4811477"/>
-              <a:gd name="connsiteY1" fmla="*/ 0 h 6858000"/>
-              <a:gd name="connsiteX2" fmla="*/ 3661482 w 4811477"/>
-              <a:gd name="connsiteY2" fmla="*/ 69271 h 6858000"/>
-              <a:gd name="connsiteX3" fmla="*/ 4811477 w 4811477"/>
-              <a:gd name="connsiteY3" fmla="*/ 3429000 h 6858000"/>
-              <a:gd name="connsiteX4" fmla="*/ 3661482 w 4811477"/>
-              <a:gd name="connsiteY4" fmla="*/ 6788730 h 6858000"/>
-              <a:gd name="connsiteX5" fmla="*/ 3598499 w 4811477"/>
-              <a:gd name="connsiteY5" fmla="*/ 6858000 h 6858000"/>
-              <a:gd name="connsiteX6" fmla="*/ 0 w 4811477"/>
-              <a:gd name="connsiteY6" fmla="*/ 6858000 h 6858000"/>
-            </a:gdLst>
-            <a:ahLst/>
-            <a:cxnLst>
-              <a:cxn ang="0">
-                <a:pos x="connsiteX0" y="connsiteY0"/>
-              </a:cxn>
-              <a:cxn ang="0">
-                <a:pos x="connsiteX1" y="connsiteY1"/>
-              </a:cxn>
-              <a:cxn ang="0">
-                <a:pos x="connsiteX2" y="connsiteY2"/>
-              </a:cxn>
-              <a:cxn ang="0">
-                <a:pos x="connsiteX3" y="connsiteY3"/>
-              </a:cxn>
-              <a:cxn ang="0">
-                <a:pos x="connsiteX4" y="connsiteY4"/>
-              </a:cxn>
-              <a:cxn ang="0">
-                <a:pos x="connsiteX5" y="connsiteY5"/>
-              </a:cxn>
-              <a:cxn ang="0">
-                <a:pos x="connsiteX6" y="connsiteY6"/>
-              </a:cxn>
-            </a:cxnLst>
-            <a:rect l="l" t="t" r="r" b="b"/>
-            <a:pathLst>
-              <a:path w="4811477" h="6858000">
-                <a:moveTo>
-                  <a:pt x="0" y="0"/>
-                </a:moveTo>
-                <a:lnTo>
-                  <a:pt x="3598499" y="0"/>
-                </a:lnTo>
-                <a:lnTo>
-                  <a:pt x="3661482" y="69271"/>
-                </a:lnTo>
-                <a:cubicBezTo>
-                  <a:pt x="4372008" y="929100"/>
-                  <a:pt x="4811477" y="2116944"/>
-                  <a:pt x="4811477" y="3429000"/>
-                </a:cubicBezTo>
-                <a:cubicBezTo>
-                  <a:pt x="4811477" y="4741056"/>
-                  <a:pt x="4372008" y="5928900"/>
-                  <a:pt x="3661482" y="6788730"/>
-                </a:cubicBezTo>
-                <a:lnTo>
-                  <a:pt x="3598499" y="6858000"/>
-                </a:lnTo>
-                <a:lnTo>
-                  <a:pt x="0" y="6858000"/>
-                </a:lnTo>
-                <a:close/>
-              </a:path>
-            </a:pathLst>
-          </a:custGeom>
-          <a:ln w="9525">
-            <a:noFill/>
-          </a:ln>
-          <a:effectLst/>
-        </p:spPr>
-        <p:style>
-          <a:lnRef idx="2">
-            <a:schemeClr val="accent1">
-              <a:shade val="50000"/>
-            </a:schemeClr>
-          </a:lnRef>
-          <a:fillRef idx="1">
-            <a:schemeClr val="accent1"/>
-          </a:fillRef>
-          <a:effectRef idx="0">
-            <a:schemeClr val="accent1"/>
-          </a:effectRef>
-          <a:fontRef idx="minor">
-            <a:schemeClr val="lt1"/>
-          </a:fontRef>
-        </p:style>
-        <p:txBody>
-          <a:bodyPr wrap="square" rtlCol="0" anchor="ctr">
-            <a:noAutofit/>
-          </a:bodyPr>
-          <a:lstStyle/>
-          <a:p>
-            <a:pPr marL="0" marR="0" lvl="0" indent="0" algn="ctr" defTabSz="914400" rtl="0" eaLnBrk="1" fontAlgn="auto" latinLnBrk="0" hangingPunct="1">
-              <a:lnSpc>
-                <a:spcPct val="100000"/>
-              </a:lnSpc>
-              <a:spcBef>
-                <a:spcPts val="0"/>
-              </a:spcBef>
-              <a:spcAft>
-                <a:spcPts val="0"/>
-              </a:spcAft>
-              <a:buClrTx/>
-              <a:buSzTx/>
-              <a:buFontTx/>
-              <a:buNone/>
-              <a:tabLst/>
-              <a:defRPr/>
-            </a:pPr>
-            <a:endParaRPr kumimoji="0" lang="en-US" sz="1800" b="0" i="0" u="none" strike="noStrike" kern="1200" cap="none" spc="0" normalizeH="0" baseline="0" noProof="0">
-              <a:ln>
-                <a:noFill/>
-              </a:ln>
-              <a:solidFill>
-                <a:prstClr val="white"/>
-              </a:solidFill>
-              <a:effectLst/>
-              <a:uLnTx/>
-              <a:uFillTx/>
-              <a:latin typeface="Calibri" panose="020F0502020204030204"/>
-              <a:ea typeface="+mn-ea"/>
-              <a:cs typeface="+mn-cs"/>
-            </a:endParaRPr>
-          </a:p>
-        </p:txBody>
-      </p:sp>
-      <p:sp>
-        <p:nvSpPr>
-          <p:cNvPr id="2" name="Title 1">
-            <a:extLst>
-              <a:ext uri="{FF2B5EF4-FFF2-40B4-BE49-F238E27FC236}">
-                <a16:creationId xmlns:a16="http://schemas.microsoft.com/office/drawing/2014/main" id="{7C82D388-F82E-4FEE-9F7F-E660E607F051}"/>
-              </a:ext>
-            </a:extLst>
-          </p:cNvPr>
-          <p:cNvSpPr>
-            <a:spLocks noGrp="1"/>
-          </p:cNvSpPr>
-          <p:nvPr>
-            <p:ph type="title"/>
-          </p:nvPr>
-        </p:nvSpPr>
-        <p:spPr>
-          <a:xfrm>
-            <a:off x="621792" y="1161288"/>
-            <a:ext cx="3602736" cy="4526280"/>
+            <a:off x="566928" y="2148840"/>
+            <a:ext cx="10168128" cy="3694176"/>
           </a:xfrm>
         </p:spPr>
         <p:txBody>
-          <a:bodyPr>
-            <a:normAutofit/>
-          </a:bodyPr>
-          <a:lstStyle/>
-          <a:p>
+          <a:bodyPr/>
+          <a:lstStyle/>
+          <a:p>
+            <a:pPr marL="0" indent="0">
+              <a:buNone/>
+            </a:pPr>
             <a:r>
               <a:rPr lang="en-US" dirty="0"/>
-              <a:t>Project Notebook</a:t>
-            </a:r>
-          </a:p>
-        </p:txBody>
-      </p:sp>
-      <p:sp>
-        <p:nvSpPr>
-          <p:cNvPr id="14" name="Rectangle 13">
-            <a:extLst>
-              <a:ext uri="{FF2B5EF4-FFF2-40B4-BE49-F238E27FC236}">
-                <a16:creationId xmlns:a16="http://schemas.microsoft.com/office/drawing/2014/main" id="{463EEC44-1BA3-44ED-81FC-A644B04B2A44}"/>
-              </a:ext>
-              <a:ext uri="{C183D7F6-B498-43B3-948B-1728B52AA6E4}">
-                <adec:decorative xmlns:adec="http://schemas.microsoft.com/office/drawing/2017/decorative" val="1"/>
-              </a:ext>
-            </a:extLst>
-          </p:cNvPr>
-          <p:cNvSpPr>
-            <a:spLocks noGrp="1" noRot="1" noChangeAspect="1" noMove="1" noResize="1" noEditPoints="1" noAdjustHandles="1" noChangeArrowheads="1" noChangeShapeType="1" noTextEdit="1"/>
-          </p:cNvSpPr>
-          <p:nvPr>
-            <p:extLst>
-              <p:ext uri="{386F3935-93C4-4BCD-93E2-E3B085C9AB24}">
-                <p16:designElem xmlns:p16="http://schemas.microsoft.com/office/powerpoint/2015/main" val="1"/>
-              </p:ext>
-            </p:extLst>
-          </p:nvPr>
-        </p:nvSpPr>
-        <p:spPr>
-          <a:xfrm>
-            <a:off x="0" y="3102049"/>
-            <a:ext cx="128016" cy="653903"/>
-          </a:xfrm>
-          <a:prstGeom prst="rect">
-            <a:avLst/>
-          </a:prstGeom>
-          <a:solidFill>
-            <a:schemeClr val="accent1"/>
-          </a:solidFill>
-          <a:ln>
-            <a:noFill/>
-          </a:ln>
-        </p:spPr>
-        <p:style>
-          <a:lnRef idx="2">
-            <a:schemeClr val="accent1">
-              <a:shade val="50000"/>
-            </a:schemeClr>
-          </a:lnRef>
-          <a:fillRef idx="1">
-            <a:schemeClr val="accent1"/>
-          </a:fillRef>
-          <a:effectRef idx="0">
-            <a:schemeClr val="accent1"/>
-          </a:effectRef>
-          <a:fontRef idx="minor">
-            <a:schemeClr val="lt1"/>
-          </a:fontRef>
-        </p:style>
-        <p:txBody>
-          <a:bodyPr rtlCol="0" anchor="ctr"/>
-          <a:lstStyle/>
-          <a:p>
-            <a:pPr marL="0" marR="0" lvl="0" indent="0" algn="ctr" defTabSz="914400" rtl="0" eaLnBrk="1" fontAlgn="auto" latinLnBrk="0" hangingPunct="1">
-              <a:lnSpc>
-                <a:spcPct val="100000"/>
-              </a:lnSpc>
-              <a:spcBef>
-                <a:spcPts val="0"/>
-              </a:spcBef>
-              <a:spcAft>
-                <a:spcPts val="0"/>
-              </a:spcAft>
-              <a:buClrTx/>
-              <a:buSzTx/>
-              <a:buFontTx/>
-              <a:buNone/>
-              <a:tabLst/>
-              <a:defRPr/>
-            </a:pPr>
-            <a:endParaRPr kumimoji="0" lang="en-US" sz="1800" b="0" i="0" u="none" strike="noStrike" kern="1200" cap="none" spc="0" normalizeH="0" baseline="0" noProof="0">
-              <a:ln>
-                <a:noFill/>
-              </a:ln>
-              <a:solidFill>
-                <a:prstClr val="white"/>
-              </a:solidFill>
-              <a:effectLst/>
-              <a:uLnTx/>
-              <a:uFillTx/>
-              <a:latin typeface="Calibri" panose="020F0502020204030204"/>
-              <a:ea typeface="+mn-ea"/>
-              <a:cs typeface="+mn-cs"/>
-            </a:endParaRPr>
-          </a:p>
-        </p:txBody>
-      </p:sp>
-      <p:pic>
-        <p:nvPicPr>
-          <p:cNvPr id="6" name="Picture 6" descr="Graphical user interface, application&#10;&#10;Description automatically generated">
-            <a:extLst>
-              <a:ext uri="{FF2B5EF4-FFF2-40B4-BE49-F238E27FC236}">
-                <a16:creationId xmlns:a16="http://schemas.microsoft.com/office/drawing/2014/main" id="{58B2B0BF-5BA2-42A7-968F-1D6CA4B8B751}"/>
-              </a:ext>
-            </a:extLst>
-          </p:cNvPr>
-          <p:cNvPicPr>
-            <a:picLocks noGrp="1" noChangeAspect="1"/>
-          </p:cNvPicPr>
-          <p:nvPr>
-            <p:ph idx="1"/>
-          </p:nvPr>
-        </p:nvPicPr>
-        <p:blipFill rotWithShape="1">
-          <a:blip r:embed="rId2"/>
-          <a:srcRect r="71820"/>
-          <a:stretch/>
-        </p:blipFill>
-        <p:spPr>
-          <a:xfrm>
-            <a:off x="5449482" y="952354"/>
-            <a:ext cx="1667323" cy="1713862"/>
-          </a:xfrm>
-        </p:spPr>
-      </p:pic>
-      <p:sp>
-        <p:nvSpPr>
-          <p:cNvPr id="4" name="Footer Placeholder 3">
-            <a:extLst>
-              <a:ext uri="{FF2B5EF4-FFF2-40B4-BE49-F238E27FC236}">
-                <a16:creationId xmlns:a16="http://schemas.microsoft.com/office/drawing/2014/main" id="{2885C044-9F49-46A1-8ED4-2138404D2502}"/>
-              </a:ext>
-            </a:extLst>
-          </p:cNvPr>
-          <p:cNvSpPr>
-            <a:spLocks noGrp="1"/>
-          </p:cNvSpPr>
-          <p:nvPr>
-            <p:ph type="ftr" sz="quarter" idx="11"/>
-          </p:nvPr>
-        </p:nvSpPr>
-        <p:spPr/>
-        <p:txBody>
-          <a:bodyPr/>
-          <a:lstStyle/>
-          <a:p>
-            <a:r>
-              <a:rPr lang="en-US"/>
-              <a:t>Erik Manis</a:t>
-            </a:r>
-          </a:p>
-        </p:txBody>
-      </p:sp>
-      <p:sp>
-        <p:nvSpPr>
-          <p:cNvPr id="5" name="Slide Number Placeholder 4">
-            <a:extLst>
-              <a:ext uri="{FF2B5EF4-FFF2-40B4-BE49-F238E27FC236}">
-                <a16:creationId xmlns:a16="http://schemas.microsoft.com/office/drawing/2014/main" id="{11B0CDFB-C7EC-4498-BDD3-B3052BA2A943}"/>
-              </a:ext>
-            </a:extLst>
-          </p:cNvPr>
-          <p:cNvSpPr>
-            <a:spLocks noGrp="1"/>
-          </p:cNvSpPr>
-          <p:nvPr>
-            <p:ph type="sldNum" sz="quarter" idx="12"/>
-          </p:nvPr>
-        </p:nvSpPr>
-        <p:spPr/>
-        <p:txBody>
-          <a:bodyPr/>
-          <a:lstStyle/>
-          <a:p>
-            <a:fld id="{B2DC25EE-239B-4C5F-AAD1-255A7D5F1EE2}" type="slidenum">
-              <a:rPr lang="en-US" smtClean="0"/>
-              <a:t>6</a:t>
-            </a:fld>
-            <a:endParaRPr lang="en-US"/>
-          </a:p>
-        </p:txBody>
-      </p:sp>
-      <p:pic>
-        <p:nvPicPr>
-          <p:cNvPr id="7" name="Picture 8" descr="Graphical user interface, application&#10;&#10;Description automatically generated">
-            <a:extLst>
-              <a:ext uri="{FF2B5EF4-FFF2-40B4-BE49-F238E27FC236}">
-                <a16:creationId xmlns:a16="http://schemas.microsoft.com/office/drawing/2014/main" id="{B1713828-1BA2-4EAD-977B-30F395A0890B}"/>
-              </a:ext>
-            </a:extLst>
-          </p:cNvPr>
-          <p:cNvPicPr>
-            <a:picLocks noChangeAspect="1"/>
-          </p:cNvPicPr>
-          <p:nvPr/>
-        </p:nvPicPr>
-        <p:blipFill rotWithShape="1">
-          <a:blip r:embed="rId3"/>
-          <a:srcRect r="77303" b="499"/>
-          <a:stretch/>
-        </p:blipFill>
-        <p:spPr>
-          <a:xfrm>
-            <a:off x="7639050" y="1093124"/>
-            <a:ext cx="1314452" cy="1445054"/>
-          </a:xfrm>
-          <a:prstGeom prst="rect">
-            <a:avLst/>
-          </a:prstGeom>
-        </p:spPr>
-      </p:pic>
-      <p:pic>
-        <p:nvPicPr>
-          <p:cNvPr id="9" name="Picture 10" descr="Graphical user interface, application&#10;&#10;Description automatically generated">
-            <a:extLst>
-              <a:ext uri="{FF2B5EF4-FFF2-40B4-BE49-F238E27FC236}">
-                <a16:creationId xmlns:a16="http://schemas.microsoft.com/office/drawing/2014/main" id="{0D2EE21E-B0CF-4359-AEA9-C996F8E4F6A7}"/>
-              </a:ext>
-            </a:extLst>
-          </p:cNvPr>
-          <p:cNvPicPr>
-            <a:picLocks noChangeAspect="1"/>
-          </p:cNvPicPr>
-          <p:nvPr/>
-        </p:nvPicPr>
-        <p:blipFill>
-          <a:blip r:embed="rId4"/>
-          <a:stretch>
-            <a:fillRect/>
-          </a:stretch>
-        </p:blipFill>
-        <p:spPr>
-          <a:xfrm>
-            <a:off x="9629775" y="4005263"/>
-            <a:ext cx="1600200" cy="1400175"/>
-          </a:xfrm>
-          <a:prstGeom prst="rect">
-            <a:avLst/>
-          </a:prstGeom>
-        </p:spPr>
-      </p:pic>
-      <p:cxnSp>
-        <p:nvCxnSpPr>
-          <p:cNvPr id="11" name="Straight Arrow Connector 10">
-            <a:extLst>
-              <a:ext uri="{FF2B5EF4-FFF2-40B4-BE49-F238E27FC236}">
-                <a16:creationId xmlns:a16="http://schemas.microsoft.com/office/drawing/2014/main" id="{8544BDF0-D8E9-4247-A311-76D2426A4271}"/>
-              </a:ext>
-            </a:extLst>
-          </p:cNvPr>
-          <p:cNvCxnSpPr/>
-          <p:nvPr/>
-        </p:nvCxnSpPr>
-        <p:spPr>
-          <a:xfrm flipV="1">
-            <a:off x="6867525" y="1990725"/>
-            <a:ext cx="695325" cy="314325"/>
-          </a:xfrm>
-          <a:prstGeom prst="straightConnector1">
-            <a:avLst/>
-          </a:prstGeom>
-          <a:ln>
-            <a:tailEnd type="triangle"/>
-          </a:ln>
-        </p:spPr>
-        <p:style>
-          <a:lnRef idx="1">
-            <a:schemeClr val="accent1"/>
-          </a:lnRef>
-          <a:fillRef idx="0">
-            <a:schemeClr val="accent1"/>
-          </a:fillRef>
-          <a:effectRef idx="0">
-            <a:schemeClr val="accent1"/>
-          </a:effectRef>
-          <a:fontRef idx="minor">
-            <a:schemeClr val="tx1"/>
-          </a:fontRef>
-        </p:style>
-      </p:cxnSp>
-      <p:cxnSp>
-        <p:nvCxnSpPr>
-          <p:cNvPr id="13" name="Straight Arrow Connector 12">
-            <a:extLst>
-              <a:ext uri="{FF2B5EF4-FFF2-40B4-BE49-F238E27FC236}">
-                <a16:creationId xmlns:a16="http://schemas.microsoft.com/office/drawing/2014/main" id="{A8F56A17-F06D-459D-8D02-06148A5D3BA9}"/>
-              </a:ext>
-            </a:extLst>
-          </p:cNvPr>
-          <p:cNvCxnSpPr/>
-          <p:nvPr/>
-        </p:nvCxnSpPr>
-        <p:spPr>
-          <a:xfrm>
-            <a:off x="8524875" y="1543050"/>
-            <a:ext cx="1000125" cy="304800"/>
-          </a:xfrm>
-          <a:prstGeom prst="straightConnector1">
-            <a:avLst/>
-          </a:prstGeom>
-          <a:ln>
-            <a:tailEnd type="triangle"/>
-          </a:ln>
-        </p:spPr>
-        <p:style>
-          <a:lnRef idx="1">
-            <a:schemeClr val="accent1"/>
-          </a:lnRef>
-          <a:fillRef idx="0">
-            <a:schemeClr val="accent1"/>
-          </a:fillRef>
-          <a:effectRef idx="0">
-            <a:schemeClr val="accent1"/>
-          </a:effectRef>
-          <a:fontRef idx="minor">
-            <a:schemeClr val="tx1"/>
-          </a:fontRef>
-        </p:style>
-      </p:cxnSp>
-      <p:pic>
-        <p:nvPicPr>
-          <p:cNvPr id="15" name="Picture 15" descr="Graphical user interface, application&#10;&#10;Description automatically generated">
-            <a:extLst>
-              <a:ext uri="{FF2B5EF4-FFF2-40B4-BE49-F238E27FC236}">
-                <a16:creationId xmlns:a16="http://schemas.microsoft.com/office/drawing/2014/main" id="{2D033CB3-FE66-4140-9110-D17FADB81EAB}"/>
-              </a:ext>
-            </a:extLst>
-          </p:cNvPr>
-          <p:cNvPicPr>
-            <a:picLocks noChangeAspect="1"/>
-          </p:cNvPicPr>
-          <p:nvPr/>
-        </p:nvPicPr>
-        <p:blipFill>
-          <a:blip r:embed="rId5"/>
-          <a:stretch>
-            <a:fillRect/>
-          </a:stretch>
-        </p:blipFill>
-        <p:spPr>
-          <a:xfrm>
-            <a:off x="9505950" y="1233488"/>
-            <a:ext cx="1476375" cy="1495425"/>
-          </a:xfrm>
-          <a:prstGeom prst="rect">
-            <a:avLst/>
-          </a:prstGeom>
-        </p:spPr>
-      </p:pic>
-      <p:pic>
-        <p:nvPicPr>
-          <p:cNvPr id="16" name="Picture 16" descr="Graphical user interface, application&#10;&#10;Description automatically generated">
-            <a:extLst>
-              <a:ext uri="{FF2B5EF4-FFF2-40B4-BE49-F238E27FC236}">
-                <a16:creationId xmlns:a16="http://schemas.microsoft.com/office/drawing/2014/main" id="{8E44EF7B-6B68-4586-A270-4CC7C9810B1A}"/>
-              </a:ext>
-            </a:extLst>
-          </p:cNvPr>
-          <p:cNvPicPr>
-            <a:picLocks noChangeAspect="1"/>
-          </p:cNvPicPr>
-          <p:nvPr/>
-        </p:nvPicPr>
-        <p:blipFill>
-          <a:blip r:embed="rId6"/>
-          <a:stretch>
-            <a:fillRect/>
-          </a:stretch>
-        </p:blipFill>
-        <p:spPr>
-          <a:xfrm>
-            <a:off x="9629775" y="2667000"/>
-            <a:ext cx="1228725" cy="1181100"/>
-          </a:xfrm>
-          <a:prstGeom prst="rect">
-            <a:avLst/>
-          </a:prstGeom>
-        </p:spPr>
-      </p:pic>
-      <p:cxnSp>
-        <p:nvCxnSpPr>
-          <p:cNvPr id="17" name="Straight Arrow Connector 16">
-            <a:extLst>
-              <a:ext uri="{FF2B5EF4-FFF2-40B4-BE49-F238E27FC236}">
-                <a16:creationId xmlns:a16="http://schemas.microsoft.com/office/drawing/2014/main" id="{D30D5656-9208-4FDF-9E7D-547A359229AD}"/>
-              </a:ext>
-            </a:extLst>
-          </p:cNvPr>
-          <p:cNvCxnSpPr/>
-          <p:nvPr/>
-        </p:nvCxnSpPr>
-        <p:spPr>
-          <a:xfrm>
-            <a:off x="8591550" y="1838325"/>
-            <a:ext cx="1047750" cy="1295400"/>
-          </a:xfrm>
-          <a:prstGeom prst="straightConnector1">
-            <a:avLst/>
-          </a:prstGeom>
-          <a:ln>
-            <a:tailEnd type="triangle"/>
-          </a:ln>
-        </p:spPr>
-        <p:style>
-          <a:lnRef idx="1">
-            <a:schemeClr val="accent1"/>
-          </a:lnRef>
-          <a:fillRef idx="0">
-            <a:schemeClr val="accent1"/>
-          </a:fillRef>
-          <a:effectRef idx="0">
-            <a:schemeClr val="accent1"/>
-          </a:effectRef>
-          <a:fontRef idx="minor">
-            <a:schemeClr val="tx1"/>
-          </a:fontRef>
-        </p:style>
-      </p:cxnSp>
-      <p:cxnSp>
-        <p:nvCxnSpPr>
-          <p:cNvPr id="18" name="Straight Arrow Connector 17">
-            <a:extLst>
-              <a:ext uri="{FF2B5EF4-FFF2-40B4-BE49-F238E27FC236}">
-                <a16:creationId xmlns:a16="http://schemas.microsoft.com/office/drawing/2014/main" id="{EFD25BDC-37AB-44AA-BE52-230C0FED8B76}"/>
-              </a:ext>
-            </a:extLst>
-          </p:cNvPr>
-          <p:cNvCxnSpPr/>
-          <p:nvPr/>
-        </p:nvCxnSpPr>
-        <p:spPr>
-          <a:xfrm>
-            <a:off x="8553450" y="2076450"/>
-            <a:ext cx="1028700" cy="2609850"/>
-          </a:xfrm>
-          <a:prstGeom prst="straightConnector1">
-            <a:avLst/>
-          </a:prstGeom>
-          <a:ln>
-            <a:tailEnd type="triangle"/>
-          </a:ln>
-        </p:spPr>
-        <p:style>
-          <a:lnRef idx="1">
-            <a:schemeClr val="accent1"/>
-          </a:lnRef>
-          <a:fillRef idx="0">
-            <a:schemeClr val="accent1"/>
-          </a:fillRef>
-          <a:effectRef idx="0">
-            <a:schemeClr val="accent1"/>
-          </a:effectRef>
-          <a:fontRef idx="minor">
-            <a:schemeClr val="tx1"/>
-          </a:fontRef>
-        </p:style>
-      </p:cxnSp>
+              <a:t>The Rover</a:t>
+            </a:r>
+          </a:p>
+        </p:txBody>
+      </p:sp>
     </p:spTree>
     <p:extLst>
       <p:ext uri="{BB962C8B-B14F-4D97-AF65-F5344CB8AC3E}">
-        <p14:creationId xmlns:p14="http://schemas.microsoft.com/office/powerpoint/2010/main" val="3744413945"/>
+        <p14:creationId xmlns:p14="http://schemas.microsoft.com/office/powerpoint/2010/main" val="4276750218"/>
       </p:ext>
     </p:extLst>
   </p:cSld>
@@ -12841,17 +12349,9 @@
 </p:sld>
 </file>
 
-<file path=ppt/slides/slide7.xml><?xml version="1.0" encoding="utf-8"?>
+<file path=ppt/slides/slide6.xml><?xml version="1.0" encoding="utf-8"?>
 <p:sld xmlns:a="http://schemas.openxmlformats.org/drawingml/2006/main" xmlns:r="http://schemas.openxmlformats.org/officeDocument/2006/relationships" xmlns:p="http://schemas.openxmlformats.org/presentationml/2006/main">
   <p:cSld>
-    <p:bg>
-      <p:bgPr>
-        <a:solidFill>
-          <a:schemeClr val="bg1"/>
-        </a:solidFill>
-        <a:effectLst/>
-      </p:bgPr>
-    </p:bg>
     <p:spTree>
       <p:nvGrpSpPr>
         <p:cNvPr id="1" name=""/>
@@ -12866,686 +12366,69 @@
           <a:chExt cx="0" cy="0"/>
         </a:xfrm>
       </p:grpSpPr>
-      <p:sp useBgFill="1">
-        <p:nvSpPr>
-          <p:cNvPr id="8" name="Rectangle 7">
-            <a:extLst>
-              <a:ext uri="{FF2B5EF4-FFF2-40B4-BE49-F238E27FC236}">
-                <a16:creationId xmlns:a16="http://schemas.microsoft.com/office/drawing/2014/main" id="{1C799903-48D5-4A31-A1A2-541072D9771E}"/>
-              </a:ext>
-              <a:ext uri="{C183D7F6-B498-43B3-948B-1728B52AA6E4}">
-                <adec:decorative xmlns:adec="http://schemas.microsoft.com/office/drawing/2017/decorative" val="1"/>
-              </a:ext>
-            </a:extLst>
-          </p:cNvPr>
-          <p:cNvSpPr>
-            <a:spLocks noGrp="1" noRot="1" noChangeAspect="1" noMove="1" noResize="1" noEditPoints="1" noAdjustHandles="1" noChangeArrowheads="1" noChangeShapeType="1" noTextEdit="1"/>
-          </p:cNvSpPr>
-          <p:nvPr>
-            <p:extLst>
-              <p:ext uri="{386F3935-93C4-4BCD-93E2-E3B085C9AB24}">
-                <p16:designElem xmlns:p16="http://schemas.microsoft.com/office/powerpoint/2015/main" val="1"/>
-              </p:ext>
-            </p:extLst>
-          </p:nvPr>
-        </p:nvSpPr>
-        <p:spPr>
-          <a:xfrm>
-            <a:off x="0" y="0"/>
-            <a:ext cx="12192002" cy="6858000"/>
-          </a:xfrm>
-          <a:prstGeom prst="rect">
-            <a:avLst/>
-          </a:prstGeom>
-          <a:ln>
-            <a:noFill/>
-          </a:ln>
-        </p:spPr>
-        <p:style>
-          <a:lnRef idx="2">
-            <a:schemeClr val="accent1">
-              <a:shade val="50000"/>
-            </a:schemeClr>
-          </a:lnRef>
-          <a:fillRef idx="1">
-            <a:schemeClr val="accent1"/>
-          </a:fillRef>
-          <a:effectRef idx="0">
-            <a:schemeClr val="accent1"/>
-          </a:effectRef>
-          <a:fontRef idx="minor">
-            <a:schemeClr val="lt1"/>
-          </a:fontRef>
-        </p:style>
-        <p:txBody>
-          <a:bodyPr rtlCol="0" anchor="ctr"/>
-          <a:lstStyle/>
-          <a:p>
-            <a:pPr algn="ctr"/>
-            <a:endParaRPr lang="en-US"/>
-          </a:p>
-        </p:txBody>
-      </p:sp>
-      <p:sp useBgFill="1">
-        <p:nvSpPr>
-          <p:cNvPr id="10" name="Freeform: Shape 9">
-            <a:extLst>
-              <a:ext uri="{FF2B5EF4-FFF2-40B4-BE49-F238E27FC236}">
-                <a16:creationId xmlns:a16="http://schemas.microsoft.com/office/drawing/2014/main" id="{8EFFF109-FC58-4FD3-BE05-9775A1310F55}"/>
-              </a:ext>
-              <a:ext uri="{C183D7F6-B498-43B3-948B-1728B52AA6E4}">
-                <adec:decorative xmlns:adec="http://schemas.microsoft.com/office/drawing/2017/decorative" val="1"/>
-              </a:ext>
-            </a:extLst>
-          </p:cNvPr>
-          <p:cNvSpPr>
-            <a:spLocks noGrp="1" noRot="1" noChangeAspect="1" noMove="1" noResize="1" noEditPoints="1" noAdjustHandles="1" noChangeArrowheads="1" noChangeShapeType="1" noTextEdit="1"/>
-          </p:cNvSpPr>
-          <p:nvPr>
-            <p:extLst>
-              <p:ext uri="{386F3935-93C4-4BCD-93E2-E3B085C9AB24}">
-                <p16:designElem xmlns:p16="http://schemas.microsoft.com/office/powerpoint/2015/main" val="1"/>
-              </p:ext>
-            </p:extLst>
-          </p:nvPr>
-        </p:nvSpPr>
-        <p:spPr>
-          <a:xfrm>
-            <a:off x="-1" y="0"/>
-            <a:ext cx="4818889" cy="6858000"/>
-          </a:xfrm>
-          <a:custGeom>
-            <a:avLst/>
-            <a:gdLst>
-              <a:gd name="connsiteX0" fmla="*/ 0 w 4818889"/>
-              <a:gd name="connsiteY0" fmla="*/ 0 h 6858000"/>
-              <a:gd name="connsiteX1" fmla="*/ 3605911 w 4818889"/>
-              <a:gd name="connsiteY1" fmla="*/ 0 h 6858000"/>
-              <a:gd name="connsiteX2" fmla="*/ 3668894 w 4818889"/>
-              <a:gd name="connsiteY2" fmla="*/ 69271 h 6858000"/>
-              <a:gd name="connsiteX3" fmla="*/ 4818889 w 4818889"/>
-              <a:gd name="connsiteY3" fmla="*/ 3429000 h 6858000"/>
-              <a:gd name="connsiteX4" fmla="*/ 3668894 w 4818889"/>
-              <a:gd name="connsiteY4" fmla="*/ 6788730 h 6858000"/>
-              <a:gd name="connsiteX5" fmla="*/ 3605911 w 4818889"/>
-              <a:gd name="connsiteY5" fmla="*/ 6858000 h 6858000"/>
-              <a:gd name="connsiteX6" fmla="*/ 0 w 4818889"/>
-              <a:gd name="connsiteY6" fmla="*/ 6858000 h 6858000"/>
-            </a:gdLst>
-            <a:ahLst/>
-            <a:cxnLst>
-              <a:cxn ang="0">
-                <a:pos x="connsiteX0" y="connsiteY0"/>
-              </a:cxn>
-              <a:cxn ang="0">
-                <a:pos x="connsiteX1" y="connsiteY1"/>
-              </a:cxn>
-              <a:cxn ang="0">
-                <a:pos x="connsiteX2" y="connsiteY2"/>
-              </a:cxn>
-              <a:cxn ang="0">
-                <a:pos x="connsiteX3" y="connsiteY3"/>
-              </a:cxn>
-              <a:cxn ang="0">
-                <a:pos x="connsiteX4" y="connsiteY4"/>
-              </a:cxn>
-              <a:cxn ang="0">
-                <a:pos x="connsiteX5" y="connsiteY5"/>
-              </a:cxn>
-              <a:cxn ang="0">
-                <a:pos x="connsiteX6" y="connsiteY6"/>
-              </a:cxn>
-            </a:cxnLst>
-            <a:rect l="l" t="t" r="r" b="b"/>
-            <a:pathLst>
-              <a:path w="4818889" h="6858000">
-                <a:moveTo>
-                  <a:pt x="0" y="0"/>
-                </a:moveTo>
-                <a:lnTo>
-                  <a:pt x="3605911" y="0"/>
-                </a:lnTo>
-                <a:lnTo>
-                  <a:pt x="3668894" y="69271"/>
-                </a:lnTo>
-                <a:cubicBezTo>
-                  <a:pt x="4379420" y="929100"/>
-                  <a:pt x="4818889" y="2116944"/>
-                  <a:pt x="4818889" y="3429000"/>
-                </a:cubicBezTo>
-                <a:cubicBezTo>
-                  <a:pt x="4818889" y="4741056"/>
-                  <a:pt x="4379420" y="5928900"/>
-                  <a:pt x="3668894" y="6788730"/>
-                </a:cubicBezTo>
-                <a:lnTo>
-                  <a:pt x="3605911" y="6858000"/>
-                </a:lnTo>
-                <a:lnTo>
-                  <a:pt x="0" y="6858000"/>
-                </a:lnTo>
-                <a:close/>
-              </a:path>
-            </a:pathLst>
-          </a:custGeom>
-          <a:ln w="9525">
-            <a:solidFill>
-              <a:schemeClr val="tx2">
-                <a:lumMod val="10000"/>
-                <a:lumOff val="90000"/>
-              </a:schemeClr>
-            </a:solidFill>
-          </a:ln>
-          <a:effectLst>
-            <a:outerShdw blurRad="50800" dist="38100" algn="l" rotWithShape="0">
-              <a:schemeClr val="bg1">
-                <a:lumMod val="85000"/>
-                <a:alpha val="30000"/>
-              </a:schemeClr>
-            </a:outerShdw>
-          </a:effectLst>
-        </p:spPr>
-        <p:style>
-          <a:lnRef idx="2">
-            <a:schemeClr val="accent1">
-              <a:shade val="50000"/>
-            </a:schemeClr>
-          </a:lnRef>
-          <a:fillRef idx="1">
-            <a:schemeClr val="accent1"/>
-          </a:fillRef>
-          <a:effectRef idx="0">
-            <a:schemeClr val="accent1"/>
-          </a:effectRef>
-          <a:fontRef idx="minor">
-            <a:schemeClr val="lt1"/>
-          </a:fontRef>
-        </p:style>
-        <p:txBody>
-          <a:bodyPr wrap="square" rtlCol="0" anchor="ctr">
-            <a:noAutofit/>
-          </a:bodyPr>
-          <a:lstStyle/>
-          <a:p>
-            <a:pPr marL="0" marR="0" lvl="0" indent="0" algn="ctr" defTabSz="914400" rtl="0" eaLnBrk="1" fontAlgn="auto" latinLnBrk="0" hangingPunct="1">
-              <a:lnSpc>
-                <a:spcPct val="100000"/>
-              </a:lnSpc>
-              <a:spcBef>
-                <a:spcPts val="0"/>
-              </a:spcBef>
-              <a:spcAft>
-                <a:spcPts val="0"/>
-              </a:spcAft>
-              <a:buClrTx/>
-              <a:buSzTx/>
-              <a:buFontTx/>
-              <a:buNone/>
-              <a:tabLst/>
-              <a:defRPr/>
+      <p:sp>
+        <p:nvSpPr>
+          <p:cNvPr id="2" name="Title 1">
+            <a:extLst>
+              <a:ext uri="{FF2B5EF4-FFF2-40B4-BE49-F238E27FC236}">
+                <a16:creationId xmlns:a16="http://schemas.microsoft.com/office/drawing/2014/main" id="{D5DB5DBF-0759-49DD-8EB7-B5D09D6500EC}"/>
+              </a:ext>
+            </a:extLst>
+          </p:cNvPr>
+          <p:cNvSpPr>
+            <a:spLocks noGrp="1"/>
+          </p:cNvSpPr>
+          <p:nvPr>
+            <p:ph type="title"/>
+          </p:nvPr>
+        </p:nvSpPr>
+        <p:spPr/>
+        <p:txBody>
+          <a:bodyPr/>
+          <a:lstStyle/>
+          <a:p>
+            <a:r>
+              <a:rPr lang="en-US" dirty="0"/>
+              <a:t>Hardware Update</a:t>
+            </a:r>
+          </a:p>
+        </p:txBody>
+      </p:sp>
+      <p:sp>
+        <p:nvSpPr>
+          <p:cNvPr id="3" name="Content Placeholder 2">
+            <a:extLst>
+              <a:ext uri="{FF2B5EF4-FFF2-40B4-BE49-F238E27FC236}">
+                <a16:creationId xmlns:a16="http://schemas.microsoft.com/office/drawing/2014/main" id="{6F020079-CAA6-47D7-86A5-6EE4E5AFFF65}"/>
+              </a:ext>
+            </a:extLst>
+          </p:cNvPr>
+          <p:cNvSpPr>
+            <a:spLocks noGrp="1"/>
+          </p:cNvSpPr>
+          <p:nvPr>
+            <p:ph idx="1"/>
+          </p:nvPr>
+        </p:nvSpPr>
+        <p:spPr/>
+        <p:txBody>
+          <a:bodyPr/>
+          <a:lstStyle/>
+          <a:p>
+            <a:pPr marL="0" indent="0">
+              <a:buNone/>
             </a:pPr>
-            <a:endParaRPr kumimoji="0" lang="en-US" sz="1800" b="0" i="0" u="none" strike="noStrike" kern="1200" cap="none" spc="0" normalizeH="0" baseline="0" noProof="0">
-              <a:ln>
-                <a:noFill/>
-              </a:ln>
-              <a:solidFill>
-                <a:prstClr val="white"/>
-              </a:solidFill>
-              <a:effectLst/>
-              <a:uLnTx/>
-              <a:uFillTx/>
-              <a:latin typeface="Calibri" panose="020F0502020204030204"/>
-              <a:ea typeface="+mn-ea"/>
-              <a:cs typeface="+mn-cs"/>
-            </a:endParaRPr>
-          </a:p>
-        </p:txBody>
-      </p:sp>
-      <p:sp useBgFill="1">
-        <p:nvSpPr>
-          <p:cNvPr id="12" name="Freeform: Shape 11">
-            <a:extLst>
-              <a:ext uri="{FF2B5EF4-FFF2-40B4-BE49-F238E27FC236}">
-                <a16:creationId xmlns:a16="http://schemas.microsoft.com/office/drawing/2014/main" id="{E1B96AD6-92A9-4273-A62B-96A1C3E0BA95}"/>
-              </a:ext>
-              <a:ext uri="{C183D7F6-B498-43B3-948B-1728B52AA6E4}">
-                <adec:decorative xmlns:adec="http://schemas.microsoft.com/office/drawing/2017/decorative" val="1"/>
-              </a:ext>
-            </a:extLst>
-          </p:cNvPr>
-          <p:cNvSpPr>
-            <a:spLocks noGrp="1" noRot="1" noChangeAspect="1" noMove="1" noResize="1" noEditPoints="1" noAdjustHandles="1" noChangeArrowheads="1" noChangeShapeType="1" noTextEdit="1"/>
-          </p:cNvSpPr>
-          <p:nvPr>
-            <p:extLst>
-              <p:ext uri="{386F3935-93C4-4BCD-93E2-E3B085C9AB24}">
-                <p16:designElem xmlns:p16="http://schemas.microsoft.com/office/powerpoint/2015/main" val="1"/>
-              </p:ext>
-            </p:extLst>
-          </p:nvPr>
-        </p:nvSpPr>
-        <p:spPr>
-          <a:xfrm>
-            <a:off x="1" y="0"/>
-            <a:ext cx="4811477" cy="6858000"/>
-          </a:xfrm>
-          <a:custGeom>
-            <a:avLst/>
-            <a:gdLst>
-              <a:gd name="connsiteX0" fmla="*/ 0 w 4811477"/>
-              <a:gd name="connsiteY0" fmla="*/ 0 h 6858000"/>
-              <a:gd name="connsiteX1" fmla="*/ 3598499 w 4811477"/>
-              <a:gd name="connsiteY1" fmla="*/ 0 h 6858000"/>
-              <a:gd name="connsiteX2" fmla="*/ 3661482 w 4811477"/>
-              <a:gd name="connsiteY2" fmla="*/ 69271 h 6858000"/>
-              <a:gd name="connsiteX3" fmla="*/ 4811477 w 4811477"/>
-              <a:gd name="connsiteY3" fmla="*/ 3429000 h 6858000"/>
-              <a:gd name="connsiteX4" fmla="*/ 3661482 w 4811477"/>
-              <a:gd name="connsiteY4" fmla="*/ 6788730 h 6858000"/>
-              <a:gd name="connsiteX5" fmla="*/ 3598499 w 4811477"/>
-              <a:gd name="connsiteY5" fmla="*/ 6858000 h 6858000"/>
-              <a:gd name="connsiteX6" fmla="*/ 0 w 4811477"/>
-              <a:gd name="connsiteY6" fmla="*/ 6858000 h 6858000"/>
-            </a:gdLst>
-            <a:ahLst/>
-            <a:cxnLst>
-              <a:cxn ang="0">
-                <a:pos x="connsiteX0" y="connsiteY0"/>
-              </a:cxn>
-              <a:cxn ang="0">
-                <a:pos x="connsiteX1" y="connsiteY1"/>
-              </a:cxn>
-              <a:cxn ang="0">
-                <a:pos x="connsiteX2" y="connsiteY2"/>
-              </a:cxn>
-              <a:cxn ang="0">
-                <a:pos x="connsiteX3" y="connsiteY3"/>
-              </a:cxn>
-              <a:cxn ang="0">
-                <a:pos x="connsiteX4" y="connsiteY4"/>
-              </a:cxn>
-              <a:cxn ang="0">
-                <a:pos x="connsiteX5" y="connsiteY5"/>
-              </a:cxn>
-              <a:cxn ang="0">
-                <a:pos x="connsiteX6" y="connsiteY6"/>
-              </a:cxn>
-            </a:cxnLst>
-            <a:rect l="l" t="t" r="r" b="b"/>
-            <a:pathLst>
-              <a:path w="4811477" h="6858000">
-                <a:moveTo>
-                  <a:pt x="0" y="0"/>
-                </a:moveTo>
-                <a:lnTo>
-                  <a:pt x="3598499" y="0"/>
-                </a:lnTo>
-                <a:lnTo>
-                  <a:pt x="3661482" y="69271"/>
-                </a:lnTo>
-                <a:cubicBezTo>
-                  <a:pt x="4372008" y="929100"/>
-                  <a:pt x="4811477" y="2116944"/>
-                  <a:pt x="4811477" y="3429000"/>
-                </a:cubicBezTo>
-                <a:cubicBezTo>
-                  <a:pt x="4811477" y="4741056"/>
-                  <a:pt x="4372008" y="5928900"/>
-                  <a:pt x="3661482" y="6788730"/>
-                </a:cubicBezTo>
-                <a:lnTo>
-                  <a:pt x="3598499" y="6858000"/>
-                </a:lnTo>
-                <a:lnTo>
-                  <a:pt x="0" y="6858000"/>
-                </a:lnTo>
-                <a:close/>
-              </a:path>
-            </a:pathLst>
-          </a:custGeom>
-          <a:ln w="9525">
-            <a:noFill/>
-          </a:ln>
-          <a:effectLst/>
-        </p:spPr>
-        <p:style>
-          <a:lnRef idx="2">
-            <a:schemeClr val="accent1">
-              <a:shade val="50000"/>
-            </a:schemeClr>
-          </a:lnRef>
-          <a:fillRef idx="1">
-            <a:schemeClr val="accent1"/>
-          </a:fillRef>
-          <a:effectRef idx="0">
-            <a:schemeClr val="accent1"/>
-          </a:effectRef>
-          <a:fontRef idx="minor">
-            <a:schemeClr val="lt1"/>
-          </a:fontRef>
-        </p:style>
-        <p:txBody>
-          <a:bodyPr wrap="square" rtlCol="0" anchor="ctr">
-            <a:noAutofit/>
-          </a:bodyPr>
-          <a:lstStyle/>
-          <a:p>
-            <a:pPr marL="0" marR="0" lvl="0" indent="0" algn="ctr" defTabSz="914400" rtl="0" eaLnBrk="1" fontAlgn="auto" latinLnBrk="0" hangingPunct="1">
-              <a:lnSpc>
-                <a:spcPct val="100000"/>
-              </a:lnSpc>
-              <a:spcBef>
-                <a:spcPts val="0"/>
-              </a:spcBef>
-              <a:spcAft>
-                <a:spcPts val="0"/>
-              </a:spcAft>
-              <a:buClrTx/>
-              <a:buSzTx/>
-              <a:buFontTx/>
-              <a:buNone/>
-              <a:tabLst/>
-              <a:defRPr/>
-            </a:pPr>
-            <a:endParaRPr kumimoji="0" lang="en-US" sz="1800" b="0" i="0" u="none" strike="noStrike" kern="1200" cap="none" spc="0" normalizeH="0" baseline="0" noProof="0">
-              <a:ln>
-                <a:noFill/>
-              </a:ln>
-              <a:solidFill>
-                <a:prstClr val="white"/>
-              </a:solidFill>
-              <a:effectLst/>
-              <a:uLnTx/>
-              <a:uFillTx/>
-              <a:latin typeface="Calibri" panose="020F0502020204030204"/>
-              <a:ea typeface="+mn-ea"/>
-              <a:cs typeface="+mn-cs"/>
-            </a:endParaRPr>
-          </a:p>
-        </p:txBody>
-      </p:sp>
-      <p:sp>
-        <p:nvSpPr>
-          <p:cNvPr id="2" name="Title 1">
-            <a:extLst>
-              <a:ext uri="{FF2B5EF4-FFF2-40B4-BE49-F238E27FC236}">
-                <a16:creationId xmlns:a16="http://schemas.microsoft.com/office/drawing/2014/main" id="{251827E9-3B8E-4100-B1CA-93813F80C008}"/>
-              </a:ext>
-            </a:extLst>
-          </p:cNvPr>
-          <p:cNvSpPr>
-            <a:spLocks noGrp="1"/>
-          </p:cNvSpPr>
-          <p:nvPr>
-            <p:ph type="title"/>
-          </p:nvPr>
-        </p:nvSpPr>
-        <p:spPr>
-          <a:xfrm>
-            <a:off x="621792" y="1161288"/>
-            <a:ext cx="3602736" cy="4526280"/>
-          </a:xfrm>
-        </p:spPr>
-        <p:txBody>
-          <a:bodyPr>
-            <a:normAutofit/>
-          </a:bodyPr>
-          <a:lstStyle/>
-          <a:p>
-            <a:r>
-              <a:rPr lang="en-US"/>
-              <a:t>Schedule Changes</a:t>
-            </a:r>
-          </a:p>
-        </p:txBody>
-      </p:sp>
-      <p:sp>
-        <p:nvSpPr>
-          <p:cNvPr id="14" name="Rectangle 13">
-            <a:extLst>
-              <a:ext uri="{FF2B5EF4-FFF2-40B4-BE49-F238E27FC236}">
-                <a16:creationId xmlns:a16="http://schemas.microsoft.com/office/drawing/2014/main" id="{463EEC44-1BA3-44ED-81FC-A644B04B2A44}"/>
-              </a:ext>
-              <a:ext uri="{C183D7F6-B498-43B3-948B-1728B52AA6E4}">
-                <adec:decorative xmlns:adec="http://schemas.microsoft.com/office/drawing/2017/decorative" val="1"/>
-              </a:ext>
-            </a:extLst>
-          </p:cNvPr>
-          <p:cNvSpPr>
-            <a:spLocks noGrp="1" noRot="1" noChangeAspect="1" noMove="1" noResize="1" noEditPoints="1" noAdjustHandles="1" noChangeArrowheads="1" noChangeShapeType="1" noTextEdit="1"/>
-          </p:cNvSpPr>
-          <p:nvPr>
-            <p:extLst>
-              <p:ext uri="{386F3935-93C4-4BCD-93E2-E3B085C9AB24}">
-                <p16:designElem xmlns:p16="http://schemas.microsoft.com/office/powerpoint/2015/main" val="1"/>
-              </p:ext>
-            </p:extLst>
-          </p:nvPr>
-        </p:nvSpPr>
-        <p:spPr>
-          <a:xfrm>
-            <a:off x="0" y="3102049"/>
-            <a:ext cx="128016" cy="653903"/>
-          </a:xfrm>
-          <a:prstGeom prst="rect">
-            <a:avLst/>
-          </a:prstGeom>
-          <a:solidFill>
-            <a:schemeClr val="accent1"/>
-          </a:solidFill>
-          <a:ln>
-            <a:noFill/>
-          </a:ln>
-        </p:spPr>
-        <p:style>
-          <a:lnRef idx="2">
-            <a:schemeClr val="accent1">
-              <a:shade val="50000"/>
-            </a:schemeClr>
-          </a:lnRef>
-          <a:fillRef idx="1">
-            <a:schemeClr val="accent1"/>
-          </a:fillRef>
-          <a:effectRef idx="0">
-            <a:schemeClr val="accent1"/>
-          </a:effectRef>
-          <a:fontRef idx="minor">
-            <a:schemeClr val="lt1"/>
-          </a:fontRef>
-        </p:style>
-        <p:txBody>
-          <a:bodyPr rtlCol="0" anchor="ctr"/>
-          <a:lstStyle/>
-          <a:p>
-            <a:pPr marL="0" marR="0" lvl="0" indent="0" algn="ctr" defTabSz="914400" rtl="0" eaLnBrk="1" fontAlgn="auto" latinLnBrk="0" hangingPunct="1">
-              <a:lnSpc>
-                <a:spcPct val="100000"/>
-              </a:lnSpc>
-              <a:spcBef>
-                <a:spcPts val="0"/>
-              </a:spcBef>
-              <a:spcAft>
-                <a:spcPts val="0"/>
-              </a:spcAft>
-              <a:buClrTx/>
-              <a:buSzTx/>
-              <a:buFontTx/>
-              <a:buNone/>
-              <a:tabLst/>
-              <a:defRPr/>
-            </a:pPr>
-            <a:endParaRPr kumimoji="0" lang="en-US" sz="1800" b="0" i="0" u="none" strike="noStrike" kern="1200" cap="none" spc="0" normalizeH="0" baseline="0" noProof="0">
-              <a:ln>
-                <a:noFill/>
-              </a:ln>
-              <a:solidFill>
-                <a:prstClr val="white"/>
-              </a:solidFill>
-              <a:effectLst/>
-              <a:uLnTx/>
-              <a:uFillTx/>
-              <a:latin typeface="Calibri" panose="020F0502020204030204"/>
-              <a:ea typeface="+mn-ea"/>
-              <a:cs typeface="+mn-cs"/>
-            </a:endParaRPr>
-          </a:p>
-        </p:txBody>
-      </p:sp>
-      <p:sp>
-        <p:nvSpPr>
-          <p:cNvPr id="3" name="Content Placeholder 2">
-            <a:extLst>
-              <a:ext uri="{FF2B5EF4-FFF2-40B4-BE49-F238E27FC236}">
-                <a16:creationId xmlns:a16="http://schemas.microsoft.com/office/drawing/2014/main" id="{BA8C2399-5846-4819-86DE-67C89DDC1D83}"/>
-              </a:ext>
-            </a:extLst>
-          </p:cNvPr>
-          <p:cNvSpPr>
-            <a:spLocks noGrp="1"/>
-          </p:cNvSpPr>
-          <p:nvPr>
-            <p:ph idx="1"/>
-          </p:nvPr>
-        </p:nvSpPr>
-        <p:spPr>
-          <a:xfrm>
-            <a:off x="5434149" y="932688"/>
-            <a:ext cx="5916603" cy="4992624"/>
-          </a:xfrm>
-        </p:spPr>
-        <p:txBody>
-          <a:bodyPr vert="horz" lIns="91440" tIns="45720" rIns="91440" bIns="45720" rtlCol="0" anchor="ctr">
-            <a:normAutofit/>
-          </a:bodyPr>
-          <a:lstStyle/>
-          <a:p>
-            <a:r>
-              <a:rPr lang="en-US" sz="2000" dirty="0"/>
-              <a:t>Soldering tutorials</a:t>
-            </a:r>
-            <a:endParaRPr lang="en-US" dirty="0"/>
-          </a:p>
-          <a:p>
-            <a:pPr lvl="1"/>
-            <a:r>
-              <a:rPr lang="en-US" sz="1600" dirty="0"/>
-              <a:t>The classes for this are tomorrow and next week</a:t>
-            </a:r>
-          </a:p>
-          <a:p>
-            <a:pPr lvl="1"/>
-            <a:r>
-              <a:rPr lang="en-US" sz="1600" dirty="0"/>
-              <a:t>Mohammed plans to attend tomorrow</a:t>
-            </a:r>
-          </a:p>
-          <a:p>
-            <a:pPr lvl="1"/>
-            <a:r>
-              <a:rPr lang="en-US" sz="1600" dirty="0"/>
-              <a:t>Dirk and Erik plan to attend next week</a:t>
-            </a:r>
-          </a:p>
-          <a:p>
-            <a:r>
-              <a:rPr lang="en-US" sz="2000" dirty="0">
-                <a:ea typeface="+mn-lt"/>
-                <a:cs typeface="+mn-lt"/>
-              </a:rPr>
-              <a:t>Verilog tutorial Videos</a:t>
-            </a:r>
-            <a:endParaRPr lang="en-US" sz="2000" dirty="0"/>
-          </a:p>
-          <a:p>
-            <a:pPr lvl="1"/>
-            <a:r>
-              <a:rPr lang="en-US" sz="1600" dirty="0">
-                <a:ea typeface="+mn-lt"/>
-                <a:cs typeface="+mn-lt"/>
-              </a:rPr>
-              <a:t>None of us finished the videos</a:t>
-            </a:r>
-          </a:p>
-          <a:p>
-            <a:r>
-              <a:rPr lang="en-US" sz="2000" dirty="0">
-                <a:ea typeface="+mn-lt"/>
-                <a:cs typeface="+mn-lt"/>
-              </a:rPr>
-              <a:t>Starting work on the rover</a:t>
-            </a:r>
-            <a:endParaRPr lang="en-US" sz="2000" dirty="0"/>
-          </a:p>
-          <a:p>
-            <a:pPr lvl="1"/>
-            <a:r>
-              <a:rPr lang="en-US" sz="1600" dirty="0"/>
-              <a:t>We do not have the parts in our possession yet</a:t>
-            </a:r>
-          </a:p>
-        </p:txBody>
-      </p:sp>
-      <p:sp>
-        <p:nvSpPr>
-          <p:cNvPr id="4" name="Footer Placeholder 3">
-            <a:extLst>
-              <a:ext uri="{FF2B5EF4-FFF2-40B4-BE49-F238E27FC236}">
-                <a16:creationId xmlns:a16="http://schemas.microsoft.com/office/drawing/2014/main" id="{27FA1217-1525-4258-80CA-8417520CCCC5}"/>
-              </a:ext>
-            </a:extLst>
-          </p:cNvPr>
-          <p:cNvSpPr>
-            <a:spLocks noGrp="1"/>
-          </p:cNvSpPr>
-          <p:nvPr>
-            <p:ph type="ftr" sz="quarter" idx="11"/>
-          </p:nvPr>
-        </p:nvSpPr>
-        <p:spPr/>
-        <p:txBody>
-          <a:bodyPr/>
-          <a:lstStyle/>
-          <a:p>
-            <a:r>
-              <a:rPr lang="en-US"/>
-              <a:t>Mohammed Ansari</a:t>
-            </a:r>
-          </a:p>
-        </p:txBody>
-      </p:sp>
-      <p:sp>
-        <p:nvSpPr>
-          <p:cNvPr id="5" name="Slide Number Placeholder 4">
-            <a:extLst>
-              <a:ext uri="{FF2B5EF4-FFF2-40B4-BE49-F238E27FC236}">
-                <a16:creationId xmlns:a16="http://schemas.microsoft.com/office/drawing/2014/main" id="{B16950D4-40D0-408D-8D07-73A725C35864}"/>
-              </a:ext>
-            </a:extLst>
-          </p:cNvPr>
-          <p:cNvSpPr>
-            <a:spLocks noGrp="1"/>
-          </p:cNvSpPr>
-          <p:nvPr>
-            <p:ph type="sldNum" sz="quarter" idx="12"/>
-          </p:nvPr>
-        </p:nvSpPr>
-        <p:spPr/>
-        <p:txBody>
-          <a:bodyPr/>
-          <a:lstStyle/>
-          <a:p>
-            <a:fld id="{B2DC25EE-239B-4C5F-AAD1-255A7D5F1EE2}" type="slidenum">
-              <a:rPr lang="en-US" smtClean="0"/>
-              <a:t>7</a:t>
-            </a:fld>
-            <a:endParaRPr lang="en-US"/>
+            <a:r>
+              <a:rPr lang="en-US" dirty="0"/>
+              <a:t>We obtained all the parts necessary for the rover and we are going to start making an enclosure for the boards, so they are not bumped or damaged.</a:t>
+            </a:r>
           </a:p>
         </p:txBody>
       </p:sp>
     </p:spTree>
     <p:extLst>
       <p:ext uri="{BB962C8B-B14F-4D97-AF65-F5344CB8AC3E}">
-        <p14:creationId xmlns:p14="http://schemas.microsoft.com/office/powerpoint/2010/main" val="1463023376"/>
+        <p14:creationId xmlns:p14="http://schemas.microsoft.com/office/powerpoint/2010/main" val="1436625744"/>
       </p:ext>
     </p:extLst>
   </p:cSld>
@@ -13555,17 +12438,9 @@
 </p:sld>
 </file>
 
-<file path=ppt/slides/slide8.xml><?xml version="1.0" encoding="utf-8"?>
+<file path=ppt/slides/slide7.xml><?xml version="1.0" encoding="utf-8"?>
 <p:sld xmlns:a="http://schemas.openxmlformats.org/drawingml/2006/main" xmlns:r="http://schemas.openxmlformats.org/officeDocument/2006/relationships" xmlns:p="http://schemas.openxmlformats.org/presentationml/2006/main">
   <p:cSld>
-    <p:bg>
-      <p:bgPr>
-        <a:solidFill>
-          <a:schemeClr val="bg1"/>
-        </a:solidFill>
-        <a:effectLst/>
-      </p:bgPr>
-    </p:bg>
     <p:spTree>
       <p:nvGrpSpPr>
         <p:cNvPr id="1" name=""/>
@@ -13580,639 +12455,77 @@
           <a:chExt cx="0" cy="0"/>
         </a:xfrm>
       </p:grpSpPr>
-      <p:sp useBgFill="1">
-        <p:nvSpPr>
-          <p:cNvPr id="8" name="Rectangle 7">
-            <a:extLst>
-              <a:ext uri="{FF2B5EF4-FFF2-40B4-BE49-F238E27FC236}">
-                <a16:creationId xmlns:a16="http://schemas.microsoft.com/office/drawing/2014/main" id="{1C799903-48D5-4A31-A1A2-541072D9771E}"/>
-              </a:ext>
-              <a:ext uri="{C183D7F6-B498-43B3-948B-1728B52AA6E4}">
-                <adec:decorative xmlns:adec="http://schemas.microsoft.com/office/drawing/2017/decorative" val="1"/>
-              </a:ext>
-            </a:extLst>
-          </p:cNvPr>
-          <p:cNvSpPr>
-            <a:spLocks noGrp="1" noRot="1" noChangeAspect="1" noMove="1" noResize="1" noEditPoints="1" noAdjustHandles="1" noChangeArrowheads="1" noChangeShapeType="1" noTextEdit="1"/>
-          </p:cNvSpPr>
-          <p:nvPr>
-            <p:extLst>
-              <p:ext uri="{386F3935-93C4-4BCD-93E2-E3B085C9AB24}">
-                <p16:designElem xmlns:p16="http://schemas.microsoft.com/office/powerpoint/2015/main" val="1"/>
-              </p:ext>
-            </p:extLst>
-          </p:nvPr>
-        </p:nvSpPr>
-        <p:spPr>
-          <a:xfrm>
-            <a:off x="0" y="0"/>
-            <a:ext cx="12192002" cy="6858000"/>
-          </a:xfrm>
-          <a:prstGeom prst="rect">
-            <a:avLst/>
-          </a:prstGeom>
-          <a:ln>
-            <a:noFill/>
-          </a:ln>
-        </p:spPr>
-        <p:style>
-          <a:lnRef idx="2">
-            <a:schemeClr val="accent1">
-              <a:shade val="50000"/>
-            </a:schemeClr>
-          </a:lnRef>
-          <a:fillRef idx="1">
-            <a:schemeClr val="accent1"/>
-          </a:fillRef>
-          <a:effectRef idx="0">
-            <a:schemeClr val="accent1"/>
-          </a:effectRef>
-          <a:fontRef idx="minor">
-            <a:schemeClr val="lt1"/>
-          </a:fontRef>
-        </p:style>
-        <p:txBody>
-          <a:bodyPr rtlCol="0" anchor="ctr"/>
-          <a:lstStyle/>
-          <a:p>
-            <a:pPr algn="ctr"/>
-            <a:endParaRPr lang="en-US"/>
-          </a:p>
-        </p:txBody>
-      </p:sp>
-      <p:sp useBgFill="1">
-        <p:nvSpPr>
-          <p:cNvPr id="10" name="Freeform: Shape 9">
-            <a:extLst>
-              <a:ext uri="{FF2B5EF4-FFF2-40B4-BE49-F238E27FC236}">
-                <a16:creationId xmlns:a16="http://schemas.microsoft.com/office/drawing/2014/main" id="{8EFFF109-FC58-4FD3-BE05-9775A1310F55}"/>
-              </a:ext>
-              <a:ext uri="{C183D7F6-B498-43B3-948B-1728B52AA6E4}">
-                <adec:decorative xmlns:adec="http://schemas.microsoft.com/office/drawing/2017/decorative" val="1"/>
-              </a:ext>
-            </a:extLst>
-          </p:cNvPr>
-          <p:cNvSpPr>
-            <a:spLocks noGrp="1" noRot="1" noChangeAspect="1" noMove="1" noResize="1" noEditPoints="1" noAdjustHandles="1" noChangeArrowheads="1" noChangeShapeType="1" noTextEdit="1"/>
-          </p:cNvSpPr>
-          <p:nvPr>
-            <p:extLst>
-              <p:ext uri="{386F3935-93C4-4BCD-93E2-E3B085C9AB24}">
-                <p16:designElem xmlns:p16="http://schemas.microsoft.com/office/powerpoint/2015/main" val="1"/>
-              </p:ext>
-            </p:extLst>
-          </p:nvPr>
-        </p:nvSpPr>
-        <p:spPr>
-          <a:xfrm>
-            <a:off x="-1" y="0"/>
-            <a:ext cx="4818889" cy="6858000"/>
-          </a:xfrm>
-          <a:custGeom>
-            <a:avLst/>
-            <a:gdLst>
-              <a:gd name="connsiteX0" fmla="*/ 0 w 4818889"/>
-              <a:gd name="connsiteY0" fmla="*/ 0 h 6858000"/>
-              <a:gd name="connsiteX1" fmla="*/ 3605911 w 4818889"/>
-              <a:gd name="connsiteY1" fmla="*/ 0 h 6858000"/>
-              <a:gd name="connsiteX2" fmla="*/ 3668894 w 4818889"/>
-              <a:gd name="connsiteY2" fmla="*/ 69271 h 6858000"/>
-              <a:gd name="connsiteX3" fmla="*/ 4818889 w 4818889"/>
-              <a:gd name="connsiteY3" fmla="*/ 3429000 h 6858000"/>
-              <a:gd name="connsiteX4" fmla="*/ 3668894 w 4818889"/>
-              <a:gd name="connsiteY4" fmla="*/ 6788730 h 6858000"/>
-              <a:gd name="connsiteX5" fmla="*/ 3605911 w 4818889"/>
-              <a:gd name="connsiteY5" fmla="*/ 6858000 h 6858000"/>
-              <a:gd name="connsiteX6" fmla="*/ 0 w 4818889"/>
-              <a:gd name="connsiteY6" fmla="*/ 6858000 h 6858000"/>
-            </a:gdLst>
-            <a:ahLst/>
-            <a:cxnLst>
-              <a:cxn ang="0">
-                <a:pos x="connsiteX0" y="connsiteY0"/>
-              </a:cxn>
-              <a:cxn ang="0">
-                <a:pos x="connsiteX1" y="connsiteY1"/>
-              </a:cxn>
-              <a:cxn ang="0">
-                <a:pos x="connsiteX2" y="connsiteY2"/>
-              </a:cxn>
-              <a:cxn ang="0">
-                <a:pos x="connsiteX3" y="connsiteY3"/>
-              </a:cxn>
-              <a:cxn ang="0">
-                <a:pos x="connsiteX4" y="connsiteY4"/>
-              </a:cxn>
-              <a:cxn ang="0">
-                <a:pos x="connsiteX5" y="connsiteY5"/>
-              </a:cxn>
-              <a:cxn ang="0">
-                <a:pos x="connsiteX6" y="connsiteY6"/>
-              </a:cxn>
-            </a:cxnLst>
-            <a:rect l="l" t="t" r="r" b="b"/>
-            <a:pathLst>
-              <a:path w="4818889" h="6858000">
-                <a:moveTo>
-                  <a:pt x="0" y="0"/>
-                </a:moveTo>
-                <a:lnTo>
-                  <a:pt x="3605911" y="0"/>
-                </a:lnTo>
-                <a:lnTo>
-                  <a:pt x="3668894" y="69271"/>
-                </a:lnTo>
-                <a:cubicBezTo>
-                  <a:pt x="4379420" y="929100"/>
-                  <a:pt x="4818889" y="2116944"/>
-                  <a:pt x="4818889" y="3429000"/>
-                </a:cubicBezTo>
-                <a:cubicBezTo>
-                  <a:pt x="4818889" y="4741056"/>
-                  <a:pt x="4379420" y="5928900"/>
-                  <a:pt x="3668894" y="6788730"/>
-                </a:cubicBezTo>
-                <a:lnTo>
-                  <a:pt x="3605911" y="6858000"/>
-                </a:lnTo>
-                <a:lnTo>
-                  <a:pt x="0" y="6858000"/>
-                </a:lnTo>
-                <a:close/>
-              </a:path>
-            </a:pathLst>
-          </a:custGeom>
-          <a:ln w="9525">
-            <a:solidFill>
-              <a:schemeClr val="tx2">
-                <a:lumMod val="10000"/>
-                <a:lumOff val="90000"/>
-              </a:schemeClr>
-            </a:solidFill>
-          </a:ln>
-          <a:effectLst>
-            <a:outerShdw blurRad="50800" dist="38100" algn="l" rotWithShape="0">
-              <a:schemeClr val="bg1">
-                <a:lumMod val="85000"/>
-                <a:alpha val="30000"/>
-              </a:schemeClr>
-            </a:outerShdw>
-          </a:effectLst>
-        </p:spPr>
-        <p:style>
-          <a:lnRef idx="2">
-            <a:schemeClr val="accent1">
-              <a:shade val="50000"/>
-            </a:schemeClr>
-          </a:lnRef>
-          <a:fillRef idx="1">
-            <a:schemeClr val="accent1"/>
-          </a:fillRef>
-          <a:effectRef idx="0">
-            <a:schemeClr val="accent1"/>
-          </a:effectRef>
-          <a:fontRef idx="minor">
-            <a:schemeClr val="lt1"/>
-          </a:fontRef>
-        </p:style>
-        <p:txBody>
-          <a:bodyPr wrap="square" rtlCol="0" anchor="ctr">
-            <a:noAutofit/>
-          </a:bodyPr>
-          <a:lstStyle/>
-          <a:p>
-            <a:pPr marL="0" marR="0" lvl="0" indent="0" algn="ctr" defTabSz="914400" rtl="0" eaLnBrk="1" fontAlgn="auto" latinLnBrk="0" hangingPunct="1">
-              <a:lnSpc>
-                <a:spcPct val="100000"/>
-              </a:lnSpc>
-              <a:spcBef>
-                <a:spcPts val="0"/>
-              </a:spcBef>
-              <a:spcAft>
-                <a:spcPts val="0"/>
-              </a:spcAft>
-              <a:buClrTx/>
-              <a:buSzTx/>
-              <a:buFontTx/>
-              <a:buNone/>
-              <a:tabLst/>
-              <a:defRPr/>
+      <p:sp>
+        <p:nvSpPr>
+          <p:cNvPr id="2" name="Title 1">
+            <a:extLst>
+              <a:ext uri="{FF2B5EF4-FFF2-40B4-BE49-F238E27FC236}">
+                <a16:creationId xmlns:a16="http://schemas.microsoft.com/office/drawing/2014/main" id="{176630BE-B2CD-4315-B187-0E55B8DE490D}"/>
+              </a:ext>
+            </a:extLst>
+          </p:cNvPr>
+          <p:cNvSpPr>
+            <a:spLocks noGrp="1"/>
+          </p:cNvSpPr>
+          <p:nvPr>
+            <p:ph type="title"/>
+          </p:nvPr>
+        </p:nvSpPr>
+        <p:spPr/>
+        <p:txBody>
+          <a:bodyPr/>
+          <a:lstStyle/>
+          <a:p>
+            <a:r>
+              <a:rPr lang="en-US" dirty="0"/>
+              <a:t>Software Update</a:t>
+            </a:r>
+          </a:p>
+        </p:txBody>
+      </p:sp>
+      <p:sp>
+        <p:nvSpPr>
+          <p:cNvPr id="3" name="Content Placeholder 2">
+            <a:extLst>
+              <a:ext uri="{FF2B5EF4-FFF2-40B4-BE49-F238E27FC236}">
+                <a16:creationId xmlns:a16="http://schemas.microsoft.com/office/drawing/2014/main" id="{4CF04D1E-881D-41DB-A2ED-846D490D6FF0}"/>
+              </a:ext>
+            </a:extLst>
+          </p:cNvPr>
+          <p:cNvSpPr>
+            <a:spLocks noGrp="1"/>
+          </p:cNvSpPr>
+          <p:nvPr>
+            <p:ph idx="1"/>
+          </p:nvPr>
+        </p:nvSpPr>
+        <p:spPr/>
+        <p:txBody>
+          <a:bodyPr/>
+          <a:lstStyle/>
+          <a:p>
+            <a:pPr marL="0" indent="0">
+              <a:buNone/>
             </a:pPr>
-            <a:endParaRPr kumimoji="0" lang="en-US" sz="1800" b="0" i="0" u="none" strike="noStrike" kern="1200" cap="none" spc="0" normalizeH="0" baseline="0" noProof="0">
-              <a:ln>
-                <a:noFill/>
-              </a:ln>
-              <a:solidFill>
-                <a:prstClr val="white"/>
-              </a:solidFill>
-              <a:effectLst/>
-              <a:uLnTx/>
-              <a:uFillTx/>
-              <a:latin typeface="Calibri" panose="020F0502020204030204"/>
-              <a:ea typeface="+mn-ea"/>
-              <a:cs typeface="+mn-cs"/>
-            </a:endParaRPr>
-          </a:p>
-        </p:txBody>
-      </p:sp>
-      <p:sp useBgFill="1">
-        <p:nvSpPr>
-          <p:cNvPr id="12" name="Freeform: Shape 11">
-            <a:extLst>
-              <a:ext uri="{FF2B5EF4-FFF2-40B4-BE49-F238E27FC236}">
-                <a16:creationId xmlns:a16="http://schemas.microsoft.com/office/drawing/2014/main" id="{E1B96AD6-92A9-4273-A62B-96A1C3E0BA95}"/>
-              </a:ext>
-              <a:ext uri="{C183D7F6-B498-43B3-948B-1728B52AA6E4}">
-                <adec:decorative xmlns:adec="http://schemas.microsoft.com/office/drawing/2017/decorative" val="1"/>
-              </a:ext>
-            </a:extLst>
-          </p:cNvPr>
-          <p:cNvSpPr>
-            <a:spLocks noGrp="1" noRot="1" noChangeAspect="1" noMove="1" noResize="1" noEditPoints="1" noAdjustHandles="1" noChangeArrowheads="1" noChangeShapeType="1" noTextEdit="1"/>
-          </p:cNvSpPr>
-          <p:nvPr>
-            <p:extLst>
-              <p:ext uri="{386F3935-93C4-4BCD-93E2-E3B085C9AB24}">
-                <p16:designElem xmlns:p16="http://schemas.microsoft.com/office/powerpoint/2015/main" val="1"/>
-              </p:ext>
-            </p:extLst>
-          </p:nvPr>
-        </p:nvSpPr>
-        <p:spPr>
-          <a:xfrm>
-            <a:off x="1" y="0"/>
-            <a:ext cx="4811477" cy="6858000"/>
-          </a:xfrm>
-          <a:custGeom>
-            <a:avLst/>
-            <a:gdLst>
-              <a:gd name="connsiteX0" fmla="*/ 0 w 4811477"/>
-              <a:gd name="connsiteY0" fmla="*/ 0 h 6858000"/>
-              <a:gd name="connsiteX1" fmla="*/ 3598499 w 4811477"/>
-              <a:gd name="connsiteY1" fmla="*/ 0 h 6858000"/>
-              <a:gd name="connsiteX2" fmla="*/ 3661482 w 4811477"/>
-              <a:gd name="connsiteY2" fmla="*/ 69271 h 6858000"/>
-              <a:gd name="connsiteX3" fmla="*/ 4811477 w 4811477"/>
-              <a:gd name="connsiteY3" fmla="*/ 3429000 h 6858000"/>
-              <a:gd name="connsiteX4" fmla="*/ 3661482 w 4811477"/>
-              <a:gd name="connsiteY4" fmla="*/ 6788730 h 6858000"/>
-              <a:gd name="connsiteX5" fmla="*/ 3598499 w 4811477"/>
-              <a:gd name="connsiteY5" fmla="*/ 6858000 h 6858000"/>
-              <a:gd name="connsiteX6" fmla="*/ 0 w 4811477"/>
-              <a:gd name="connsiteY6" fmla="*/ 6858000 h 6858000"/>
-            </a:gdLst>
-            <a:ahLst/>
-            <a:cxnLst>
-              <a:cxn ang="0">
-                <a:pos x="connsiteX0" y="connsiteY0"/>
-              </a:cxn>
-              <a:cxn ang="0">
-                <a:pos x="connsiteX1" y="connsiteY1"/>
-              </a:cxn>
-              <a:cxn ang="0">
-                <a:pos x="connsiteX2" y="connsiteY2"/>
-              </a:cxn>
-              <a:cxn ang="0">
-                <a:pos x="connsiteX3" y="connsiteY3"/>
-              </a:cxn>
-              <a:cxn ang="0">
-                <a:pos x="connsiteX4" y="connsiteY4"/>
-              </a:cxn>
-              <a:cxn ang="0">
-                <a:pos x="connsiteX5" y="connsiteY5"/>
-              </a:cxn>
-              <a:cxn ang="0">
-                <a:pos x="connsiteX6" y="connsiteY6"/>
-              </a:cxn>
-            </a:cxnLst>
-            <a:rect l="l" t="t" r="r" b="b"/>
-            <a:pathLst>
-              <a:path w="4811477" h="6858000">
-                <a:moveTo>
-                  <a:pt x="0" y="0"/>
-                </a:moveTo>
-                <a:lnTo>
-                  <a:pt x="3598499" y="0"/>
-                </a:lnTo>
-                <a:lnTo>
-                  <a:pt x="3661482" y="69271"/>
-                </a:lnTo>
-                <a:cubicBezTo>
-                  <a:pt x="4372008" y="929100"/>
-                  <a:pt x="4811477" y="2116944"/>
-                  <a:pt x="4811477" y="3429000"/>
-                </a:cubicBezTo>
-                <a:cubicBezTo>
-                  <a:pt x="4811477" y="4741056"/>
-                  <a:pt x="4372008" y="5928900"/>
-                  <a:pt x="3661482" y="6788730"/>
-                </a:cubicBezTo>
-                <a:lnTo>
-                  <a:pt x="3598499" y="6858000"/>
-                </a:lnTo>
-                <a:lnTo>
-                  <a:pt x="0" y="6858000"/>
-                </a:lnTo>
-                <a:close/>
-              </a:path>
-            </a:pathLst>
-          </a:custGeom>
-          <a:ln w="9525">
-            <a:noFill/>
-          </a:ln>
-          <a:effectLst/>
-        </p:spPr>
-        <p:style>
-          <a:lnRef idx="2">
-            <a:schemeClr val="accent1">
-              <a:shade val="50000"/>
-            </a:schemeClr>
-          </a:lnRef>
-          <a:fillRef idx="1">
-            <a:schemeClr val="accent1"/>
-          </a:fillRef>
-          <a:effectRef idx="0">
-            <a:schemeClr val="accent1"/>
-          </a:effectRef>
-          <a:fontRef idx="minor">
-            <a:schemeClr val="lt1"/>
-          </a:fontRef>
-        </p:style>
-        <p:txBody>
-          <a:bodyPr wrap="square" rtlCol="0" anchor="ctr">
-            <a:noAutofit/>
-          </a:bodyPr>
-          <a:lstStyle/>
-          <a:p>
-            <a:pPr marL="0" marR="0" lvl="0" indent="0" algn="ctr" defTabSz="914400" rtl="0" eaLnBrk="1" fontAlgn="auto" latinLnBrk="0" hangingPunct="1">
-              <a:lnSpc>
-                <a:spcPct val="100000"/>
-              </a:lnSpc>
-              <a:spcBef>
-                <a:spcPts val="0"/>
-              </a:spcBef>
-              <a:spcAft>
-                <a:spcPts val="0"/>
-              </a:spcAft>
-              <a:buClrTx/>
-              <a:buSzTx/>
-              <a:buFontTx/>
-              <a:buNone/>
-              <a:tabLst/>
-              <a:defRPr/>
-            </a:pPr>
-            <a:endParaRPr kumimoji="0" lang="en-US" sz="1800" b="0" i="0" u="none" strike="noStrike" kern="1200" cap="none" spc="0" normalizeH="0" baseline="0" noProof="0">
-              <a:ln>
-                <a:noFill/>
-              </a:ln>
-              <a:solidFill>
-                <a:prstClr val="white"/>
-              </a:solidFill>
-              <a:effectLst/>
-              <a:uLnTx/>
-              <a:uFillTx/>
-              <a:latin typeface="Calibri" panose="020F0502020204030204"/>
-              <a:ea typeface="+mn-ea"/>
-              <a:cs typeface="+mn-cs"/>
-            </a:endParaRPr>
-          </a:p>
-        </p:txBody>
-      </p:sp>
-      <p:sp>
-        <p:nvSpPr>
-          <p:cNvPr id="2" name="Title 1">
-            <a:extLst>
-              <a:ext uri="{FF2B5EF4-FFF2-40B4-BE49-F238E27FC236}">
-                <a16:creationId xmlns:a16="http://schemas.microsoft.com/office/drawing/2014/main" id="{2A52F838-3F23-4FEE-B622-325F7FA1966F}"/>
-              </a:ext>
-            </a:extLst>
-          </p:cNvPr>
-          <p:cNvSpPr>
-            <a:spLocks noGrp="1"/>
-          </p:cNvSpPr>
-          <p:nvPr>
-            <p:ph type="title"/>
-          </p:nvPr>
-        </p:nvSpPr>
-        <p:spPr>
-          <a:xfrm>
-            <a:off x="621792" y="1161288"/>
-            <a:ext cx="3602736" cy="4526280"/>
-          </a:xfrm>
-        </p:spPr>
-        <p:txBody>
-          <a:bodyPr>
-            <a:normAutofit/>
-          </a:bodyPr>
-          <a:lstStyle/>
-          <a:p>
-            <a:r>
-              <a:rPr lang="en-US"/>
-              <a:t>Next Week's Tasks</a:t>
-            </a:r>
-          </a:p>
-        </p:txBody>
-      </p:sp>
-      <p:sp>
-        <p:nvSpPr>
-          <p:cNvPr id="14" name="Rectangle 13">
-            <a:extLst>
-              <a:ext uri="{FF2B5EF4-FFF2-40B4-BE49-F238E27FC236}">
-                <a16:creationId xmlns:a16="http://schemas.microsoft.com/office/drawing/2014/main" id="{463EEC44-1BA3-44ED-81FC-A644B04B2A44}"/>
-              </a:ext>
-              <a:ext uri="{C183D7F6-B498-43B3-948B-1728B52AA6E4}">
-                <adec:decorative xmlns:adec="http://schemas.microsoft.com/office/drawing/2017/decorative" val="1"/>
-              </a:ext>
-            </a:extLst>
-          </p:cNvPr>
-          <p:cNvSpPr>
-            <a:spLocks noGrp="1" noRot="1" noChangeAspect="1" noMove="1" noResize="1" noEditPoints="1" noAdjustHandles="1" noChangeArrowheads="1" noChangeShapeType="1" noTextEdit="1"/>
-          </p:cNvSpPr>
-          <p:nvPr>
-            <p:extLst>
-              <p:ext uri="{386F3935-93C4-4BCD-93E2-E3B085C9AB24}">
-                <p16:designElem xmlns:p16="http://schemas.microsoft.com/office/powerpoint/2015/main" val="1"/>
-              </p:ext>
-            </p:extLst>
-          </p:nvPr>
-        </p:nvSpPr>
-        <p:spPr>
-          <a:xfrm>
-            <a:off x="0" y="3102049"/>
-            <a:ext cx="128016" cy="653903"/>
-          </a:xfrm>
-          <a:prstGeom prst="rect">
-            <a:avLst/>
-          </a:prstGeom>
-          <a:solidFill>
-            <a:schemeClr val="accent1"/>
-          </a:solidFill>
-          <a:ln>
-            <a:noFill/>
-          </a:ln>
-        </p:spPr>
-        <p:style>
-          <a:lnRef idx="2">
-            <a:schemeClr val="accent1">
-              <a:shade val="50000"/>
-            </a:schemeClr>
-          </a:lnRef>
-          <a:fillRef idx="1">
-            <a:schemeClr val="accent1"/>
-          </a:fillRef>
-          <a:effectRef idx="0">
-            <a:schemeClr val="accent1"/>
-          </a:effectRef>
-          <a:fontRef idx="minor">
-            <a:schemeClr val="lt1"/>
-          </a:fontRef>
-        </p:style>
-        <p:txBody>
-          <a:bodyPr rtlCol="0" anchor="ctr"/>
-          <a:lstStyle/>
-          <a:p>
-            <a:pPr marL="0" marR="0" lvl="0" indent="0" algn="ctr" defTabSz="914400" rtl="0" eaLnBrk="1" fontAlgn="auto" latinLnBrk="0" hangingPunct="1">
-              <a:lnSpc>
-                <a:spcPct val="100000"/>
-              </a:lnSpc>
-              <a:spcBef>
-                <a:spcPts val="0"/>
-              </a:spcBef>
-              <a:spcAft>
-                <a:spcPts val="0"/>
-              </a:spcAft>
-              <a:buClrTx/>
-              <a:buSzTx/>
-              <a:buFontTx/>
-              <a:buNone/>
-              <a:tabLst/>
-              <a:defRPr/>
-            </a:pPr>
-            <a:endParaRPr kumimoji="0" lang="en-US" sz="1800" b="0" i="0" u="none" strike="noStrike" kern="1200" cap="none" spc="0" normalizeH="0" baseline="0" noProof="0">
-              <a:ln>
-                <a:noFill/>
-              </a:ln>
-              <a:solidFill>
-                <a:prstClr val="white"/>
-              </a:solidFill>
-              <a:effectLst/>
-              <a:uLnTx/>
-              <a:uFillTx/>
-              <a:latin typeface="Calibri" panose="020F0502020204030204"/>
-              <a:ea typeface="+mn-ea"/>
-              <a:cs typeface="+mn-cs"/>
-            </a:endParaRPr>
-          </a:p>
-        </p:txBody>
-      </p:sp>
-      <p:sp>
-        <p:nvSpPr>
-          <p:cNvPr id="3" name="Content Placeholder 2">
-            <a:extLst>
-              <a:ext uri="{FF2B5EF4-FFF2-40B4-BE49-F238E27FC236}">
-                <a16:creationId xmlns:a16="http://schemas.microsoft.com/office/drawing/2014/main" id="{2484C1CA-CA0A-488E-99DF-480F2A746C7C}"/>
-              </a:ext>
-            </a:extLst>
-          </p:cNvPr>
-          <p:cNvSpPr>
-            <a:spLocks noGrp="1"/>
-          </p:cNvSpPr>
-          <p:nvPr>
-            <p:ph idx="1"/>
-          </p:nvPr>
-        </p:nvSpPr>
-        <p:spPr>
-          <a:xfrm>
-            <a:off x="5434149" y="932688"/>
-            <a:ext cx="5916603" cy="4992624"/>
-          </a:xfrm>
-        </p:spPr>
-        <p:txBody>
-          <a:bodyPr vert="horz" lIns="91440" tIns="45720" rIns="91440" bIns="45720" rtlCol="0" anchor="ctr">
-            <a:normAutofit/>
-          </a:bodyPr>
-          <a:lstStyle/>
-          <a:p>
-            <a:r>
-              <a:rPr lang="en-US" sz="2000"/>
-              <a:t>Getting the parts in</a:t>
-            </a:r>
-          </a:p>
-          <a:p>
-            <a:r>
-              <a:rPr lang="en-US" sz="2000"/>
-              <a:t>Try putting parts together</a:t>
-            </a:r>
-          </a:p>
-          <a:p>
-            <a:r>
-              <a:rPr lang="en-US" sz="2000"/>
-              <a:t>Start programming for the motors</a:t>
-            </a:r>
-          </a:p>
-        </p:txBody>
-      </p:sp>
-      <p:sp>
-        <p:nvSpPr>
-          <p:cNvPr id="4" name="Footer Placeholder 3">
-            <a:extLst>
-              <a:ext uri="{FF2B5EF4-FFF2-40B4-BE49-F238E27FC236}">
-                <a16:creationId xmlns:a16="http://schemas.microsoft.com/office/drawing/2014/main" id="{00BCC7B3-FEF4-4256-804B-A351CCACA2E4}"/>
-              </a:ext>
-            </a:extLst>
-          </p:cNvPr>
-          <p:cNvSpPr>
-            <a:spLocks noGrp="1"/>
-          </p:cNvSpPr>
-          <p:nvPr>
-            <p:ph type="ftr" sz="quarter" idx="11"/>
-          </p:nvPr>
-        </p:nvSpPr>
-        <p:spPr/>
-        <p:txBody>
-          <a:bodyPr/>
-          <a:lstStyle/>
-          <a:p>
-            <a:r>
-              <a:rPr lang="en-US"/>
-              <a:t>   Mohammed Ansari</a:t>
-            </a:r>
-          </a:p>
-        </p:txBody>
-      </p:sp>
-      <p:sp>
-        <p:nvSpPr>
-          <p:cNvPr id="5" name="Slide Number Placeholder 4">
-            <a:extLst>
-              <a:ext uri="{FF2B5EF4-FFF2-40B4-BE49-F238E27FC236}">
-                <a16:creationId xmlns:a16="http://schemas.microsoft.com/office/drawing/2014/main" id="{A4822B04-4018-4C67-9988-1F9973F65577}"/>
-              </a:ext>
-            </a:extLst>
-          </p:cNvPr>
-          <p:cNvSpPr>
-            <a:spLocks noGrp="1"/>
-          </p:cNvSpPr>
-          <p:nvPr>
-            <p:ph type="sldNum" sz="quarter" idx="12"/>
-          </p:nvPr>
-        </p:nvSpPr>
-        <p:spPr/>
-        <p:txBody>
-          <a:bodyPr/>
-          <a:lstStyle/>
-          <a:p>
-            <a:fld id="{B2DC25EE-239B-4C5F-AAD1-255A7D5F1EE2}" type="slidenum">
-              <a:rPr lang="en-US" smtClean="0"/>
-              <a:t>8</a:t>
-            </a:fld>
-            <a:endParaRPr lang="en-US"/>
+            <a:r>
+              <a:rPr lang="en-US" dirty="0"/>
+              <a:t>We ran a couple of test programs on </a:t>
+            </a:r>
+            <a:r>
+              <a:rPr lang="en-US" dirty="0" err="1"/>
+              <a:t>vivado</a:t>
+            </a:r>
+            <a:r>
+              <a:rPr lang="en-US" dirty="0"/>
+              <a:t> to refamiliarize ourselves with Verilog and this new IDE. </a:t>
+            </a:r>
           </a:p>
         </p:txBody>
       </p:sp>
     </p:spTree>
     <p:extLst>
       <p:ext uri="{BB962C8B-B14F-4D97-AF65-F5344CB8AC3E}">
-        <p14:creationId xmlns:p14="http://schemas.microsoft.com/office/powerpoint/2010/main" val="2977494336"/>
+        <p14:creationId xmlns:p14="http://schemas.microsoft.com/office/powerpoint/2010/main" val="2086654361"/>
       </p:ext>
     </p:extLst>
   </p:cSld>
@@ -14222,17 +12535,9 @@
 </p:sld>
 </file>
 
-<file path=ppt/slides/slide9.xml><?xml version="1.0" encoding="utf-8"?>
+<file path=ppt/slides/slide8.xml><?xml version="1.0" encoding="utf-8"?>
 <p:sld xmlns:a="http://schemas.openxmlformats.org/drawingml/2006/main" xmlns:r="http://schemas.openxmlformats.org/officeDocument/2006/relationships" xmlns:p="http://schemas.openxmlformats.org/presentationml/2006/main">
   <p:cSld>
-    <p:bg>
-      <p:bgPr>
-        <a:solidFill>
-          <a:schemeClr val="bg1"/>
-        </a:solidFill>
-        <a:effectLst/>
-      </p:bgPr>
-    </p:bg>
     <p:spTree>
       <p:nvGrpSpPr>
         <p:cNvPr id="1" name=""/>
@@ -14247,627 +12552,174 @@
           <a:chExt cx="0" cy="0"/>
         </a:xfrm>
       </p:grpSpPr>
-      <p:sp useBgFill="1">
-        <p:nvSpPr>
-          <p:cNvPr id="8" name="Rectangle 7">
-            <a:extLst>
-              <a:ext uri="{FF2B5EF4-FFF2-40B4-BE49-F238E27FC236}">
-                <a16:creationId xmlns:a16="http://schemas.microsoft.com/office/drawing/2014/main" id="{1C799903-48D5-4A31-A1A2-541072D9771E}"/>
-              </a:ext>
-              <a:ext uri="{C183D7F6-B498-43B3-948B-1728B52AA6E4}">
-                <adec:decorative xmlns:adec="http://schemas.microsoft.com/office/drawing/2017/decorative" val="1"/>
-              </a:ext>
-            </a:extLst>
-          </p:cNvPr>
-          <p:cNvSpPr>
-            <a:spLocks noGrp="1" noRot="1" noChangeAspect="1" noMove="1" noResize="1" noEditPoints="1" noAdjustHandles="1" noChangeArrowheads="1" noChangeShapeType="1" noTextEdit="1"/>
-          </p:cNvSpPr>
-          <p:nvPr>
-            <p:extLst>
-              <p:ext uri="{386F3935-93C4-4BCD-93E2-E3B085C9AB24}">
-                <p16:designElem xmlns:p16="http://schemas.microsoft.com/office/powerpoint/2015/main" val="1"/>
-              </p:ext>
-            </p:extLst>
-          </p:nvPr>
-        </p:nvSpPr>
-        <p:spPr>
-          <a:xfrm>
-            <a:off x="0" y="0"/>
-            <a:ext cx="12192002" cy="6858000"/>
-          </a:xfrm>
-          <a:prstGeom prst="rect">
-            <a:avLst/>
-          </a:prstGeom>
-          <a:ln>
-            <a:noFill/>
-          </a:ln>
-        </p:spPr>
-        <p:style>
-          <a:lnRef idx="2">
-            <a:schemeClr val="accent1">
-              <a:shade val="50000"/>
-            </a:schemeClr>
-          </a:lnRef>
-          <a:fillRef idx="1">
-            <a:schemeClr val="accent1"/>
-          </a:fillRef>
-          <a:effectRef idx="0">
-            <a:schemeClr val="accent1"/>
-          </a:effectRef>
-          <a:fontRef idx="minor">
-            <a:schemeClr val="lt1"/>
-          </a:fontRef>
-        </p:style>
-        <p:txBody>
-          <a:bodyPr rtlCol="0" anchor="ctr"/>
-          <a:lstStyle/>
-          <a:p>
-            <a:pPr algn="ctr"/>
-            <a:endParaRPr lang="en-US"/>
-          </a:p>
-        </p:txBody>
-      </p:sp>
-      <p:sp useBgFill="1">
-        <p:nvSpPr>
-          <p:cNvPr id="10" name="Freeform: Shape 9">
-            <a:extLst>
-              <a:ext uri="{FF2B5EF4-FFF2-40B4-BE49-F238E27FC236}">
-                <a16:creationId xmlns:a16="http://schemas.microsoft.com/office/drawing/2014/main" id="{8EFFF109-FC58-4FD3-BE05-9775A1310F55}"/>
-              </a:ext>
-              <a:ext uri="{C183D7F6-B498-43B3-948B-1728B52AA6E4}">
-                <adec:decorative xmlns:adec="http://schemas.microsoft.com/office/drawing/2017/decorative" val="1"/>
-              </a:ext>
-            </a:extLst>
-          </p:cNvPr>
-          <p:cNvSpPr>
-            <a:spLocks noGrp="1" noRot="1" noChangeAspect="1" noMove="1" noResize="1" noEditPoints="1" noAdjustHandles="1" noChangeArrowheads="1" noChangeShapeType="1" noTextEdit="1"/>
-          </p:cNvSpPr>
-          <p:nvPr>
-            <p:extLst>
-              <p:ext uri="{386F3935-93C4-4BCD-93E2-E3B085C9AB24}">
-                <p16:designElem xmlns:p16="http://schemas.microsoft.com/office/powerpoint/2015/main" val="1"/>
-              </p:ext>
-            </p:extLst>
-          </p:nvPr>
-        </p:nvSpPr>
-        <p:spPr>
-          <a:xfrm>
-            <a:off x="-1" y="0"/>
-            <a:ext cx="4818889" cy="6858000"/>
-          </a:xfrm>
-          <a:custGeom>
-            <a:avLst/>
-            <a:gdLst>
-              <a:gd name="connsiteX0" fmla="*/ 0 w 4818889"/>
-              <a:gd name="connsiteY0" fmla="*/ 0 h 6858000"/>
-              <a:gd name="connsiteX1" fmla="*/ 3605911 w 4818889"/>
-              <a:gd name="connsiteY1" fmla="*/ 0 h 6858000"/>
-              <a:gd name="connsiteX2" fmla="*/ 3668894 w 4818889"/>
-              <a:gd name="connsiteY2" fmla="*/ 69271 h 6858000"/>
-              <a:gd name="connsiteX3" fmla="*/ 4818889 w 4818889"/>
-              <a:gd name="connsiteY3" fmla="*/ 3429000 h 6858000"/>
-              <a:gd name="connsiteX4" fmla="*/ 3668894 w 4818889"/>
-              <a:gd name="connsiteY4" fmla="*/ 6788730 h 6858000"/>
-              <a:gd name="connsiteX5" fmla="*/ 3605911 w 4818889"/>
-              <a:gd name="connsiteY5" fmla="*/ 6858000 h 6858000"/>
-              <a:gd name="connsiteX6" fmla="*/ 0 w 4818889"/>
-              <a:gd name="connsiteY6" fmla="*/ 6858000 h 6858000"/>
-            </a:gdLst>
-            <a:ahLst/>
-            <a:cxnLst>
-              <a:cxn ang="0">
-                <a:pos x="connsiteX0" y="connsiteY0"/>
-              </a:cxn>
-              <a:cxn ang="0">
-                <a:pos x="connsiteX1" y="connsiteY1"/>
-              </a:cxn>
-              <a:cxn ang="0">
-                <a:pos x="connsiteX2" y="connsiteY2"/>
-              </a:cxn>
-              <a:cxn ang="0">
-                <a:pos x="connsiteX3" y="connsiteY3"/>
-              </a:cxn>
-              <a:cxn ang="0">
-                <a:pos x="connsiteX4" y="connsiteY4"/>
-              </a:cxn>
-              <a:cxn ang="0">
-                <a:pos x="connsiteX5" y="connsiteY5"/>
-              </a:cxn>
-              <a:cxn ang="0">
-                <a:pos x="connsiteX6" y="connsiteY6"/>
-              </a:cxn>
-            </a:cxnLst>
-            <a:rect l="l" t="t" r="r" b="b"/>
-            <a:pathLst>
-              <a:path w="4818889" h="6858000">
-                <a:moveTo>
-                  <a:pt x="0" y="0"/>
-                </a:moveTo>
-                <a:lnTo>
-                  <a:pt x="3605911" y="0"/>
-                </a:lnTo>
-                <a:lnTo>
-                  <a:pt x="3668894" y="69271"/>
-                </a:lnTo>
-                <a:cubicBezTo>
-                  <a:pt x="4379420" y="929100"/>
-                  <a:pt x="4818889" y="2116944"/>
-                  <a:pt x="4818889" y="3429000"/>
-                </a:cubicBezTo>
-                <a:cubicBezTo>
-                  <a:pt x="4818889" y="4741056"/>
-                  <a:pt x="4379420" y="5928900"/>
-                  <a:pt x="3668894" y="6788730"/>
-                </a:cubicBezTo>
-                <a:lnTo>
-                  <a:pt x="3605911" y="6858000"/>
-                </a:lnTo>
-                <a:lnTo>
-                  <a:pt x="0" y="6858000"/>
-                </a:lnTo>
-                <a:close/>
-              </a:path>
-            </a:pathLst>
-          </a:custGeom>
-          <a:ln w="9525">
-            <a:solidFill>
-              <a:schemeClr val="tx2">
-                <a:lumMod val="10000"/>
-                <a:lumOff val="90000"/>
-              </a:schemeClr>
-            </a:solidFill>
-          </a:ln>
-          <a:effectLst>
-            <a:outerShdw blurRad="50800" dist="38100" algn="l" rotWithShape="0">
-              <a:schemeClr val="bg1">
-                <a:lumMod val="85000"/>
-                <a:alpha val="30000"/>
-              </a:schemeClr>
-            </a:outerShdw>
-          </a:effectLst>
-        </p:spPr>
-        <p:style>
-          <a:lnRef idx="2">
-            <a:schemeClr val="accent1">
-              <a:shade val="50000"/>
-            </a:schemeClr>
-          </a:lnRef>
-          <a:fillRef idx="1">
-            <a:schemeClr val="accent1"/>
-          </a:fillRef>
-          <a:effectRef idx="0">
-            <a:schemeClr val="accent1"/>
-          </a:effectRef>
-          <a:fontRef idx="minor">
-            <a:schemeClr val="lt1"/>
-          </a:fontRef>
-        </p:style>
-        <p:txBody>
-          <a:bodyPr wrap="square" rtlCol="0" anchor="ctr">
-            <a:noAutofit/>
-          </a:bodyPr>
-          <a:lstStyle/>
-          <a:p>
-            <a:pPr marL="0" marR="0" lvl="0" indent="0" algn="ctr" defTabSz="914400" rtl="0" eaLnBrk="1" fontAlgn="auto" latinLnBrk="0" hangingPunct="1">
-              <a:lnSpc>
-                <a:spcPct val="100000"/>
-              </a:lnSpc>
-              <a:spcBef>
-                <a:spcPts val="0"/>
-              </a:spcBef>
-              <a:spcAft>
-                <a:spcPts val="0"/>
-              </a:spcAft>
-              <a:buClrTx/>
-              <a:buSzTx/>
-              <a:buFontTx/>
-              <a:buNone/>
-              <a:tabLst/>
-              <a:defRPr/>
+      <p:sp>
+        <p:nvSpPr>
+          <p:cNvPr id="2" name="Title 1">
+            <a:extLst>
+              <a:ext uri="{FF2B5EF4-FFF2-40B4-BE49-F238E27FC236}">
+                <a16:creationId xmlns:a16="http://schemas.microsoft.com/office/drawing/2014/main" id="{C80CCDC2-9AD6-445A-BF4A-D4EE6838A826}"/>
+              </a:ext>
+            </a:extLst>
+          </p:cNvPr>
+          <p:cNvSpPr>
+            <a:spLocks noGrp="1"/>
+          </p:cNvSpPr>
+          <p:nvPr>
+            <p:ph type="title"/>
+          </p:nvPr>
+        </p:nvSpPr>
+        <p:spPr/>
+        <p:txBody>
+          <a:bodyPr/>
+          <a:lstStyle/>
+          <a:p>
+            <a:r>
+              <a:rPr lang="en-US" dirty="0"/>
+              <a:t>Software Update</a:t>
+            </a:r>
+          </a:p>
+        </p:txBody>
+      </p:sp>
+      <p:sp>
+        <p:nvSpPr>
+          <p:cNvPr id="3" name="Content Placeholder 2">
+            <a:extLst>
+              <a:ext uri="{FF2B5EF4-FFF2-40B4-BE49-F238E27FC236}">
+                <a16:creationId xmlns:a16="http://schemas.microsoft.com/office/drawing/2014/main" id="{CEEA08E7-9A67-402F-B690-64643B4A4133}"/>
+              </a:ext>
+            </a:extLst>
+          </p:cNvPr>
+          <p:cNvSpPr>
+            <a:spLocks noGrp="1"/>
+          </p:cNvSpPr>
+          <p:nvPr>
+            <p:ph idx="1"/>
+          </p:nvPr>
+        </p:nvSpPr>
+        <p:spPr/>
+        <p:txBody>
+          <a:bodyPr/>
+          <a:lstStyle/>
+          <a:p>
+            <a:pPr marL="0" indent="0">
+              <a:buNone/>
             </a:pPr>
-            <a:endParaRPr kumimoji="0" lang="en-US" sz="1800" b="0" i="0" u="none" strike="noStrike" kern="1200" cap="none" spc="0" normalizeH="0" baseline="0" noProof="0">
-              <a:ln>
-                <a:noFill/>
-              </a:ln>
-              <a:solidFill>
-                <a:prstClr val="white"/>
-              </a:solidFill>
-              <a:effectLst/>
-              <a:uLnTx/>
-              <a:uFillTx/>
-              <a:latin typeface="Calibri" panose="020F0502020204030204"/>
-              <a:ea typeface="+mn-ea"/>
-              <a:cs typeface="+mn-cs"/>
-            </a:endParaRPr>
-          </a:p>
-        </p:txBody>
-      </p:sp>
-      <p:sp useBgFill="1">
-        <p:nvSpPr>
-          <p:cNvPr id="12" name="Freeform: Shape 11">
-            <a:extLst>
-              <a:ext uri="{FF2B5EF4-FFF2-40B4-BE49-F238E27FC236}">
-                <a16:creationId xmlns:a16="http://schemas.microsoft.com/office/drawing/2014/main" id="{E1B96AD6-92A9-4273-A62B-96A1C3E0BA95}"/>
-              </a:ext>
-              <a:ext uri="{C183D7F6-B498-43B3-948B-1728B52AA6E4}">
-                <adec:decorative xmlns:adec="http://schemas.microsoft.com/office/drawing/2017/decorative" val="1"/>
-              </a:ext>
-            </a:extLst>
-          </p:cNvPr>
-          <p:cNvSpPr>
-            <a:spLocks noGrp="1" noRot="1" noChangeAspect="1" noMove="1" noResize="1" noEditPoints="1" noAdjustHandles="1" noChangeArrowheads="1" noChangeShapeType="1" noTextEdit="1"/>
-          </p:cNvSpPr>
-          <p:nvPr>
-            <p:extLst>
-              <p:ext uri="{386F3935-93C4-4BCD-93E2-E3B085C9AB24}">
-                <p16:designElem xmlns:p16="http://schemas.microsoft.com/office/powerpoint/2015/main" val="1"/>
-              </p:ext>
-            </p:extLst>
-          </p:nvPr>
-        </p:nvSpPr>
-        <p:spPr>
-          <a:xfrm>
-            <a:off x="1" y="0"/>
-            <a:ext cx="4811477" cy="6858000"/>
-          </a:xfrm>
-          <a:custGeom>
-            <a:avLst/>
-            <a:gdLst>
-              <a:gd name="connsiteX0" fmla="*/ 0 w 4811477"/>
-              <a:gd name="connsiteY0" fmla="*/ 0 h 6858000"/>
-              <a:gd name="connsiteX1" fmla="*/ 3598499 w 4811477"/>
-              <a:gd name="connsiteY1" fmla="*/ 0 h 6858000"/>
-              <a:gd name="connsiteX2" fmla="*/ 3661482 w 4811477"/>
-              <a:gd name="connsiteY2" fmla="*/ 69271 h 6858000"/>
-              <a:gd name="connsiteX3" fmla="*/ 4811477 w 4811477"/>
-              <a:gd name="connsiteY3" fmla="*/ 3429000 h 6858000"/>
-              <a:gd name="connsiteX4" fmla="*/ 3661482 w 4811477"/>
-              <a:gd name="connsiteY4" fmla="*/ 6788730 h 6858000"/>
-              <a:gd name="connsiteX5" fmla="*/ 3598499 w 4811477"/>
-              <a:gd name="connsiteY5" fmla="*/ 6858000 h 6858000"/>
-              <a:gd name="connsiteX6" fmla="*/ 0 w 4811477"/>
-              <a:gd name="connsiteY6" fmla="*/ 6858000 h 6858000"/>
-            </a:gdLst>
-            <a:ahLst/>
-            <a:cxnLst>
-              <a:cxn ang="0">
-                <a:pos x="connsiteX0" y="connsiteY0"/>
-              </a:cxn>
-              <a:cxn ang="0">
-                <a:pos x="connsiteX1" y="connsiteY1"/>
-              </a:cxn>
-              <a:cxn ang="0">
-                <a:pos x="connsiteX2" y="connsiteY2"/>
-              </a:cxn>
-              <a:cxn ang="0">
-                <a:pos x="connsiteX3" y="connsiteY3"/>
-              </a:cxn>
-              <a:cxn ang="0">
-                <a:pos x="connsiteX4" y="connsiteY4"/>
-              </a:cxn>
-              <a:cxn ang="0">
-                <a:pos x="connsiteX5" y="connsiteY5"/>
-              </a:cxn>
-              <a:cxn ang="0">
-                <a:pos x="connsiteX6" y="connsiteY6"/>
-              </a:cxn>
-            </a:cxnLst>
-            <a:rect l="l" t="t" r="r" b="b"/>
-            <a:pathLst>
-              <a:path w="4811477" h="6858000">
-                <a:moveTo>
-                  <a:pt x="0" y="0"/>
-                </a:moveTo>
-                <a:lnTo>
-                  <a:pt x="3598499" y="0"/>
-                </a:lnTo>
-                <a:lnTo>
-                  <a:pt x="3661482" y="69271"/>
-                </a:lnTo>
-                <a:cubicBezTo>
-                  <a:pt x="4372008" y="929100"/>
-                  <a:pt x="4811477" y="2116944"/>
-                  <a:pt x="4811477" y="3429000"/>
-                </a:cubicBezTo>
-                <a:cubicBezTo>
-                  <a:pt x="4811477" y="4741056"/>
-                  <a:pt x="4372008" y="5928900"/>
-                  <a:pt x="3661482" y="6788730"/>
-                </a:cubicBezTo>
-                <a:lnTo>
-                  <a:pt x="3598499" y="6858000"/>
-                </a:lnTo>
-                <a:lnTo>
-                  <a:pt x="0" y="6858000"/>
-                </a:lnTo>
-                <a:close/>
-              </a:path>
-            </a:pathLst>
-          </a:custGeom>
-          <a:ln w="9525">
-            <a:noFill/>
-          </a:ln>
-          <a:effectLst/>
-        </p:spPr>
-        <p:style>
-          <a:lnRef idx="2">
-            <a:schemeClr val="accent1">
-              <a:shade val="50000"/>
-            </a:schemeClr>
-          </a:lnRef>
-          <a:fillRef idx="1">
-            <a:schemeClr val="accent1"/>
-          </a:fillRef>
-          <a:effectRef idx="0">
-            <a:schemeClr val="accent1"/>
-          </a:effectRef>
-          <a:fontRef idx="minor">
-            <a:schemeClr val="lt1"/>
-          </a:fontRef>
-        </p:style>
-        <p:txBody>
-          <a:bodyPr wrap="square" rtlCol="0" anchor="ctr">
-            <a:noAutofit/>
-          </a:bodyPr>
-          <a:lstStyle/>
-          <a:p>
-            <a:pPr marL="0" marR="0" lvl="0" indent="0" algn="ctr" defTabSz="914400" rtl="0" eaLnBrk="1" fontAlgn="auto" latinLnBrk="0" hangingPunct="1">
-              <a:lnSpc>
-                <a:spcPct val="100000"/>
-              </a:lnSpc>
-              <a:spcBef>
-                <a:spcPts val="0"/>
-              </a:spcBef>
-              <a:spcAft>
-                <a:spcPts val="0"/>
-              </a:spcAft>
-              <a:buClrTx/>
-              <a:buSzTx/>
-              <a:buFontTx/>
-              <a:buNone/>
-              <a:tabLst/>
-              <a:defRPr/>
-            </a:pPr>
-            <a:endParaRPr kumimoji="0" lang="en-US" sz="1800" b="0" i="0" u="none" strike="noStrike" kern="1200" cap="none" spc="0" normalizeH="0" baseline="0" noProof="0">
-              <a:ln>
-                <a:noFill/>
-              </a:ln>
-              <a:solidFill>
-                <a:prstClr val="white"/>
-              </a:solidFill>
-              <a:effectLst/>
-              <a:uLnTx/>
-              <a:uFillTx/>
-              <a:latin typeface="Calibri" panose="020F0502020204030204"/>
-              <a:ea typeface="+mn-ea"/>
-              <a:cs typeface="+mn-cs"/>
-            </a:endParaRPr>
-          </a:p>
-        </p:txBody>
-      </p:sp>
-      <p:sp>
-        <p:nvSpPr>
-          <p:cNvPr id="2" name="Title 1">
-            <a:extLst>
-              <a:ext uri="{FF2B5EF4-FFF2-40B4-BE49-F238E27FC236}">
-                <a16:creationId xmlns:a16="http://schemas.microsoft.com/office/drawing/2014/main" id="{B9981AC5-8E55-4C35-870F-B4471917D73C}"/>
-              </a:ext>
-            </a:extLst>
-          </p:cNvPr>
-          <p:cNvSpPr>
-            <a:spLocks noGrp="1"/>
-          </p:cNvSpPr>
-          <p:nvPr>
-            <p:ph type="title"/>
-          </p:nvPr>
-        </p:nvSpPr>
-        <p:spPr>
-          <a:xfrm>
-            <a:off x="621792" y="1161288"/>
-            <a:ext cx="3602736" cy="4526280"/>
-          </a:xfrm>
-        </p:spPr>
-        <p:txBody>
-          <a:bodyPr>
-            <a:normAutofit/>
-          </a:bodyPr>
-          <a:lstStyle/>
-          <a:p>
             <a:r>
               <a:rPr lang="en-US" dirty="0"/>
-              <a:t>Budget Update</a:t>
-            </a:r>
-          </a:p>
-        </p:txBody>
-      </p:sp>
-      <p:sp>
-        <p:nvSpPr>
-          <p:cNvPr id="14" name="Rectangle 13">
-            <a:extLst>
-              <a:ext uri="{FF2B5EF4-FFF2-40B4-BE49-F238E27FC236}">
-                <a16:creationId xmlns:a16="http://schemas.microsoft.com/office/drawing/2014/main" id="{463EEC44-1BA3-44ED-81FC-A644B04B2A44}"/>
-              </a:ext>
-              <a:ext uri="{C183D7F6-B498-43B3-948B-1728B52AA6E4}">
-                <adec:decorative xmlns:adec="http://schemas.microsoft.com/office/drawing/2017/decorative" val="1"/>
-              </a:ext>
-            </a:extLst>
-          </p:cNvPr>
-          <p:cNvSpPr>
-            <a:spLocks noGrp="1" noRot="1" noChangeAspect="1" noMove="1" noResize="1" noEditPoints="1" noAdjustHandles="1" noChangeArrowheads="1" noChangeShapeType="1" noTextEdit="1"/>
-          </p:cNvSpPr>
-          <p:nvPr>
-            <p:extLst>
-              <p:ext uri="{386F3935-93C4-4BCD-93E2-E3B085C9AB24}">
-                <p16:designElem xmlns:p16="http://schemas.microsoft.com/office/powerpoint/2015/main" val="1"/>
-              </p:ext>
-            </p:extLst>
-          </p:nvPr>
-        </p:nvSpPr>
-        <p:spPr>
-          <a:xfrm>
-            <a:off x="0" y="3102049"/>
-            <a:ext cx="128016" cy="653903"/>
-          </a:xfrm>
-          <a:prstGeom prst="rect">
-            <a:avLst/>
-          </a:prstGeom>
-          <a:solidFill>
-            <a:schemeClr val="accent1"/>
-          </a:solidFill>
-          <a:ln>
-            <a:noFill/>
-          </a:ln>
-        </p:spPr>
-        <p:style>
-          <a:lnRef idx="2">
-            <a:schemeClr val="accent1">
-              <a:shade val="50000"/>
-            </a:schemeClr>
-          </a:lnRef>
-          <a:fillRef idx="1">
-            <a:schemeClr val="accent1"/>
-          </a:fillRef>
-          <a:effectRef idx="0">
-            <a:schemeClr val="accent1"/>
-          </a:effectRef>
-          <a:fontRef idx="minor">
-            <a:schemeClr val="lt1"/>
-          </a:fontRef>
-        </p:style>
-        <p:txBody>
-          <a:bodyPr rtlCol="0" anchor="ctr"/>
-          <a:lstStyle/>
-          <a:p>
-            <a:pPr marL="0" marR="0" lvl="0" indent="0" algn="ctr" defTabSz="914400" rtl="0" eaLnBrk="1" fontAlgn="auto" latinLnBrk="0" hangingPunct="1">
-              <a:lnSpc>
-                <a:spcPct val="100000"/>
-              </a:lnSpc>
-              <a:spcBef>
-                <a:spcPts val="0"/>
-              </a:spcBef>
-              <a:spcAft>
-                <a:spcPts val="0"/>
-              </a:spcAft>
-              <a:buClrTx/>
-              <a:buSzTx/>
-              <a:buFontTx/>
-              <a:buNone/>
-              <a:tabLst/>
-              <a:defRPr/>
-            </a:pPr>
-            <a:endParaRPr kumimoji="0" lang="en-US" sz="1800" b="0" i="0" u="none" strike="noStrike" kern="1200" cap="none" spc="0" normalizeH="0" baseline="0" noProof="0">
-              <a:ln>
-                <a:noFill/>
-              </a:ln>
-              <a:solidFill>
-                <a:prstClr val="white"/>
-              </a:solidFill>
-              <a:effectLst/>
-              <a:uLnTx/>
-              <a:uFillTx/>
-              <a:latin typeface="Calibri" panose="020F0502020204030204"/>
-              <a:ea typeface="+mn-ea"/>
-              <a:cs typeface="+mn-cs"/>
-            </a:endParaRPr>
-          </a:p>
-        </p:txBody>
-      </p:sp>
-      <p:sp>
-        <p:nvSpPr>
-          <p:cNvPr id="3" name="Content Placeholder 2">
-            <a:extLst>
-              <a:ext uri="{FF2B5EF4-FFF2-40B4-BE49-F238E27FC236}">
-                <a16:creationId xmlns:a16="http://schemas.microsoft.com/office/drawing/2014/main" id="{0928CB60-3F55-4EC8-8D2E-31FDB3C840CB}"/>
-              </a:ext>
-            </a:extLst>
-          </p:cNvPr>
-          <p:cNvSpPr>
-            <a:spLocks noGrp="1"/>
-          </p:cNvSpPr>
-          <p:nvPr>
-            <p:ph idx="1"/>
-          </p:nvPr>
-        </p:nvSpPr>
-        <p:spPr>
-          <a:xfrm>
-            <a:off x="5434149" y="932688"/>
-            <a:ext cx="5916603" cy="4992624"/>
-          </a:xfrm>
-        </p:spPr>
-        <p:txBody>
-          <a:bodyPr anchor="ctr">
-            <a:normAutofit/>
-          </a:bodyPr>
-          <a:lstStyle/>
-          <a:p>
-            <a:r>
-              <a:rPr lang="en-US" sz="2000" dirty="0"/>
-              <a:t>We have a budget?</a:t>
-            </a:r>
-          </a:p>
-        </p:txBody>
-      </p:sp>
-      <p:sp>
-        <p:nvSpPr>
-          <p:cNvPr id="4" name="Footer Placeholder 3">
-            <a:extLst>
-              <a:ext uri="{FF2B5EF4-FFF2-40B4-BE49-F238E27FC236}">
-                <a16:creationId xmlns:a16="http://schemas.microsoft.com/office/drawing/2014/main" id="{F7E6A0FA-FA0D-4C11-B29E-942EA34970C7}"/>
-              </a:ext>
-            </a:extLst>
-          </p:cNvPr>
-          <p:cNvSpPr>
-            <a:spLocks noGrp="1"/>
-          </p:cNvSpPr>
-          <p:nvPr>
-            <p:ph type="ftr" sz="quarter" idx="11"/>
-          </p:nvPr>
-        </p:nvSpPr>
-        <p:spPr/>
-        <p:txBody>
-          <a:bodyPr/>
-          <a:lstStyle/>
-          <a:p>
+              <a:t>Installed and practiced using </a:t>
+            </a:r>
+            <a:r>
+              <a:rPr lang="en-US" dirty="0" err="1"/>
+              <a:t>LTspice</a:t>
+            </a:r>
             <a:r>
               <a:rPr lang="en-US" dirty="0"/>
-              <a:t>Mohammed Ansari</a:t>
-            </a:r>
-          </a:p>
-        </p:txBody>
-      </p:sp>
-      <p:sp>
-        <p:nvSpPr>
-          <p:cNvPr id="5" name="Slide Number Placeholder 4">
-            <a:extLst>
-              <a:ext uri="{FF2B5EF4-FFF2-40B4-BE49-F238E27FC236}">
-                <a16:creationId xmlns:a16="http://schemas.microsoft.com/office/drawing/2014/main" id="{97881DA2-B954-4D19-830F-9089EC789B38}"/>
-              </a:ext>
-            </a:extLst>
-          </p:cNvPr>
-          <p:cNvSpPr>
-            <a:spLocks noGrp="1"/>
-          </p:cNvSpPr>
-          <p:nvPr>
-            <p:ph type="sldNum" sz="quarter" idx="12"/>
-          </p:nvPr>
-        </p:nvSpPr>
-        <p:spPr/>
-        <p:txBody>
-          <a:bodyPr/>
-          <a:lstStyle/>
-          <a:p>
-            <a:fld id="{B2DC25EE-239B-4C5F-AAD1-255A7D5F1EE2}" type="slidenum">
-              <a:rPr lang="en-US" dirty="0" smtClean="0"/>
-              <a:t>9</a:t>
-            </a:fld>
-            <a:endParaRPr lang="en-US" dirty="0"/>
+              <a:t> to familiarize ourselves with the program and how to design some circuits.  </a:t>
+            </a:r>
           </a:p>
         </p:txBody>
       </p:sp>
     </p:spTree>
     <p:extLst>
       <p:ext uri="{BB962C8B-B14F-4D97-AF65-F5344CB8AC3E}">
-        <p14:creationId xmlns:p14="http://schemas.microsoft.com/office/powerpoint/2010/main" val="4179251466"/>
+        <p14:creationId xmlns:p14="http://schemas.microsoft.com/office/powerpoint/2010/main" val="1410635052"/>
+      </p:ext>
+    </p:extLst>
+  </p:cSld>
+  <p:clrMapOvr>
+    <a:masterClrMapping/>
+  </p:clrMapOvr>
+</p:sld>
+</file>
+
+<file path=ppt/slides/slide9.xml><?xml version="1.0" encoding="utf-8"?>
+<p:sld xmlns:a="http://schemas.openxmlformats.org/drawingml/2006/main" xmlns:r="http://schemas.openxmlformats.org/officeDocument/2006/relationships" xmlns:p="http://schemas.openxmlformats.org/presentationml/2006/main">
+  <p:cSld>
+    <p:spTree>
+      <p:nvGrpSpPr>
+        <p:cNvPr id="1" name=""/>
+        <p:cNvGrpSpPr/>
+        <p:nvPr/>
+      </p:nvGrpSpPr>
+      <p:grpSpPr>
+        <a:xfrm>
+          <a:off x="0" y="0"/>
+          <a:ext cx="0" cy="0"/>
+          <a:chOff x="0" y="0"/>
+          <a:chExt cx="0" cy="0"/>
+        </a:xfrm>
+      </p:grpSpPr>
+      <p:sp>
+        <p:nvSpPr>
+          <p:cNvPr id="2" name="Title 1">
+            <a:extLst>
+              <a:ext uri="{FF2B5EF4-FFF2-40B4-BE49-F238E27FC236}">
+                <a16:creationId xmlns:a16="http://schemas.microsoft.com/office/drawing/2014/main" id="{9525CA29-12AD-4842-8BF7-2AA81B1D17E5}"/>
+              </a:ext>
+            </a:extLst>
+          </p:cNvPr>
+          <p:cNvSpPr>
+            <a:spLocks noGrp="1"/>
+          </p:cNvSpPr>
+          <p:nvPr>
+            <p:ph type="title"/>
+          </p:nvPr>
+        </p:nvSpPr>
+        <p:spPr/>
+        <p:txBody>
+          <a:bodyPr/>
+          <a:lstStyle/>
+          <a:p>
+            <a:r>
+              <a:rPr lang="en-US" dirty="0"/>
+              <a:t>Software Update</a:t>
+            </a:r>
+          </a:p>
+        </p:txBody>
+      </p:sp>
+      <p:sp>
+        <p:nvSpPr>
+          <p:cNvPr id="3" name="Content Placeholder 2">
+            <a:extLst>
+              <a:ext uri="{FF2B5EF4-FFF2-40B4-BE49-F238E27FC236}">
+                <a16:creationId xmlns:a16="http://schemas.microsoft.com/office/drawing/2014/main" id="{CC48DB1D-6DE6-4956-A531-837F4A974461}"/>
+              </a:ext>
+            </a:extLst>
+          </p:cNvPr>
+          <p:cNvSpPr>
+            <a:spLocks noGrp="1"/>
+          </p:cNvSpPr>
+          <p:nvPr>
+            <p:ph idx="1"/>
+          </p:nvPr>
+        </p:nvSpPr>
+        <p:spPr/>
+        <p:txBody>
+          <a:bodyPr/>
+          <a:lstStyle/>
+          <a:p>
+            <a:pPr marL="0" indent="0">
+              <a:buNone/>
+            </a:pPr>
+            <a:r>
+              <a:rPr lang="en-US" dirty="0"/>
+              <a:t>We decided to switch from Microsoft </a:t>
+            </a:r>
+            <a:r>
+              <a:rPr lang="en-US" dirty="0" err="1"/>
+              <a:t>Onedrive</a:t>
+            </a:r>
+            <a:r>
+              <a:rPr lang="en-US" dirty="0"/>
+              <a:t> to GitLab as we were having issues syncing data.</a:t>
+            </a:r>
+          </a:p>
+        </p:txBody>
+      </p:sp>
+    </p:spTree>
+    <p:extLst>
+      <p:ext uri="{BB962C8B-B14F-4D97-AF65-F5344CB8AC3E}">
+        <p14:creationId xmlns:p14="http://schemas.microsoft.com/office/powerpoint/2010/main" val="1818233523"/>
       </p:ext>
     </p:extLst>
   </p:cSld>
@@ -15337,4 +13189,299 @@
     </a:ext>
   </a:extLst>
 </a:theme>
+</file>
+
+<file path=ppt/theme/theme3.xml><?xml version="1.0" encoding="utf-8"?>
+<a:theme xmlns:a="http://schemas.openxmlformats.org/drawingml/2006/main" name="Office Theme">
+  <a:themeElements>
+    <a:clrScheme name="Office">
+      <a:dk1>
+        <a:sysClr val="windowText" lastClr="000000"/>
+      </a:dk1>
+      <a:lt1>
+        <a:sysClr val="window" lastClr="FFFFFF"/>
+      </a:lt1>
+      <a:dk2>
+        <a:srgbClr val="44546A"/>
+      </a:dk2>
+      <a:lt2>
+        <a:srgbClr val="E7E6E6"/>
+      </a:lt2>
+      <a:accent1>
+        <a:srgbClr val="4472C4"/>
+      </a:accent1>
+      <a:accent2>
+        <a:srgbClr val="ED7D31"/>
+      </a:accent2>
+      <a:accent3>
+        <a:srgbClr val="A5A5A5"/>
+      </a:accent3>
+      <a:accent4>
+        <a:srgbClr val="FFC000"/>
+      </a:accent4>
+      <a:accent5>
+        <a:srgbClr val="5B9BD5"/>
+      </a:accent5>
+      <a:accent6>
+        <a:srgbClr val="70AD47"/>
+      </a:accent6>
+      <a:hlink>
+        <a:srgbClr val="0563C1"/>
+      </a:hlink>
+      <a:folHlink>
+        <a:srgbClr val="954F72"/>
+      </a:folHlink>
+    </a:clrScheme>
+    <a:fontScheme name="Office">
+      <a:majorFont>
+        <a:latin typeface="Calibri Light" panose="020F0302020204030204"/>
+        <a:ea typeface=""/>
+        <a:cs typeface=""/>
+        <a:font script="Jpan" typeface="游ゴシック Light"/>
+        <a:font script="Hang" typeface="맑은 고딕"/>
+        <a:font script="Hans" typeface="等线 Light"/>
+        <a:font script="Hant" typeface="新細明體"/>
+        <a:font script="Arab" typeface="Times New Roman"/>
+        <a:font script="Hebr" typeface="Times New Roman"/>
+        <a:font script="Thai" typeface="Angsana New"/>
+        <a:font script="Ethi" typeface="Nyala"/>
+        <a:font script="Beng" typeface="Vrinda"/>
+        <a:font script="Gujr" typeface="Shruti"/>
+        <a:font script="Khmr" typeface="MoolBoran"/>
+        <a:font script="Knda" typeface="Tunga"/>
+        <a:font script="Guru" typeface="Raavi"/>
+        <a:font script="Cans" typeface="Euphemia"/>
+        <a:font script="Cher" typeface="Plantagenet Cherokee"/>
+        <a:font script="Yiii" typeface="Microsoft Yi Baiti"/>
+        <a:font script="Tibt" typeface="Microsoft Himalaya"/>
+        <a:font script="Thaa" typeface="MV Boli"/>
+        <a:font script="Deva" typeface="Mangal"/>
+        <a:font script="Telu" typeface="Gautami"/>
+        <a:font script="Taml" typeface="Latha"/>
+        <a:font script="Syrc" typeface="Estrangelo Edessa"/>
+        <a:font script="Orya" typeface="Kalinga"/>
+        <a:font script="Mlym" typeface="Kartika"/>
+        <a:font script="Laoo" typeface="DokChampa"/>
+        <a:font script="Sinh" typeface="Iskoola Pota"/>
+        <a:font script="Mong" typeface="Mongolian Baiti"/>
+        <a:font script="Viet" typeface="Times New Roman"/>
+        <a:font script="Uigh" typeface="Microsoft Uighur"/>
+        <a:font script="Geor" typeface="Sylfaen"/>
+        <a:font script="Armn" typeface="Arial"/>
+        <a:font script="Bugi" typeface="Leelawadee UI"/>
+        <a:font script="Bopo" typeface="Microsoft JhengHei"/>
+        <a:font script="Java" typeface="Javanese Text"/>
+        <a:font script="Lisu" typeface="Segoe UI"/>
+        <a:font script="Mymr" typeface="Myanmar Text"/>
+        <a:font script="Nkoo" typeface="Ebrima"/>
+        <a:font script="Olck" typeface="Nirmala UI"/>
+        <a:font script="Osma" typeface="Ebrima"/>
+        <a:font script="Phag" typeface="Phagspa"/>
+        <a:font script="Syrn" typeface="Estrangelo Edessa"/>
+        <a:font script="Syrj" typeface="Estrangelo Edessa"/>
+        <a:font script="Syre" typeface="Estrangelo Edessa"/>
+        <a:font script="Sora" typeface="Nirmala UI"/>
+        <a:font script="Tale" typeface="Microsoft Tai Le"/>
+        <a:font script="Talu" typeface="Microsoft New Tai Lue"/>
+        <a:font script="Tfng" typeface="Ebrima"/>
+      </a:majorFont>
+      <a:minorFont>
+        <a:latin typeface="Calibri" panose="020F0502020204030204"/>
+        <a:ea typeface=""/>
+        <a:cs typeface=""/>
+        <a:font script="Jpan" typeface="游ゴシック"/>
+        <a:font script="Hang" typeface="맑은 고딕"/>
+        <a:font script="Hans" typeface="等线"/>
+        <a:font script="Hant" typeface="新細明體"/>
+        <a:font script="Arab" typeface="Arial"/>
+        <a:font script="Hebr" typeface="Arial"/>
+        <a:font script="Thai" typeface="Cordia New"/>
+        <a:font script="Ethi" typeface="Nyala"/>
+        <a:font script="Beng" typeface="Vrinda"/>
+        <a:font script="Gujr" typeface="Shruti"/>
+        <a:font script="Khmr" typeface="DaunPenh"/>
+        <a:font script="Knda" typeface="Tunga"/>
+        <a:font script="Guru" typeface="Raavi"/>
+        <a:font script="Cans" typeface="Euphemia"/>
+        <a:font script="Cher" typeface="Plantagenet Cherokee"/>
+        <a:font script="Yiii" typeface="Microsoft Yi Baiti"/>
+        <a:font script="Tibt" typeface="Microsoft Himalaya"/>
+        <a:font script="Thaa" typeface="MV Boli"/>
+        <a:font script="Deva" typeface="Mangal"/>
+        <a:font script="Telu" typeface="Gautami"/>
+        <a:font script="Taml" typeface="Latha"/>
+        <a:font script="Syrc" typeface="Estrangelo Edessa"/>
+        <a:font script="Orya" typeface="Kalinga"/>
+        <a:font script="Mlym" typeface="Kartika"/>
+        <a:font script="Laoo" typeface="DokChampa"/>
+        <a:font script="Sinh" typeface="Iskoola Pota"/>
+        <a:font script="Mong" typeface="Mongolian Baiti"/>
+        <a:font script="Viet" typeface="Arial"/>
+        <a:font script="Uigh" typeface="Microsoft Uighur"/>
+        <a:font script="Geor" typeface="Sylfaen"/>
+        <a:font script="Armn" typeface="Arial"/>
+        <a:font script="Bugi" typeface="Leelawadee UI"/>
+        <a:font script="Bopo" typeface="Microsoft JhengHei"/>
+        <a:font script="Java" typeface="Javanese Text"/>
+        <a:font script="Lisu" typeface="Segoe UI"/>
+        <a:font script="Mymr" typeface="Myanmar Text"/>
+        <a:font script="Nkoo" typeface="Ebrima"/>
+        <a:font script="Olck" typeface="Nirmala UI"/>
+        <a:font script="Osma" typeface="Ebrima"/>
+        <a:font script="Phag" typeface="Phagspa"/>
+        <a:font script="Syrn" typeface="Estrangelo Edessa"/>
+        <a:font script="Syrj" typeface="Estrangelo Edessa"/>
+        <a:font script="Syre" typeface="Estrangelo Edessa"/>
+        <a:font script="Sora" typeface="Nirmala UI"/>
+        <a:font script="Tale" typeface="Microsoft Tai Le"/>
+        <a:font script="Talu" typeface="Microsoft New Tai Lue"/>
+        <a:font script="Tfng" typeface="Ebrima"/>
+      </a:minorFont>
+    </a:fontScheme>
+    <a:fmtScheme name="Office">
+      <a:fillStyleLst>
+        <a:solidFill>
+          <a:schemeClr val="phClr"/>
+        </a:solidFill>
+        <a:gradFill rotWithShape="1">
+          <a:gsLst>
+            <a:gs pos="0">
+              <a:schemeClr val="phClr">
+                <a:lumMod val="110000"/>
+                <a:satMod val="105000"/>
+                <a:tint val="67000"/>
+              </a:schemeClr>
+            </a:gs>
+            <a:gs pos="50000">
+              <a:schemeClr val="phClr">
+                <a:lumMod val="105000"/>
+                <a:satMod val="103000"/>
+                <a:tint val="73000"/>
+              </a:schemeClr>
+            </a:gs>
+            <a:gs pos="100000">
+              <a:schemeClr val="phClr">
+                <a:lumMod val="105000"/>
+                <a:satMod val="109000"/>
+                <a:tint val="81000"/>
+              </a:schemeClr>
+            </a:gs>
+          </a:gsLst>
+          <a:lin ang="5400000" scaled="0"/>
+        </a:gradFill>
+        <a:gradFill rotWithShape="1">
+          <a:gsLst>
+            <a:gs pos="0">
+              <a:schemeClr val="phClr">
+                <a:satMod val="103000"/>
+                <a:lumMod val="102000"/>
+                <a:tint val="94000"/>
+              </a:schemeClr>
+            </a:gs>
+            <a:gs pos="50000">
+              <a:schemeClr val="phClr">
+                <a:satMod val="110000"/>
+                <a:lumMod val="100000"/>
+                <a:shade val="100000"/>
+              </a:schemeClr>
+            </a:gs>
+            <a:gs pos="100000">
+              <a:schemeClr val="phClr">
+                <a:lumMod val="99000"/>
+                <a:satMod val="120000"/>
+                <a:shade val="78000"/>
+              </a:schemeClr>
+            </a:gs>
+          </a:gsLst>
+          <a:lin ang="5400000" scaled="0"/>
+        </a:gradFill>
+      </a:fillStyleLst>
+      <a:lnStyleLst>
+        <a:ln w="6350" cap="flat" cmpd="sng" algn="ctr">
+          <a:solidFill>
+            <a:schemeClr val="phClr"/>
+          </a:solidFill>
+          <a:prstDash val="solid"/>
+          <a:miter lim="800000"/>
+        </a:ln>
+        <a:ln w="12700" cap="flat" cmpd="sng" algn="ctr">
+          <a:solidFill>
+            <a:schemeClr val="phClr"/>
+          </a:solidFill>
+          <a:prstDash val="solid"/>
+          <a:miter lim="800000"/>
+        </a:ln>
+        <a:ln w="19050" cap="flat" cmpd="sng" algn="ctr">
+          <a:solidFill>
+            <a:schemeClr val="phClr"/>
+          </a:solidFill>
+          <a:prstDash val="solid"/>
+          <a:miter lim="800000"/>
+        </a:ln>
+      </a:lnStyleLst>
+      <a:effectStyleLst>
+        <a:effectStyle>
+          <a:effectLst/>
+        </a:effectStyle>
+        <a:effectStyle>
+          <a:effectLst/>
+        </a:effectStyle>
+        <a:effectStyle>
+          <a:effectLst>
+            <a:outerShdw blurRad="57150" dist="19050" dir="5400000" algn="ctr" rotWithShape="0">
+              <a:srgbClr val="000000">
+                <a:alpha val="63000"/>
+              </a:srgbClr>
+            </a:outerShdw>
+          </a:effectLst>
+        </a:effectStyle>
+      </a:effectStyleLst>
+      <a:bgFillStyleLst>
+        <a:solidFill>
+          <a:schemeClr val="phClr"/>
+        </a:solidFill>
+        <a:solidFill>
+          <a:schemeClr val="phClr">
+            <a:tint val="95000"/>
+            <a:satMod val="170000"/>
+          </a:schemeClr>
+        </a:solidFill>
+        <a:gradFill rotWithShape="1">
+          <a:gsLst>
+            <a:gs pos="0">
+              <a:schemeClr val="phClr">
+                <a:tint val="93000"/>
+                <a:satMod val="150000"/>
+                <a:shade val="98000"/>
+                <a:lumMod val="102000"/>
+              </a:schemeClr>
+            </a:gs>
+            <a:gs pos="50000">
+              <a:schemeClr val="phClr">
+                <a:tint val="98000"/>
+                <a:satMod val="130000"/>
+                <a:shade val="90000"/>
+                <a:lumMod val="103000"/>
+              </a:schemeClr>
+            </a:gs>
+            <a:gs pos="100000">
+              <a:schemeClr val="phClr">
+                <a:shade val="63000"/>
+                <a:satMod val="120000"/>
+              </a:schemeClr>
+            </a:gs>
+          </a:gsLst>
+          <a:lin ang="5400000" scaled="0"/>
+        </a:gradFill>
+      </a:bgFillStyleLst>
+    </a:fmtScheme>
+  </a:themeElements>
+  <a:objectDefaults/>
+  <a:extraClrSchemeLst/>
+  <a:extLst>
+    <a:ext uri="{05A4C25C-085E-4340-85A3-A5531E510DB2}">
+      <thm15:themeFamily xmlns:thm15="http://schemas.microsoft.com/office/thememl/2012/main" name="Office Theme" id="{62F939B6-93AF-4DB8-9C6B-D6C7DFDC589F}" vid="{4A3C46E8-61CC-4603-A589-7422A47A8E4A}"/>
+    </a:ext>
+  </a:extLst>
+</a:theme>
 </file>
--- a/Presentations/Presentation Jan 26.pptx
+++ b/Presentations/Presentation Jan 26.pptx
@@ -12044,13 +12044,8 @@
             <a:pPr lvl="1"/>
             <a:r>
               <a:rPr lang="en-US" sz="1800" dirty="0"/>
-              <a:t>We familiarized ourselves with </a:t>
-            </a:r>
-            <a:r>
-              <a:rPr lang="en-US" sz="1800" dirty="0" err="1"/>
-              <a:t>LTspice</a:t>
-            </a:r>
-            <a:endParaRPr lang="en-US" sz="1800" dirty="0"/>
+              <a:t>We familiarized ourselves with LTspice</a:t>
+            </a:r>
           </a:p>
           <a:p>
             <a:r>
@@ -12509,19 +12504,83 @@
             </a:pPr>
             <a:r>
               <a:rPr lang="en-US" dirty="0"/>
-              <a:t>We ran a couple of test programs on </a:t>
-            </a:r>
-            <a:r>
-              <a:rPr lang="en-US" dirty="0" err="1"/>
-              <a:t>vivado</a:t>
-            </a:r>
-            <a:r>
-              <a:rPr lang="en-US" dirty="0"/>
-              <a:t> to refamiliarize ourselves with Verilog and this new IDE. </a:t>
-            </a:r>
-          </a:p>
-        </p:txBody>
-      </p:sp>
+              <a:t>We ran a couple of test programs on Vivado to refamiliarize ourselves with Verilog and this new IDE. </a:t>
+            </a:r>
+          </a:p>
+        </p:txBody>
+      </p:sp>
+      <p:pic>
+        <p:nvPicPr>
+          <p:cNvPr id="5" name="Picture 4" descr="Text&#10;&#10;Description automatically generated">
+            <a:extLst>
+              <a:ext uri="{FF2B5EF4-FFF2-40B4-BE49-F238E27FC236}">
+                <a16:creationId xmlns:a16="http://schemas.microsoft.com/office/drawing/2014/main" id="{32E39510-5628-4D16-9814-F41483183498}"/>
+              </a:ext>
+            </a:extLst>
+          </p:cNvPr>
+          <p:cNvPicPr>
+            <a:picLocks noChangeAspect="1"/>
+          </p:cNvPicPr>
+          <p:nvPr/>
+        </p:nvPicPr>
+        <p:blipFill>
+          <a:blip r:embed="rId2">
+            <a:extLst>
+              <a:ext uri="{28A0092B-C50C-407E-A947-70E740481C1C}">
+                <a14:useLocalDpi xmlns:a14="http://schemas.microsoft.com/office/drawing/2010/main" val="0"/>
+              </a:ext>
+            </a:extLst>
+          </a:blip>
+          <a:stretch>
+            <a:fillRect/>
+          </a:stretch>
+        </p:blipFill>
+        <p:spPr>
+          <a:xfrm>
+            <a:off x="408623" y="3740069"/>
+            <a:ext cx="3363278" cy="2779432"/>
+          </a:xfrm>
+          <a:prstGeom prst="rect">
+            <a:avLst/>
+          </a:prstGeom>
+        </p:spPr>
+      </p:pic>
+      <p:pic>
+        <p:nvPicPr>
+          <p:cNvPr id="11" name="Picture 10" descr="Graphical user interface&#10;&#10;Description automatically generated">
+            <a:extLst>
+              <a:ext uri="{FF2B5EF4-FFF2-40B4-BE49-F238E27FC236}">
+                <a16:creationId xmlns:a16="http://schemas.microsoft.com/office/drawing/2014/main" id="{47FA40C9-B2A0-4FF8-BCAA-DB03B923738A}"/>
+              </a:ext>
+            </a:extLst>
+          </p:cNvPr>
+          <p:cNvPicPr>
+            <a:picLocks noChangeAspect="1"/>
+          </p:cNvPicPr>
+          <p:nvPr/>
+        </p:nvPicPr>
+        <p:blipFill>
+          <a:blip r:embed="rId3">
+            <a:extLst>
+              <a:ext uri="{28A0092B-C50C-407E-A947-70E740481C1C}">
+                <a14:useLocalDpi xmlns:a14="http://schemas.microsoft.com/office/drawing/2010/main" val="0"/>
+              </a:ext>
+            </a:extLst>
+          </a:blip>
+          <a:stretch>
+            <a:fillRect/>
+          </a:stretch>
+        </p:blipFill>
+        <p:spPr>
+          <a:xfrm>
+            <a:off x="4478845" y="3740068"/>
+            <a:ext cx="6901733" cy="2779431"/>
+          </a:xfrm>
+          <a:prstGeom prst="rect">
+            <a:avLst/>
+          </a:prstGeom>
+        </p:spPr>
+      </p:pic>
     </p:spTree>
     <p:extLst>
       <p:ext uri="{BB962C8B-B14F-4D97-AF65-F5344CB8AC3E}">
@@ -12606,19 +12665,83 @@
             </a:pPr>
             <a:r>
               <a:rPr lang="en-US" dirty="0"/>
-              <a:t>Installed and practiced using </a:t>
-            </a:r>
-            <a:r>
-              <a:rPr lang="en-US" dirty="0" err="1"/>
-              <a:t>LTspice</a:t>
-            </a:r>
-            <a:r>
-              <a:rPr lang="en-US" dirty="0"/>
-              <a:t> to familiarize ourselves with the program and how to design some circuits.  </a:t>
-            </a:r>
-          </a:p>
-        </p:txBody>
-      </p:sp>
+              <a:t>Installed and practiced using LTspice to familiarize ourselves with the program and how to design some circuits.  </a:t>
+            </a:r>
+          </a:p>
+        </p:txBody>
+      </p:sp>
+      <p:pic>
+        <p:nvPicPr>
+          <p:cNvPr id="5" name="Picture 4" descr="Diagram, schematic&#10;&#10;Description automatically generated">
+            <a:extLst>
+              <a:ext uri="{FF2B5EF4-FFF2-40B4-BE49-F238E27FC236}">
+                <a16:creationId xmlns:a16="http://schemas.microsoft.com/office/drawing/2014/main" id="{A2544BF7-C201-4305-B0E9-177960AB5B70}"/>
+              </a:ext>
+            </a:extLst>
+          </p:cNvPr>
+          <p:cNvPicPr>
+            <a:picLocks noChangeAspect="1"/>
+          </p:cNvPicPr>
+          <p:nvPr/>
+        </p:nvPicPr>
+        <p:blipFill>
+          <a:blip r:embed="rId2">
+            <a:extLst>
+              <a:ext uri="{28A0092B-C50C-407E-A947-70E740481C1C}">
+                <a14:useLocalDpi xmlns:a14="http://schemas.microsoft.com/office/drawing/2010/main" val="0"/>
+              </a:ext>
+            </a:extLst>
+          </a:blip>
+          <a:stretch>
+            <a:fillRect/>
+          </a:stretch>
+        </p:blipFill>
+        <p:spPr>
+          <a:xfrm>
+            <a:off x="191025" y="3570923"/>
+            <a:ext cx="5501072" cy="2948957"/>
+          </a:xfrm>
+          <a:prstGeom prst="rect">
+            <a:avLst/>
+          </a:prstGeom>
+        </p:spPr>
+      </p:pic>
+      <p:pic>
+        <p:nvPicPr>
+          <p:cNvPr id="7" name="Picture 6" descr="Background pattern&#10;&#10;Description automatically generated with medium confidence">
+            <a:extLst>
+              <a:ext uri="{FF2B5EF4-FFF2-40B4-BE49-F238E27FC236}">
+                <a16:creationId xmlns:a16="http://schemas.microsoft.com/office/drawing/2014/main" id="{F792A904-EED8-4326-A9AA-32FA325ADFA7}"/>
+              </a:ext>
+            </a:extLst>
+          </p:cNvPr>
+          <p:cNvPicPr>
+            <a:picLocks noChangeAspect="1"/>
+          </p:cNvPicPr>
+          <p:nvPr/>
+        </p:nvPicPr>
+        <p:blipFill>
+          <a:blip r:embed="rId3">
+            <a:extLst>
+              <a:ext uri="{28A0092B-C50C-407E-A947-70E740481C1C}">
+                <a14:useLocalDpi xmlns:a14="http://schemas.microsoft.com/office/drawing/2010/main" val="0"/>
+              </a:ext>
+            </a:extLst>
+          </a:blip>
+          <a:stretch>
+            <a:fillRect/>
+          </a:stretch>
+        </p:blipFill>
+        <p:spPr>
+          <a:xfrm>
+            <a:off x="5746370" y="3570922"/>
+            <a:ext cx="6254605" cy="2948958"/>
+          </a:xfrm>
+          <a:prstGeom prst="rect">
+            <a:avLst/>
+          </a:prstGeom>
+        </p:spPr>
+      </p:pic>
     </p:spTree>
     <p:extLst>
       <p:ext uri="{BB962C8B-B14F-4D97-AF65-F5344CB8AC3E}">
@@ -12703,19 +12826,41 @@
             </a:pPr>
             <a:r>
               <a:rPr lang="en-US" dirty="0"/>
-              <a:t>We decided to switch from Microsoft </a:t>
-            </a:r>
-            <a:r>
-              <a:rPr lang="en-US" dirty="0" err="1"/>
-              <a:t>Onedrive</a:t>
-            </a:r>
-            <a:r>
-              <a:rPr lang="en-US" dirty="0"/>
-              <a:t> to GitLab as we were having issues syncing data.</a:t>
-            </a:r>
-          </a:p>
-        </p:txBody>
-      </p:sp>
+              <a:t>We decided to switch from Microsoft OneDrive to GitLab as we were having issues syncing data.</a:t>
+            </a:r>
+          </a:p>
+        </p:txBody>
+      </p:sp>
+      <p:pic>
+        <p:nvPicPr>
+          <p:cNvPr id="5" name="Picture 4">
+            <a:extLst>
+              <a:ext uri="{FF2B5EF4-FFF2-40B4-BE49-F238E27FC236}">
+                <a16:creationId xmlns:a16="http://schemas.microsoft.com/office/drawing/2014/main" id="{19A62DDC-151A-473C-BBB1-C504379A5889}"/>
+              </a:ext>
+            </a:extLst>
+          </p:cNvPr>
+          <p:cNvPicPr>
+            <a:picLocks noChangeAspect="1"/>
+          </p:cNvPicPr>
+          <p:nvPr/>
+        </p:nvPicPr>
+        <p:blipFill>
+          <a:blip r:embed="rId2"/>
+          <a:stretch>
+            <a:fillRect/>
+          </a:stretch>
+        </p:blipFill>
+        <p:spPr>
+          <a:xfrm>
+            <a:off x="1437625" y="3438048"/>
+            <a:ext cx="9316750" cy="3419952"/>
+          </a:xfrm>
+          <a:prstGeom prst="rect">
+            <a:avLst/>
+          </a:prstGeom>
+        </p:spPr>
+      </p:pic>
     </p:spTree>
     <p:extLst>
       <p:ext uri="{BB962C8B-B14F-4D97-AF65-F5344CB8AC3E}">

--- a/Presentations/Presentation Jan 26.pptx
+++ b/Presentations/Presentation Jan 26.pptx
@@ -11536,6 +11536,58 @@
           </a:p>
         </p:txBody>
       </p:sp>
+      <p:sp>
+        <p:nvSpPr>
+          <p:cNvPr id="14" name="Rectangle 13">
+            <a:extLst>
+              <a:ext uri="{FF2B5EF4-FFF2-40B4-BE49-F238E27FC236}">
+                <a16:creationId xmlns:a16="http://schemas.microsoft.com/office/drawing/2014/main" id="{6F182BAF-680B-4F1C-AB5F-6C72BD64B14F}"/>
+              </a:ext>
+            </a:extLst>
+          </p:cNvPr>
+          <p:cNvSpPr/>
+          <p:nvPr/>
+        </p:nvSpPr>
+        <p:spPr>
+          <a:xfrm>
+            <a:off x="10949707" y="1725684"/>
+            <a:ext cx="570782" cy="1314943"/>
+          </a:xfrm>
+          <a:prstGeom prst="rect">
+            <a:avLst/>
+          </a:prstGeom>
+          <a:noFill/>
+          <a:ln>
+            <a:solidFill>
+              <a:srgbClr val="FF0000"/>
+            </a:solidFill>
+          </a:ln>
+        </p:spPr>
+        <p:style>
+          <a:lnRef idx="2">
+            <a:schemeClr val="accent1">
+              <a:shade val="50000"/>
+            </a:schemeClr>
+          </a:lnRef>
+          <a:fillRef idx="1">
+            <a:schemeClr val="accent1"/>
+          </a:fillRef>
+          <a:effectRef idx="0">
+            <a:schemeClr val="accent1"/>
+          </a:effectRef>
+          <a:fontRef idx="minor">
+            <a:schemeClr val="lt1"/>
+          </a:fontRef>
+        </p:style>
+        <p:txBody>
+          <a:bodyPr rtlCol="0" anchor="ctr"/>
+          <a:lstStyle/>
+          <a:p>
+            <a:pPr algn="ctr"/>
+            <a:endParaRPr lang="en-US"/>
+          </a:p>
+        </p:txBody>
+      </p:sp>
     </p:spTree>
     <p:extLst>
       <p:ext uri="{BB962C8B-B14F-4D97-AF65-F5344CB8AC3E}">
@@ -13132,6 +13184,58 @@
           </a:p>
         </p:txBody>
       </p:sp>
+      <p:sp>
+        <p:nvSpPr>
+          <p:cNvPr id="3" name="Rectangle 2">
+            <a:extLst>
+              <a:ext uri="{FF2B5EF4-FFF2-40B4-BE49-F238E27FC236}">
+                <a16:creationId xmlns:a16="http://schemas.microsoft.com/office/drawing/2014/main" id="{374F1D9D-4F5C-4ABA-8E17-FCAAB7F2944C}"/>
+              </a:ext>
+            </a:extLst>
+          </p:cNvPr>
+          <p:cNvSpPr/>
+          <p:nvPr/>
+        </p:nvSpPr>
+        <p:spPr>
+          <a:xfrm>
+            <a:off x="5079993" y="3429000"/>
+            <a:ext cx="5575307" cy="165100"/>
+          </a:xfrm>
+          <a:prstGeom prst="rect">
+            <a:avLst/>
+          </a:prstGeom>
+          <a:noFill/>
+          <a:ln>
+            <a:solidFill>
+              <a:srgbClr val="FF0000"/>
+            </a:solidFill>
+          </a:ln>
+        </p:spPr>
+        <p:style>
+          <a:lnRef idx="2">
+            <a:schemeClr val="accent1">
+              <a:shade val="50000"/>
+            </a:schemeClr>
+          </a:lnRef>
+          <a:fillRef idx="1">
+            <a:schemeClr val="accent1"/>
+          </a:fillRef>
+          <a:effectRef idx="0">
+            <a:schemeClr val="accent1"/>
+          </a:effectRef>
+          <a:fontRef idx="minor">
+            <a:schemeClr val="lt1"/>
+          </a:fontRef>
+        </p:style>
+        <p:txBody>
+          <a:bodyPr rtlCol="0" anchor="ctr"/>
+          <a:lstStyle/>
+          <a:p>
+            <a:pPr algn="ctr"/>
+            <a:endParaRPr lang="en-US"/>
+          </a:p>
+        </p:txBody>
+      </p:sp>
     </p:spTree>
     <p:extLst>
       <p:ext uri="{BB962C8B-B14F-4D97-AF65-F5344CB8AC3E}">
@@ -17029,7 +17133,7 @@
           <p:nvPr/>
         </p:nvPicPr>
         <p:blipFill>
-          <a:blip r:embed="rId2">
+          <a:blip r:embed="rId2" cstate="print">
             <a:extLst>
               <a:ext uri="{28A0092B-C50C-407E-A947-70E740481C1C}">
                 <a14:useLocalDpi xmlns:a14="http://schemas.microsoft.com/office/drawing/2010/main" val="0"/>
@@ -17829,7 +17933,7 @@
           <p:nvPr/>
         </p:nvPicPr>
         <p:blipFill>
-          <a:blip r:embed="rId2">
+          <a:blip r:embed="rId2" cstate="print">
             <a:extLst>
               <a:ext uri="{28A0092B-C50C-407E-A947-70E740481C1C}">
                 <a14:useLocalDpi xmlns:a14="http://schemas.microsoft.com/office/drawing/2010/main" val="0"/>

--- a/Presentations/Presentation Jan 26.pptx
+++ b/Presentations/Presentation Jan 26.pptx
@@ -11536,58 +11536,6 @@
           </a:p>
         </p:txBody>
       </p:sp>
-      <p:sp>
-        <p:nvSpPr>
-          <p:cNvPr id="14" name="Rectangle 13">
-            <a:extLst>
-              <a:ext uri="{FF2B5EF4-FFF2-40B4-BE49-F238E27FC236}">
-                <a16:creationId xmlns:a16="http://schemas.microsoft.com/office/drawing/2014/main" id="{6F182BAF-680B-4F1C-AB5F-6C72BD64B14F}"/>
-              </a:ext>
-            </a:extLst>
-          </p:cNvPr>
-          <p:cNvSpPr/>
-          <p:nvPr/>
-        </p:nvSpPr>
-        <p:spPr>
-          <a:xfrm>
-            <a:off x="10949707" y="1725684"/>
-            <a:ext cx="570782" cy="1314943"/>
-          </a:xfrm>
-          <a:prstGeom prst="rect">
-            <a:avLst/>
-          </a:prstGeom>
-          <a:noFill/>
-          <a:ln>
-            <a:solidFill>
-              <a:srgbClr val="FF0000"/>
-            </a:solidFill>
-          </a:ln>
-        </p:spPr>
-        <p:style>
-          <a:lnRef idx="2">
-            <a:schemeClr val="accent1">
-              <a:shade val="50000"/>
-            </a:schemeClr>
-          </a:lnRef>
-          <a:fillRef idx="1">
-            <a:schemeClr val="accent1"/>
-          </a:fillRef>
-          <a:effectRef idx="0">
-            <a:schemeClr val="accent1"/>
-          </a:effectRef>
-          <a:fontRef idx="minor">
-            <a:schemeClr val="lt1"/>
-          </a:fontRef>
-        </p:style>
-        <p:txBody>
-          <a:bodyPr rtlCol="0" anchor="ctr"/>
-          <a:lstStyle/>
-          <a:p>
-            <a:pPr algn="ctr"/>
-            <a:endParaRPr lang="en-US"/>
-          </a:p>
-        </p:txBody>
-      </p:sp>
     </p:spTree>
     <p:extLst>
       <p:ext uri="{BB962C8B-B14F-4D97-AF65-F5344CB8AC3E}">
@@ -13184,58 +13132,6 @@
           </a:p>
         </p:txBody>
       </p:sp>
-      <p:sp>
-        <p:nvSpPr>
-          <p:cNvPr id="3" name="Rectangle 2">
-            <a:extLst>
-              <a:ext uri="{FF2B5EF4-FFF2-40B4-BE49-F238E27FC236}">
-                <a16:creationId xmlns:a16="http://schemas.microsoft.com/office/drawing/2014/main" id="{374F1D9D-4F5C-4ABA-8E17-FCAAB7F2944C}"/>
-              </a:ext>
-            </a:extLst>
-          </p:cNvPr>
-          <p:cNvSpPr/>
-          <p:nvPr/>
-        </p:nvSpPr>
-        <p:spPr>
-          <a:xfrm>
-            <a:off x="5079993" y="3429000"/>
-            <a:ext cx="5575307" cy="165100"/>
-          </a:xfrm>
-          <a:prstGeom prst="rect">
-            <a:avLst/>
-          </a:prstGeom>
-          <a:noFill/>
-          <a:ln>
-            <a:solidFill>
-              <a:srgbClr val="FF0000"/>
-            </a:solidFill>
-          </a:ln>
-        </p:spPr>
-        <p:style>
-          <a:lnRef idx="2">
-            <a:schemeClr val="accent1">
-              <a:shade val="50000"/>
-            </a:schemeClr>
-          </a:lnRef>
-          <a:fillRef idx="1">
-            <a:schemeClr val="accent1"/>
-          </a:fillRef>
-          <a:effectRef idx="0">
-            <a:schemeClr val="accent1"/>
-          </a:effectRef>
-          <a:fontRef idx="minor">
-            <a:schemeClr val="lt1"/>
-          </a:fontRef>
-        </p:style>
-        <p:txBody>
-          <a:bodyPr rtlCol="0" anchor="ctr"/>
-          <a:lstStyle/>
-          <a:p>
-            <a:pPr algn="ctr"/>
-            <a:endParaRPr lang="en-US"/>
-          </a:p>
-        </p:txBody>
-      </p:sp>
     </p:spTree>
     <p:extLst>
       <p:ext uri="{BB962C8B-B14F-4D97-AF65-F5344CB8AC3E}">
@@ -17133,7 +17029,7 @@
           <p:nvPr/>
         </p:nvPicPr>
         <p:blipFill>
-          <a:blip r:embed="rId2" cstate="print">
+          <a:blip r:embed="rId2">
             <a:extLst>
               <a:ext uri="{28A0092B-C50C-407E-A947-70E740481C1C}">
                 <a14:useLocalDpi xmlns:a14="http://schemas.microsoft.com/office/drawing/2010/main" val="0"/>
@@ -17933,7 +17829,7 @@
           <p:nvPr/>
         </p:nvPicPr>
         <p:blipFill>
-          <a:blip r:embed="rId2" cstate="print">
+          <a:blip r:embed="rId2">
             <a:extLst>
               <a:ext uri="{28A0092B-C50C-407E-A947-70E740481C1C}">
                 <a14:useLocalDpi xmlns:a14="http://schemas.microsoft.com/office/drawing/2010/main" val="0"/>
